--- a/Projeto_Normalização/Apresentação_Final/AulaInvertida_Normalizacao.pptx
+++ b/Projeto_Normalização/Apresentação_Final/AulaInvertida_Normalizacao.pptx
@@ -5,7 +5,7 @@
     <p:sldMasterId id="2147483660" r:id="rId4"/>
   </p:sldMasterIdLst>
   <p:handoutMasterIdLst>
-    <p:handoutMasterId r:id="rId22"/>
+    <p:handoutMasterId r:id="rId28"/>
   </p:handoutMasterIdLst>
   <p:sldIdLst>
     <p:sldId id="257" r:id="rId5"/>
@@ -18,13 +18,19 @@
     <p:sldId id="265" r:id="rId12"/>
     <p:sldId id="262" r:id="rId13"/>
     <p:sldId id="266" r:id="rId14"/>
-    <p:sldId id="268" r:id="rId15"/>
-    <p:sldId id="272" r:id="rId16"/>
-    <p:sldId id="269" r:id="rId17"/>
-    <p:sldId id="275" r:id="rId18"/>
-    <p:sldId id="270" r:id="rId19"/>
-    <p:sldId id="273" r:id="rId20"/>
-    <p:sldId id="259" r:id="rId21"/>
+    <p:sldId id="277" r:id="rId15"/>
+    <p:sldId id="268" r:id="rId16"/>
+    <p:sldId id="272" r:id="rId17"/>
+    <p:sldId id="278" r:id="rId18"/>
+    <p:sldId id="269" r:id="rId19"/>
+    <p:sldId id="279" r:id="rId20"/>
+    <p:sldId id="275" r:id="rId21"/>
+    <p:sldId id="280" r:id="rId22"/>
+    <p:sldId id="270" r:id="rId23"/>
+    <p:sldId id="281" r:id="rId24"/>
+    <p:sldId id="273" r:id="rId25"/>
+    <p:sldId id="282" r:id="rId26"/>
+    <p:sldId id="259" r:id="rId27"/>
   </p:sldIdLst>
   <p:sldSz cx="9144000" cy="6858000" type="screen4x3"/>
   <p:notesSz cx="6858000" cy="9144000"/>
@@ -134,15 +140,6 @@
 </p:presentation>
 </file>
 
-<file path=ppt/revisionInfo.xml><?xml version="1.0" encoding="utf-8"?>
-<p1510:revInfo xmlns:a="http://schemas.openxmlformats.org/drawingml/2006/main" xmlns:r="http://schemas.openxmlformats.org/officeDocument/2006/relationships" xmlns:p1510="http://schemas.microsoft.com/office/powerpoint/2015/10/main">
-  <p1510:revLst>
-    <p1510:client id="{7278D790-EAD9-F452-9D86-38CCA4AF8933}" v="3759" dt="2021-08-12T14:02:50.299"/>
-    <p1510:client id="{A126B8DB-1AC7-40E8-A399-93C2ABE68C9A}" v="1307" dt="2021-08-12T14:03:36.272"/>
-  </p1510:revLst>
-</p1510:revInfo>
-</file>
-
 <file path=ppt/handoutMasters/handoutMaster1.xml><?xml version="1.0" encoding="utf-8"?>
 <p:handoutMaster xmlns:a="http://schemas.openxmlformats.org/drawingml/2006/main" xmlns:r="http://schemas.openxmlformats.org/officeDocument/2006/relationships" xmlns:p="http://schemas.openxmlformats.org/presentationml/2006/main">
   <p:cSld>
@@ -225,7 +222,7 @@
           <a:p>
             <a:fld id="{0363B5EF-C2FE-4558-B393-3D874534693D}" type="datetimeFigureOut">
               <a:rPr lang="pt-BR" smtClean="0"/>
-              <a:t>12/08/2021</a:t>
+              <a:t>13/08/2021</a:t>
             </a:fld>
             <a:endParaRPr lang="pt-BR"/>
           </a:p>
@@ -372,7 +369,7 @@
           <a:p>
             <a:fld id="{5193A530-045E-4FBC-827D-EE4599172689}" type="datetimeFigureOut">
               <a:rPr lang="pt-BR" smtClean="0"/>
-              <a:t>12/08/2021</a:t>
+              <a:t>13/08/2021</a:t>
             </a:fld>
             <a:endParaRPr lang="pt-BR"/>
           </a:p>
@@ -1314,7 +1311,7 @@
           <a:p>
             <a:fld id="{5193A530-045E-4FBC-827D-EE4599172689}" type="datetimeFigureOut">
               <a:rPr lang="pt-BR" smtClean="0"/>
-              <a:t>12/08/2021</a:t>
+              <a:t>13/08/2021</a:t>
             </a:fld>
             <a:endParaRPr lang="pt-BR"/>
           </a:p>
@@ -1544,7 +1541,7 @@
           <a:p>
             <a:fld id="{5193A530-045E-4FBC-827D-EE4599172689}" type="datetimeFigureOut">
               <a:rPr lang="pt-BR" smtClean="0"/>
-              <a:t>12/08/2021</a:t>
+              <a:t>13/08/2021</a:t>
             </a:fld>
             <a:endParaRPr lang="pt-BR"/>
           </a:p>
@@ -1784,7 +1781,7 @@
           <a:p>
             <a:fld id="{5193A530-045E-4FBC-827D-EE4599172689}" type="datetimeFigureOut">
               <a:rPr lang="pt-BR" smtClean="0"/>
-              <a:t>12/08/2021</a:t>
+              <a:t>13/08/2021</a:t>
             </a:fld>
             <a:endParaRPr lang="pt-BR"/>
           </a:p>
@@ -2022,7 +2019,7 @@
           <a:p>
             <a:fld id="{5193A530-045E-4FBC-827D-EE4599172689}" type="datetimeFigureOut">
               <a:rPr lang="pt-BR" smtClean="0"/>
-              <a:t>12/08/2021</a:t>
+              <a:t>13/08/2021</a:t>
             </a:fld>
             <a:endParaRPr lang="pt-BR"/>
           </a:p>
@@ -2223,7 +2220,7 @@
           <a:p>
             <a:fld id="{5193A530-045E-4FBC-827D-EE4599172689}" type="datetimeFigureOut">
               <a:rPr lang="pt-BR" smtClean="0"/>
-              <a:t>12/08/2021</a:t>
+              <a:t>13/08/2021</a:t>
             </a:fld>
             <a:endParaRPr lang="pt-BR"/>
           </a:p>
@@ -2496,7 +2493,7 @@
           <a:p>
             <a:fld id="{5193A530-045E-4FBC-827D-EE4599172689}" type="datetimeFigureOut">
               <a:rPr lang="pt-BR" smtClean="0"/>
-              <a:t>12/08/2021</a:t>
+              <a:t>13/08/2021</a:t>
             </a:fld>
             <a:endParaRPr lang="pt-BR"/>
           </a:p>
@@ -3189,7 +3186,7 @@
           <a:p>
             <a:fld id="{5193A530-045E-4FBC-827D-EE4599172689}" type="datetimeFigureOut">
               <a:rPr lang="pt-BR" smtClean="0"/>
-              <a:t>12/08/2021</a:t>
+              <a:t>13/08/2021</a:t>
             </a:fld>
             <a:endParaRPr lang="pt-BR"/>
           </a:p>
@@ -3616,7 +3613,7 @@
           <a:p>
             <a:fld id="{5193A530-045E-4FBC-827D-EE4599172689}" type="datetimeFigureOut">
               <a:rPr lang="pt-BR" smtClean="0"/>
-              <a:t>12/08/2021</a:t>
+              <a:t>13/08/2021</a:t>
             </a:fld>
             <a:endParaRPr lang="pt-BR"/>
           </a:p>
@@ -3794,7 +3791,7 @@
           <a:p>
             <a:fld id="{5193A530-045E-4FBC-827D-EE4599172689}" type="datetimeFigureOut">
               <a:rPr lang="pt-BR" smtClean="0"/>
-              <a:t>12/08/2021</a:t>
+              <a:t>13/08/2021</a:t>
             </a:fld>
             <a:endParaRPr lang="pt-BR"/>
           </a:p>
@@ -3949,7 +3946,7 @@
           <a:p>
             <a:fld id="{5193A530-045E-4FBC-827D-EE4599172689}" type="datetimeFigureOut">
               <a:rPr lang="pt-BR" smtClean="0"/>
-              <a:t>12/08/2021</a:t>
+              <a:t>13/08/2021</a:t>
             </a:fld>
             <a:endParaRPr lang="pt-BR"/>
           </a:p>
@@ -4286,7 +4283,7 @@
           <a:p>
             <a:fld id="{5193A530-045E-4FBC-827D-EE4599172689}" type="datetimeFigureOut">
               <a:rPr lang="pt-BR" smtClean="0"/>
-              <a:t>12/08/2021</a:t>
+              <a:t>13/08/2021</a:t>
             </a:fld>
             <a:endParaRPr lang="pt-BR"/>
           </a:p>
@@ -4538,7 +4535,7 @@
           <a:p>
             <a:fld id="{5193A530-045E-4FBC-827D-EE4599172689}" type="datetimeFigureOut">
               <a:rPr lang="pt-BR" smtClean="0"/>
-              <a:t>12/08/2021</a:t>
+              <a:t>13/08/2021</a:t>
             </a:fld>
             <a:endParaRPr lang="pt-BR"/>
           </a:p>
@@ -5073,7 +5070,7 @@
         </p:spPr>
         <p:txBody>
           <a:bodyPr vert="horz" lIns="91440" tIns="45720" rIns="91440" bIns="45720" rtlCol="0" anchor="t">
-            <a:normAutofit fontScale="92500" lnSpcReduction="10000"/>
+            <a:normAutofit/>
           </a:bodyPr>
           <a:lstStyle/>
           <a:p>
@@ -5190,459 +5187,324 @@
       </p:grpSpPr>
       <p:sp>
         <p:nvSpPr>
-          <p:cNvPr id="2" name="Espaço Reservado para Conteúdo 1"/>
-          <p:cNvSpPr>
-            <a:spLocks noGrp="1"/>
-          </p:cNvSpPr>
-          <p:nvPr>
-            <p:ph idx="1"/>
-          </p:nvPr>
+          <p:cNvPr id="3" name="Espaço Reservado para Texto 2"/>
+          <p:cNvSpPr>
+            <a:spLocks noGrp="1"/>
+          </p:cNvSpPr>
+          <p:nvPr>
+            <p:ph type="body" sz="quarter" idx="13"/>
+          </p:nvPr>
+        </p:nvSpPr>
+        <p:spPr/>
+        <p:txBody>
+          <a:bodyPr vert="horz" lIns="91440" tIns="45720" rIns="91440" bIns="45720" rtlCol="0" anchor="t">
+            <a:normAutofit lnSpcReduction="10000"/>
+          </a:bodyPr>
+          <a:lstStyle/>
+          <a:p>
+            <a:pPr algn="just"/>
+            <a:r>
+              <a:rPr lang="pt-BR">
+                <a:latin typeface="Montserrat"/>
+              </a:rPr>
+              <a:t>Primeira forma normal (1FN)</a:t>
+            </a:r>
+          </a:p>
+          <a:p>
+            <a:endParaRPr lang="pt-BR"/>
+          </a:p>
+        </p:txBody>
+      </p:sp>
+      <p:sp>
+        <p:nvSpPr>
+          <p:cNvPr id="6" name="Espaço Reservado para Conteúdo 4">
+            <a:extLst>
+              <a:ext uri="{FF2B5EF4-FFF2-40B4-BE49-F238E27FC236}">
+                <a16:creationId xmlns:a16="http://schemas.microsoft.com/office/drawing/2014/main" id="{AFB5D1F8-E7F5-4C78-A4B6-DEC824B4EC68}"/>
+              </a:ext>
+            </a:extLst>
+          </p:cNvPr>
+          <p:cNvSpPr txBox="1">
+            <a:spLocks/>
+          </p:cNvSpPr>
+          <p:nvPr/>
         </p:nvSpPr>
         <p:spPr>
           <a:xfrm>
-            <a:off x="628650" y="1615276"/>
-            <a:ext cx="7886700" cy="4044103"/>
+            <a:off x="628649" y="1140823"/>
+            <a:ext cx="7886700" cy="5036140"/>
           </a:xfrm>
+          <a:prstGeom prst="rect">
+            <a:avLst/>
+          </a:prstGeom>
         </p:spPr>
         <p:txBody>
-          <a:bodyPr vert="horz" lIns="91440" tIns="45720" rIns="91440" bIns="45720" rtlCol="0" anchor="t">
+          <a:bodyPr vert="horz" lIns="91440" tIns="45720" rIns="91440" bIns="45720" rtlCol="0">
             <a:normAutofit/>
           </a:bodyPr>
-          <a:lstStyle/>
-          <a:p>
-            <a:pPr algn="just"/>
-            <a:r>
-              <a:rPr lang="pt-BR" sz="2600" b="1">
-                <a:latin typeface="Montserrat"/>
-                <a:cs typeface="Arial"/>
-              </a:rPr>
-              <a:t>“Todas as colunas devem ter dependência funcional com a totalidade de cada chave candidata.”</a:t>
-            </a:r>
-            <a:endParaRPr lang="pt-BR" sz="2600"/>
-          </a:p>
-          <a:p>
-            <a:pPr marL="0" indent="0" algn="just">
-              <a:buNone/>
-            </a:pPr>
-            <a:endParaRPr lang="pt-BR" sz="2600" b="1">
-              <a:latin typeface="Montserrat"/>
-              <a:cs typeface="Arial"/>
-            </a:endParaRPr>
-          </a:p>
-          <a:p>
-            <a:pPr algn="just"/>
-            <a:r>
-              <a:rPr lang="en-US" sz="2600">
-                <a:latin typeface="Montserrat"/>
-                <a:cs typeface="Arial"/>
-              </a:rPr>
-              <a:t>Uma </a:t>
-            </a:r>
-            <a:r>
-              <a:rPr lang="en-US" sz="2600" err="1">
-                <a:latin typeface="Montserrat"/>
-                <a:cs typeface="Arial"/>
-              </a:rPr>
-              <a:t>tabela</a:t>
-            </a:r>
-            <a:r>
-              <a:rPr lang="en-US" sz="2600">
-                <a:latin typeface="Montserrat"/>
-                <a:cs typeface="Arial"/>
-              </a:rPr>
-              <a:t> </a:t>
-            </a:r>
-            <a:r>
-              <a:rPr lang="en-US" sz="2600" err="1">
-                <a:latin typeface="Montserrat"/>
-                <a:cs typeface="Arial"/>
-              </a:rPr>
-              <a:t>está</a:t>
-            </a:r>
-            <a:r>
-              <a:rPr lang="en-US" sz="2600">
-                <a:latin typeface="Montserrat"/>
-                <a:cs typeface="Arial"/>
-              </a:rPr>
-              <a:t> </a:t>
-            </a:r>
-            <a:r>
-              <a:rPr lang="en-US" sz="2600" err="1">
-                <a:latin typeface="Montserrat"/>
-                <a:cs typeface="Arial"/>
-              </a:rPr>
-              <a:t>na</a:t>
-            </a:r>
-            <a:r>
-              <a:rPr lang="en-US" sz="2600">
-                <a:latin typeface="Montserrat"/>
-                <a:cs typeface="Arial"/>
-              </a:rPr>
-              <a:t> </a:t>
-            </a:r>
-            <a:r>
-              <a:rPr lang="en-US" sz="2600" err="1">
-                <a:latin typeface="Montserrat"/>
-                <a:cs typeface="Arial"/>
-              </a:rPr>
-              <a:t>segunda</a:t>
-            </a:r>
-            <a:r>
-              <a:rPr lang="en-US" sz="2600">
-                <a:latin typeface="Montserrat"/>
-                <a:cs typeface="Arial"/>
-              </a:rPr>
-              <a:t> forma normal se </a:t>
-            </a:r>
-            <a:r>
-              <a:rPr lang="en-US" sz="2600" err="1">
-                <a:latin typeface="Montserrat"/>
-                <a:cs typeface="Arial"/>
-              </a:rPr>
-              <a:t>ela</a:t>
-            </a:r>
-            <a:r>
-              <a:rPr lang="en-US" sz="2600">
-                <a:latin typeface="Montserrat"/>
-                <a:cs typeface="Arial"/>
-              </a:rPr>
-              <a:t> </a:t>
-            </a:r>
-            <a:r>
-              <a:rPr lang="en-US" sz="2600" err="1">
-                <a:latin typeface="Montserrat"/>
-                <a:cs typeface="Arial"/>
-              </a:rPr>
-              <a:t>atende</a:t>
-            </a:r>
-            <a:r>
-              <a:rPr lang="en-US" sz="2600">
-                <a:latin typeface="Montserrat"/>
-                <a:cs typeface="Arial"/>
-              </a:rPr>
-              <a:t> a </a:t>
-            </a:r>
-            <a:r>
-              <a:rPr lang="en-US" sz="2600" err="1">
-                <a:latin typeface="Montserrat"/>
-                <a:cs typeface="Arial"/>
-              </a:rPr>
-              <a:t>todos</a:t>
-            </a:r>
-            <a:r>
-              <a:rPr lang="en-US" sz="2600">
-                <a:latin typeface="Montserrat"/>
-                <a:cs typeface="Arial"/>
-              </a:rPr>
-              <a:t> </a:t>
-            </a:r>
-            <a:r>
-              <a:rPr lang="en-US" sz="2600" err="1">
-                <a:latin typeface="Montserrat"/>
-                <a:cs typeface="Arial"/>
-              </a:rPr>
-              <a:t>os</a:t>
-            </a:r>
-            <a:r>
-              <a:rPr lang="en-US" sz="2600">
-                <a:latin typeface="Montserrat"/>
-                <a:cs typeface="Arial"/>
-              </a:rPr>
-              <a:t> </a:t>
-            </a:r>
-            <a:r>
-              <a:rPr lang="en-US" sz="2600" err="1">
-                <a:latin typeface="Montserrat"/>
-                <a:cs typeface="Arial"/>
-              </a:rPr>
-              <a:t>requisitos</a:t>
-            </a:r>
-            <a:r>
-              <a:rPr lang="en-US" sz="2600">
-                <a:latin typeface="Montserrat"/>
-                <a:cs typeface="Arial"/>
-              </a:rPr>
-              <a:t> da </a:t>
-            </a:r>
-            <a:r>
-              <a:rPr lang="en-US" sz="2600" err="1">
-                <a:latin typeface="Montserrat"/>
-                <a:cs typeface="Arial"/>
-              </a:rPr>
-              <a:t>primeira</a:t>
-            </a:r>
-            <a:r>
-              <a:rPr lang="en-US" sz="2600">
-                <a:latin typeface="Montserrat"/>
-                <a:cs typeface="Arial"/>
-              </a:rPr>
-              <a:t> forma normal e se </a:t>
-            </a:r>
-            <a:r>
-              <a:rPr lang="en-US" sz="2600" err="1">
-                <a:latin typeface="Montserrat"/>
-                <a:cs typeface="Arial"/>
-              </a:rPr>
-              <a:t>os</a:t>
-            </a:r>
-            <a:r>
-              <a:rPr lang="en-US" sz="2600">
-                <a:latin typeface="Montserrat"/>
-                <a:cs typeface="Arial"/>
-              </a:rPr>
-              <a:t> </a:t>
-            </a:r>
-            <a:r>
-              <a:rPr lang="en-US" sz="2600" err="1">
-                <a:latin typeface="Montserrat"/>
-                <a:cs typeface="Arial"/>
-              </a:rPr>
-              <a:t>registros</a:t>
-            </a:r>
-            <a:r>
-              <a:rPr lang="en-US" sz="2600">
-                <a:latin typeface="Montserrat"/>
-                <a:cs typeface="Arial"/>
-              </a:rPr>
-              <a:t> </a:t>
-            </a:r>
-            <a:r>
-              <a:rPr lang="en-US" sz="2600" err="1">
-                <a:latin typeface="Montserrat"/>
-                <a:cs typeface="Arial"/>
-              </a:rPr>
-              <a:t>na</a:t>
-            </a:r>
-            <a:r>
-              <a:rPr lang="en-US" sz="2600">
-                <a:latin typeface="Montserrat"/>
-                <a:cs typeface="Arial"/>
-              </a:rPr>
-              <a:t> </a:t>
-            </a:r>
-            <a:r>
-              <a:rPr lang="en-US" sz="2600" err="1">
-                <a:latin typeface="Montserrat"/>
-                <a:cs typeface="Arial"/>
-              </a:rPr>
-              <a:t>tabela</a:t>
-            </a:r>
-            <a:r>
-              <a:rPr lang="en-US" sz="2600">
-                <a:latin typeface="Montserrat"/>
-                <a:cs typeface="Arial"/>
-              </a:rPr>
-              <a:t>, que </a:t>
-            </a:r>
-            <a:r>
-              <a:rPr lang="en-US" sz="2600" err="1">
-                <a:latin typeface="Montserrat"/>
-                <a:cs typeface="Arial"/>
-              </a:rPr>
-              <a:t>não</a:t>
-            </a:r>
-            <a:r>
-              <a:rPr lang="en-US" sz="2600">
-                <a:latin typeface="Montserrat"/>
-                <a:cs typeface="Arial"/>
-              </a:rPr>
-              <a:t> </a:t>
-            </a:r>
-            <a:r>
-              <a:rPr lang="en-US" sz="2600" err="1">
-                <a:latin typeface="Montserrat"/>
-                <a:cs typeface="Arial"/>
-              </a:rPr>
-              <a:t>são</a:t>
-            </a:r>
-            <a:r>
-              <a:rPr lang="en-US" sz="2600">
-                <a:latin typeface="Montserrat"/>
-                <a:cs typeface="Arial"/>
-              </a:rPr>
-              <a:t> </a:t>
-            </a:r>
-            <a:r>
-              <a:rPr lang="en-US" sz="2600" err="1">
-                <a:latin typeface="Montserrat"/>
-                <a:cs typeface="Arial"/>
-              </a:rPr>
-              <a:t>chaves</a:t>
-            </a:r>
-            <a:r>
-              <a:rPr lang="en-US" sz="2600">
-                <a:latin typeface="Montserrat"/>
-                <a:cs typeface="Arial"/>
-              </a:rPr>
-              <a:t>, </a:t>
-            </a:r>
-            <a:r>
-              <a:rPr lang="en-US" sz="2600" err="1">
-                <a:latin typeface="Montserrat"/>
-                <a:cs typeface="Arial"/>
-              </a:rPr>
-              <a:t>dependam</a:t>
-            </a:r>
-            <a:r>
-              <a:rPr lang="en-US" sz="2600">
-                <a:latin typeface="Montserrat"/>
-                <a:cs typeface="Arial"/>
-              </a:rPr>
-              <a:t> da </a:t>
-            </a:r>
-            <a:r>
-              <a:rPr lang="en-US" sz="2600" err="1">
-                <a:latin typeface="Montserrat"/>
-                <a:cs typeface="Arial"/>
-              </a:rPr>
-              <a:t>chave</a:t>
-            </a:r>
-            <a:r>
-              <a:rPr lang="en-US" sz="2600">
-                <a:latin typeface="Montserrat"/>
-                <a:cs typeface="Arial"/>
-              </a:rPr>
-              <a:t> </a:t>
-            </a:r>
-            <a:r>
-              <a:rPr lang="en-US" sz="2600" err="1">
-                <a:latin typeface="Montserrat"/>
-                <a:cs typeface="Arial"/>
-              </a:rPr>
-              <a:t>primária</a:t>
-            </a:r>
-            <a:r>
-              <a:rPr lang="en-US" sz="2600">
-                <a:latin typeface="Montserrat"/>
-                <a:cs typeface="Arial"/>
-              </a:rPr>
-              <a:t> </a:t>
-            </a:r>
-            <a:r>
-              <a:rPr lang="en-US" sz="2600" err="1">
-                <a:latin typeface="Montserrat"/>
-                <a:cs typeface="Arial"/>
-              </a:rPr>
-              <a:t>em</a:t>
-            </a:r>
-            <a:r>
-              <a:rPr lang="en-US" sz="2600">
-                <a:latin typeface="Montserrat"/>
-                <a:cs typeface="Arial"/>
-              </a:rPr>
-              <a:t> </a:t>
-            </a:r>
-            <a:r>
-              <a:rPr lang="en-US" sz="2600" err="1">
-                <a:latin typeface="Montserrat"/>
-                <a:cs typeface="Arial"/>
-              </a:rPr>
-              <a:t>sua</a:t>
-            </a:r>
-            <a:r>
-              <a:rPr lang="en-US" sz="2600">
-                <a:latin typeface="Montserrat"/>
-                <a:cs typeface="Arial"/>
-              </a:rPr>
-              <a:t> </a:t>
-            </a:r>
-            <a:r>
-              <a:rPr lang="en-US" sz="2600" err="1">
-                <a:latin typeface="Montserrat"/>
-                <a:cs typeface="Arial"/>
-              </a:rPr>
-              <a:t>totalidade</a:t>
-            </a:r>
-            <a:r>
-              <a:rPr lang="en-US" sz="2600">
-                <a:latin typeface="Montserrat"/>
-                <a:cs typeface="Arial"/>
-              </a:rPr>
-              <a:t> e </a:t>
-            </a:r>
-            <a:r>
-              <a:rPr lang="en-US" sz="2600" err="1">
-                <a:latin typeface="Montserrat"/>
-                <a:cs typeface="Arial"/>
-              </a:rPr>
-              <a:t>não</a:t>
-            </a:r>
-            <a:r>
-              <a:rPr lang="en-US" sz="2600">
-                <a:latin typeface="Montserrat"/>
-                <a:cs typeface="Arial"/>
-              </a:rPr>
-              <a:t> </a:t>
-            </a:r>
-            <a:r>
-              <a:rPr lang="en-US" sz="2600" err="1">
-                <a:latin typeface="Montserrat"/>
-                <a:cs typeface="Arial"/>
-              </a:rPr>
-              <a:t>apenas</a:t>
-            </a:r>
-            <a:r>
-              <a:rPr lang="en-US" sz="2600">
-                <a:latin typeface="Montserrat"/>
-                <a:cs typeface="Arial"/>
-              </a:rPr>
-              <a:t> </a:t>
-            </a:r>
-            <a:r>
-              <a:rPr lang="en-US" sz="2600" err="1">
-                <a:latin typeface="Montserrat"/>
-                <a:cs typeface="Arial"/>
-              </a:rPr>
-              <a:t>parte</a:t>
-            </a:r>
-            <a:r>
-              <a:rPr lang="en-US" sz="2600">
-                <a:latin typeface="Montserrat"/>
-                <a:cs typeface="Arial"/>
-              </a:rPr>
-              <a:t> dela. </a:t>
-            </a:r>
-          </a:p>
-        </p:txBody>
-      </p:sp>
-      <p:sp>
-        <p:nvSpPr>
-          <p:cNvPr id="3" name="Espaço Reservado para Texto 2"/>
-          <p:cNvSpPr>
-            <a:spLocks noGrp="1"/>
-          </p:cNvSpPr>
-          <p:nvPr>
-            <p:ph type="body" sz="quarter" idx="13"/>
-          </p:nvPr>
-        </p:nvSpPr>
-        <p:spPr/>
-        <p:txBody>
-          <a:bodyPr vert="horz" lIns="91440" tIns="45720" rIns="91440" bIns="45720" rtlCol="0" anchor="t">
-            <a:normAutofit fontScale="92500" lnSpcReduction="20000"/>
-          </a:bodyPr>
-          <a:lstStyle/>
-          <a:p>
-            <a:pPr algn="just">
+          <a:lstStyle>
+            <a:lvl1pPr marL="228600" indent="-228600" algn="l" defTabSz="914400" rtl="0" eaLnBrk="1" latinLnBrk="0" hangingPunct="1">
               <a:lnSpc>
-                <a:spcPct val="110000"/>
+                <a:spcPct val="90000"/>
               </a:lnSpc>
-            </a:pPr>
-            <a:r>
-              <a:rPr lang="pt-BR">
-                <a:latin typeface="Montserrat"/>
-              </a:rPr>
-              <a:t>Segunda forma normal (2FN)</a:t>
-            </a:r>
-            <a:endParaRPr lang="en-US">
-              <a:latin typeface="Montserrat"/>
-            </a:endParaRPr>
-          </a:p>
-        </p:txBody>
-      </p:sp>
+              <a:spcBef>
+                <a:spcPts val="1000"/>
+              </a:spcBef>
+              <a:buFont typeface="Arial" panose="020B0604020202020204" pitchFamily="34" charset="0"/>
+              <a:buChar char="•"/>
+              <a:defRPr sz="2800" kern="1200">
+                <a:solidFill>
+                  <a:schemeClr val="tx1"/>
+                </a:solidFill>
+                <a:latin typeface="Montserrat" panose="00000500000000000000" pitchFamily="2" charset="0"/>
+                <a:ea typeface="+mn-ea"/>
+                <a:cs typeface="+mn-cs"/>
+              </a:defRPr>
+            </a:lvl1pPr>
+            <a:lvl2pPr marL="685800" indent="-228600" algn="l" defTabSz="914400" rtl="0" eaLnBrk="1" latinLnBrk="0" hangingPunct="1">
+              <a:lnSpc>
+                <a:spcPct val="90000"/>
+              </a:lnSpc>
+              <a:spcBef>
+                <a:spcPts val="500"/>
+              </a:spcBef>
+              <a:buFont typeface="Arial" panose="020B0604020202020204" pitchFamily="34" charset="0"/>
+              <a:buChar char="•"/>
+              <a:defRPr sz="2400" kern="1200">
+                <a:solidFill>
+                  <a:schemeClr val="tx1"/>
+                </a:solidFill>
+                <a:latin typeface="Montserrat" panose="00000500000000000000" pitchFamily="2" charset="0"/>
+                <a:ea typeface="+mn-ea"/>
+                <a:cs typeface="+mn-cs"/>
+              </a:defRPr>
+            </a:lvl2pPr>
+            <a:lvl3pPr marL="1143000" indent="-228600" algn="l" defTabSz="914400" rtl="0" eaLnBrk="1" latinLnBrk="0" hangingPunct="1">
+              <a:lnSpc>
+                <a:spcPct val="90000"/>
+              </a:lnSpc>
+              <a:spcBef>
+                <a:spcPts val="500"/>
+              </a:spcBef>
+              <a:buFont typeface="Arial" panose="020B0604020202020204" pitchFamily="34" charset="0"/>
+              <a:buChar char="•"/>
+              <a:defRPr sz="2000" kern="1200">
+                <a:solidFill>
+                  <a:schemeClr val="tx1"/>
+                </a:solidFill>
+                <a:latin typeface="Montserrat" panose="00000500000000000000" pitchFamily="2" charset="0"/>
+                <a:ea typeface="+mn-ea"/>
+                <a:cs typeface="+mn-cs"/>
+              </a:defRPr>
+            </a:lvl3pPr>
+            <a:lvl4pPr marL="1600200" indent="-228600" algn="l" defTabSz="914400" rtl="0" eaLnBrk="1" latinLnBrk="0" hangingPunct="1">
+              <a:lnSpc>
+                <a:spcPct val="90000"/>
+              </a:lnSpc>
+              <a:spcBef>
+                <a:spcPts val="500"/>
+              </a:spcBef>
+              <a:buFont typeface="Arial" panose="020B0604020202020204" pitchFamily="34" charset="0"/>
+              <a:buChar char="•"/>
+              <a:defRPr sz="1800" kern="1200">
+                <a:solidFill>
+                  <a:schemeClr val="tx1"/>
+                </a:solidFill>
+                <a:latin typeface="Montserrat" panose="00000500000000000000" pitchFamily="2" charset="0"/>
+                <a:ea typeface="+mn-ea"/>
+                <a:cs typeface="+mn-cs"/>
+              </a:defRPr>
+            </a:lvl4pPr>
+            <a:lvl5pPr marL="2057400" indent="-228600" algn="l" defTabSz="914400" rtl="0" eaLnBrk="1" latinLnBrk="0" hangingPunct="1">
+              <a:lnSpc>
+                <a:spcPct val="90000"/>
+              </a:lnSpc>
+              <a:spcBef>
+                <a:spcPts val="500"/>
+              </a:spcBef>
+              <a:buFont typeface="Arial" panose="020B0604020202020204" pitchFamily="34" charset="0"/>
+              <a:buChar char="•"/>
+              <a:defRPr sz="1800" kern="1200">
+                <a:solidFill>
+                  <a:schemeClr val="tx1"/>
+                </a:solidFill>
+                <a:latin typeface="Montserrat" panose="00000500000000000000" pitchFamily="2" charset="0"/>
+                <a:ea typeface="+mn-ea"/>
+                <a:cs typeface="+mn-cs"/>
+              </a:defRPr>
+            </a:lvl5pPr>
+            <a:lvl6pPr marL="2514600" indent="-228600" algn="l" defTabSz="914400" rtl="0" eaLnBrk="1" latinLnBrk="0" hangingPunct="1">
+              <a:lnSpc>
+                <a:spcPct val="90000"/>
+              </a:lnSpc>
+              <a:spcBef>
+                <a:spcPts val="500"/>
+              </a:spcBef>
+              <a:buFont typeface="Arial" panose="020B0604020202020204" pitchFamily="34" charset="0"/>
+              <a:buChar char="•"/>
+              <a:defRPr sz="1800" kern="1200">
+                <a:solidFill>
+                  <a:schemeClr val="tx1"/>
+                </a:solidFill>
+                <a:latin typeface="+mn-lt"/>
+                <a:ea typeface="+mn-ea"/>
+                <a:cs typeface="+mn-cs"/>
+              </a:defRPr>
+            </a:lvl6pPr>
+            <a:lvl7pPr marL="2971800" indent="-228600" algn="l" defTabSz="914400" rtl="0" eaLnBrk="1" latinLnBrk="0" hangingPunct="1">
+              <a:lnSpc>
+                <a:spcPct val="90000"/>
+              </a:lnSpc>
+              <a:spcBef>
+                <a:spcPts val="500"/>
+              </a:spcBef>
+              <a:buFont typeface="Arial" panose="020B0604020202020204" pitchFamily="34" charset="0"/>
+              <a:buChar char="•"/>
+              <a:defRPr sz="1800" kern="1200">
+                <a:solidFill>
+                  <a:schemeClr val="tx1"/>
+                </a:solidFill>
+                <a:latin typeface="+mn-lt"/>
+                <a:ea typeface="+mn-ea"/>
+                <a:cs typeface="+mn-cs"/>
+              </a:defRPr>
+            </a:lvl7pPr>
+            <a:lvl8pPr marL="3429000" indent="-228600" algn="l" defTabSz="914400" rtl="0" eaLnBrk="1" latinLnBrk="0" hangingPunct="1">
+              <a:lnSpc>
+                <a:spcPct val="90000"/>
+              </a:lnSpc>
+              <a:spcBef>
+                <a:spcPts val="500"/>
+              </a:spcBef>
+              <a:buFont typeface="Arial" panose="020B0604020202020204" pitchFamily="34" charset="0"/>
+              <a:buChar char="•"/>
+              <a:defRPr sz="1800" kern="1200">
+                <a:solidFill>
+                  <a:schemeClr val="tx1"/>
+                </a:solidFill>
+                <a:latin typeface="+mn-lt"/>
+                <a:ea typeface="+mn-ea"/>
+                <a:cs typeface="+mn-cs"/>
+              </a:defRPr>
+            </a:lvl8pPr>
+            <a:lvl9pPr marL="3886200" indent="-228600" algn="l" defTabSz="914400" rtl="0" eaLnBrk="1" latinLnBrk="0" hangingPunct="1">
+              <a:lnSpc>
+                <a:spcPct val="90000"/>
+              </a:lnSpc>
+              <a:spcBef>
+                <a:spcPts val="500"/>
+              </a:spcBef>
+              <a:buFont typeface="Arial" panose="020B0604020202020204" pitchFamily="34" charset="0"/>
+              <a:buChar char="•"/>
+              <a:defRPr sz="1800" kern="1200">
+                <a:solidFill>
+                  <a:schemeClr val="tx1"/>
+                </a:solidFill>
+                <a:latin typeface="+mn-lt"/>
+                <a:ea typeface="+mn-ea"/>
+                <a:cs typeface="+mn-cs"/>
+              </a:defRPr>
+            </a:lvl9pPr>
+          </a:lstStyle>
+          <a:p>
+            <a:endParaRPr lang="pt-BR"/>
+          </a:p>
+        </p:txBody>
+      </p:sp>
+      <p:pic>
+        <p:nvPicPr>
+          <p:cNvPr id="8" name="Imagem 7" descr="Tabela&#10;&#10;Descrição gerada automaticamente">
+            <a:extLst>
+              <a:ext uri="{FF2B5EF4-FFF2-40B4-BE49-F238E27FC236}">
+                <a16:creationId xmlns:a16="http://schemas.microsoft.com/office/drawing/2014/main" id="{5B7DB3D1-894C-49A5-BE1C-60EEF359F3CB}"/>
+              </a:ext>
+            </a:extLst>
+          </p:cNvPr>
+          <p:cNvPicPr>
+            <a:picLocks noChangeAspect="1"/>
+          </p:cNvPicPr>
+          <p:nvPr/>
+        </p:nvPicPr>
+        <p:blipFill>
+          <a:blip r:embed="rId2"/>
+          <a:stretch>
+            <a:fillRect/>
+          </a:stretch>
+        </p:blipFill>
+        <p:spPr>
+          <a:xfrm>
+            <a:off x="916441" y="1459660"/>
+            <a:ext cx="7572922" cy="1239453"/>
+          </a:xfrm>
+          <a:prstGeom prst="rect">
+            <a:avLst/>
+          </a:prstGeom>
+        </p:spPr>
+      </p:pic>
+      <p:pic>
+        <p:nvPicPr>
+          <p:cNvPr id="14" name="Imagem 13" descr="Tabela&#10;&#10;Descrição gerada automaticamente">
+            <a:extLst>
+              <a:ext uri="{FF2B5EF4-FFF2-40B4-BE49-F238E27FC236}">
+                <a16:creationId xmlns:a16="http://schemas.microsoft.com/office/drawing/2014/main" id="{3ECABB33-CF12-41B8-A4B7-F41511DA6EC9}"/>
+              </a:ext>
+            </a:extLst>
+          </p:cNvPr>
+          <p:cNvPicPr>
+            <a:picLocks noChangeAspect="1"/>
+          </p:cNvPicPr>
+          <p:nvPr/>
+        </p:nvPicPr>
+        <p:blipFill>
+          <a:blip r:embed="rId3"/>
+          <a:stretch>
+            <a:fillRect/>
+          </a:stretch>
+        </p:blipFill>
+        <p:spPr>
+          <a:xfrm>
+            <a:off x="915043" y="4263219"/>
+            <a:ext cx="7595911" cy="1453958"/>
+          </a:xfrm>
+          <a:prstGeom prst="rect">
+            <a:avLst/>
+          </a:prstGeom>
+        </p:spPr>
+      </p:pic>
+      <p:pic>
+        <p:nvPicPr>
+          <p:cNvPr id="16" name="Imagem 15" descr="Tabela&#10;&#10;Descrição gerada automaticamente">
+            <a:extLst>
+              <a:ext uri="{FF2B5EF4-FFF2-40B4-BE49-F238E27FC236}">
+                <a16:creationId xmlns:a16="http://schemas.microsoft.com/office/drawing/2014/main" id="{5495DA47-728B-435D-A069-ECA24C3702AF}"/>
+              </a:ext>
+            </a:extLst>
+          </p:cNvPr>
+          <p:cNvPicPr>
+            <a:picLocks noChangeAspect="1"/>
+          </p:cNvPicPr>
+          <p:nvPr/>
+        </p:nvPicPr>
+        <p:blipFill>
+          <a:blip r:embed="rId4"/>
+          <a:stretch>
+            <a:fillRect/>
+          </a:stretch>
+        </p:blipFill>
+        <p:spPr>
+          <a:xfrm>
+            <a:off x="890456" y="2846134"/>
+            <a:ext cx="7624893" cy="1259407"/>
+          </a:xfrm>
+          <a:prstGeom prst="rect">
+            <a:avLst/>
+          </a:prstGeom>
+        </p:spPr>
+      </p:pic>
     </p:spTree>
     <p:extLst>
       <p:ext uri="{BB962C8B-B14F-4D97-AF65-F5344CB8AC3E}">
-        <p14:creationId xmlns:p14="http://schemas.microsoft.com/office/powerpoint/2010/main" val="1358212460"/>
+        <p14:creationId xmlns:p14="http://schemas.microsoft.com/office/powerpoint/2010/main" val="132658915"/>
       </p:ext>
     </p:extLst>
   </p:cSld>
@@ -5681,304 +5543,30 @@
         </p:nvSpPr>
         <p:spPr>
           <a:xfrm>
-            <a:off x="628650" y="1428370"/>
-            <a:ext cx="7771682" cy="4374782"/>
+            <a:off x="628650" y="1615276"/>
+            <a:ext cx="7886700" cy="4044103"/>
           </a:xfrm>
         </p:spPr>
         <p:txBody>
           <a:bodyPr vert="horz" lIns="91440" tIns="45720" rIns="91440" bIns="45720" rtlCol="0" anchor="t">
-            <a:noAutofit/>
+            <a:normAutofit/>
           </a:bodyPr>
           <a:lstStyle/>
           <a:p>
             <a:pPr algn="just"/>
             <a:r>
-              <a:rPr lang="en-US" sz="2600">
-                <a:latin typeface="Montserrat"/>
-                <a:cs typeface="Arial"/>
-              </a:rPr>
-              <a:t>Uma </a:t>
-            </a:r>
-            <a:r>
-              <a:rPr lang="en-US" sz="2600" err="1">
-                <a:latin typeface="Montserrat"/>
-                <a:cs typeface="Arial"/>
-              </a:rPr>
-              <a:t>coluna</a:t>
-            </a:r>
-            <a:r>
-              <a:rPr lang="en-US" sz="2600">
-                <a:latin typeface="Montserrat"/>
-                <a:cs typeface="Arial"/>
-              </a:rPr>
-              <a:t> </a:t>
-            </a:r>
-            <a:r>
-              <a:rPr lang="en-US" sz="2600" err="1">
-                <a:latin typeface="Montserrat"/>
-                <a:cs typeface="Arial"/>
-              </a:rPr>
-              <a:t>não</a:t>
-            </a:r>
-            <a:r>
-              <a:rPr lang="en-US" sz="2600">
-                <a:latin typeface="Montserrat"/>
-                <a:cs typeface="Arial"/>
-              </a:rPr>
-              <a:t> </a:t>
-            </a:r>
-            <a:r>
-              <a:rPr lang="en-US" sz="2600" err="1">
-                <a:latin typeface="Montserrat"/>
-                <a:cs typeface="Arial"/>
-              </a:rPr>
-              <a:t>tem</a:t>
-            </a:r>
-            <a:r>
-              <a:rPr lang="en-US" sz="2600">
-                <a:latin typeface="Montserrat"/>
-                <a:cs typeface="Arial"/>
-              </a:rPr>
-              <a:t> </a:t>
-            </a:r>
-            <a:r>
-              <a:rPr lang="en-US" sz="2600" err="1">
-                <a:latin typeface="Montserrat"/>
-                <a:cs typeface="Arial"/>
-              </a:rPr>
-              <a:t>dependência</a:t>
-            </a:r>
-            <a:r>
-              <a:rPr lang="en-US" sz="2600">
-                <a:latin typeface="Montserrat"/>
-                <a:cs typeface="Arial"/>
-              </a:rPr>
-              <a:t> </a:t>
-            </a:r>
-            <a:r>
-              <a:rPr lang="en-US" sz="2600" err="1">
-                <a:latin typeface="Montserrat"/>
-                <a:cs typeface="Arial"/>
-              </a:rPr>
-              <a:t>funcional</a:t>
-            </a:r>
-            <a:r>
-              <a:rPr lang="en-US" sz="2600">
-                <a:latin typeface="Montserrat"/>
-                <a:cs typeface="Arial"/>
-              </a:rPr>
-              <a:t> com a </a:t>
-            </a:r>
-            <a:r>
-              <a:rPr lang="en-US" sz="2600" err="1">
-                <a:latin typeface="Montserrat"/>
-                <a:cs typeface="Arial"/>
-              </a:rPr>
-              <a:t>chave</a:t>
-            </a:r>
-            <a:r>
-              <a:rPr lang="en-US" sz="2600">
-                <a:latin typeface="Montserrat"/>
-                <a:cs typeface="Arial"/>
-              </a:rPr>
-              <a:t> </a:t>
-            </a:r>
-            <a:r>
-              <a:rPr lang="en-US" sz="2600" err="1">
-                <a:latin typeface="Montserrat"/>
-                <a:cs typeface="Arial"/>
-              </a:rPr>
-              <a:t>primária</a:t>
-            </a:r>
-            <a:r>
-              <a:rPr lang="en-US" sz="2600">
-                <a:latin typeface="Montserrat"/>
-                <a:cs typeface="Arial"/>
-              </a:rPr>
-              <a:t> </a:t>
-            </a:r>
-            <a:r>
-              <a:rPr lang="en-US" sz="2600" err="1">
-                <a:latin typeface="Montserrat"/>
-                <a:cs typeface="Arial"/>
-              </a:rPr>
-              <a:t>quando</a:t>
-            </a:r>
-            <a:r>
-              <a:rPr lang="en-US" sz="2600">
-                <a:latin typeface="Montserrat"/>
-                <a:cs typeface="Arial"/>
-              </a:rPr>
-              <a:t> é </a:t>
-            </a:r>
-            <a:r>
-              <a:rPr lang="en-US" sz="2600" err="1">
-                <a:latin typeface="Montserrat"/>
-                <a:cs typeface="Arial"/>
-              </a:rPr>
-              <a:t>definida</a:t>
-            </a:r>
-            <a:r>
-              <a:rPr lang="en-US" sz="2600">
-                <a:latin typeface="Montserrat"/>
-                <a:cs typeface="Arial"/>
-              </a:rPr>
-              <a:t> de forma </a:t>
-            </a:r>
-            <a:r>
-              <a:rPr lang="en-US" sz="2600" err="1">
-                <a:latin typeface="Montserrat"/>
-                <a:cs typeface="Arial"/>
-              </a:rPr>
-              <a:t>independente</a:t>
-            </a:r>
-            <a:r>
-              <a:rPr lang="en-US" sz="2600">
-                <a:latin typeface="Montserrat"/>
-                <a:cs typeface="Arial"/>
-              </a:rPr>
-              <a:t> da </a:t>
-            </a:r>
-            <a:r>
-              <a:rPr lang="en-US" sz="2600" err="1">
-                <a:latin typeface="Montserrat"/>
-                <a:cs typeface="Arial"/>
-              </a:rPr>
-              <a:t>chave</a:t>
-            </a:r>
-            <a:r>
-              <a:rPr lang="en-US" sz="2600">
-                <a:latin typeface="Montserrat"/>
-                <a:cs typeface="Arial"/>
-              </a:rPr>
-              <a:t> </a:t>
-            </a:r>
-            <a:r>
-              <a:rPr lang="en-US" sz="2600" err="1">
-                <a:latin typeface="Montserrat"/>
-                <a:cs typeface="Arial"/>
-              </a:rPr>
-              <a:t>primária</a:t>
-            </a:r>
-            <a:r>
-              <a:rPr lang="en-US" sz="2600">
-                <a:latin typeface="Montserrat"/>
-                <a:cs typeface="Arial"/>
-              </a:rPr>
-              <a:t> </a:t>
-            </a:r>
-            <a:r>
-              <a:rPr lang="en-US" sz="2600" err="1">
-                <a:latin typeface="Montserrat"/>
-                <a:cs typeface="Arial"/>
-              </a:rPr>
-              <a:t>ou</a:t>
-            </a:r>
-            <a:r>
-              <a:rPr lang="en-US" sz="2600">
-                <a:latin typeface="Montserrat"/>
-                <a:cs typeface="Arial"/>
-              </a:rPr>
-              <a:t> </a:t>
-            </a:r>
-            <a:r>
-              <a:rPr lang="en-US" sz="2600" err="1">
-                <a:latin typeface="Montserrat"/>
-                <a:cs typeface="Arial"/>
-              </a:rPr>
-              <a:t>quando</a:t>
-            </a:r>
-            <a:r>
-              <a:rPr lang="en-US" sz="2600">
-                <a:latin typeface="Montserrat"/>
-                <a:cs typeface="Arial"/>
-              </a:rPr>
-              <a:t> </a:t>
-            </a:r>
-            <a:r>
-              <a:rPr lang="en-US" sz="2600" err="1">
-                <a:latin typeface="Montserrat"/>
-                <a:cs typeface="Arial"/>
-              </a:rPr>
-              <a:t>ela</a:t>
-            </a:r>
-            <a:r>
-              <a:rPr lang="en-US" sz="2600">
-                <a:latin typeface="Montserrat"/>
-                <a:cs typeface="Arial"/>
-              </a:rPr>
-              <a:t> é </a:t>
-            </a:r>
-            <a:r>
-              <a:rPr lang="en-US" sz="2600" err="1">
-                <a:latin typeface="Montserrat"/>
-                <a:cs typeface="Arial"/>
-              </a:rPr>
-              <a:t>definida</a:t>
-            </a:r>
-            <a:r>
-              <a:rPr lang="en-US" sz="2600">
-                <a:latin typeface="Montserrat"/>
-                <a:cs typeface="Arial"/>
-              </a:rPr>
-              <a:t> a </a:t>
-            </a:r>
-            <a:r>
-              <a:rPr lang="en-US" sz="2600" err="1">
-                <a:latin typeface="Montserrat"/>
-                <a:cs typeface="Arial"/>
-              </a:rPr>
-              <a:t>partir</a:t>
-            </a:r>
-            <a:r>
-              <a:rPr lang="en-US" sz="2600">
-                <a:latin typeface="Montserrat"/>
-                <a:cs typeface="Arial"/>
-              </a:rPr>
-              <a:t> de </a:t>
-            </a:r>
-            <a:r>
-              <a:rPr lang="en-US" sz="2600" err="1">
-                <a:latin typeface="Montserrat"/>
-                <a:cs typeface="Arial"/>
-              </a:rPr>
-              <a:t>alguma</a:t>
-            </a:r>
-            <a:r>
-              <a:rPr lang="en-US" sz="2600">
-                <a:latin typeface="Montserrat"/>
-                <a:cs typeface="Arial"/>
-              </a:rPr>
-              <a:t> </a:t>
-            </a:r>
-            <a:r>
-              <a:rPr lang="en-US" sz="2600" err="1">
-                <a:latin typeface="Montserrat"/>
-                <a:cs typeface="Arial"/>
-              </a:rPr>
-              <a:t>outra</a:t>
-            </a:r>
-            <a:r>
-              <a:rPr lang="en-US" sz="2600">
-                <a:latin typeface="Montserrat"/>
-                <a:cs typeface="Arial"/>
-              </a:rPr>
-              <a:t> </a:t>
-            </a:r>
-            <a:r>
-              <a:rPr lang="en-US" sz="2600" err="1">
-                <a:latin typeface="Montserrat"/>
-                <a:cs typeface="Arial"/>
-              </a:rPr>
-              <a:t>coluna</a:t>
-            </a:r>
-            <a:r>
-              <a:rPr lang="en-US" sz="2600">
-                <a:latin typeface="Montserrat"/>
-                <a:cs typeface="Arial"/>
-              </a:rPr>
-              <a:t>.</a:t>
-            </a:r>
+              <a:rPr lang="pt-BR" sz="2600" b="1">
+                <a:latin typeface="Montserrat"/>
+                <a:cs typeface="Arial"/>
+              </a:rPr>
+              <a:t>“Todas as colunas devem ter dependência funcional com a totalidade de cada chave candidata.”</a:t>
+            </a:r>
+            <a:endParaRPr lang="pt-BR" sz="2600"/>
+          </a:p>
+          <a:p>
+            <a:pPr marL="0" indent="0" algn="just">
+              <a:buNone/>
+            </a:pPr>
             <a:endParaRPr lang="pt-BR" sz="2600" b="1">
               <a:latin typeface="Montserrat"/>
               <a:cs typeface="Arial"/>
@@ -5986,13 +5574,6 @@
           </a:p>
           <a:p>
             <a:pPr algn="just"/>
-            <a:endParaRPr lang="en-US" sz="2600">
-              <a:latin typeface="Montserrat"/>
-              <a:cs typeface="Arial"/>
-            </a:endParaRPr>
-          </a:p>
-          <a:p>
-            <a:pPr algn="just"/>
             <a:r>
               <a:rPr lang="en-US" sz="2600">
                 <a:latin typeface="Montserrat"/>
@@ -6005,7 +5586,7 @@
                 <a:latin typeface="Montserrat"/>
                 <a:cs typeface="Arial"/>
               </a:rPr>
-              <a:t>dependência</a:t>
+              <a:t>tabela</a:t>
             </a:r>
             <a:r>
               <a:rPr lang="en-US" sz="2600">
@@ -6019,21 +5600,21 @@
                 <a:latin typeface="Montserrat"/>
                 <a:cs typeface="Arial"/>
               </a:rPr>
-              <a:t>funcional</a:t>
+              <a:t>está</a:t>
             </a:r>
             <a:r>
               <a:rPr lang="en-US" sz="2600">
                 <a:latin typeface="Montserrat"/>
                 <a:cs typeface="Arial"/>
               </a:rPr>
-              <a:t> é </a:t>
+              <a:t> </a:t>
             </a:r>
             <a:r>
               <a:rPr lang="en-US" sz="2600" err="1">
                 <a:latin typeface="Montserrat"/>
                 <a:cs typeface="Arial"/>
               </a:rPr>
-              <a:t>quando</a:t>
+              <a:t>na</a:t>
             </a:r>
             <a:r>
               <a:rPr lang="en-US" sz="2600">
@@ -6047,6 +5628,48 @@
                 <a:latin typeface="Montserrat"/>
                 <a:cs typeface="Arial"/>
               </a:rPr>
+              <a:t>segunda</a:t>
+            </a:r>
+            <a:r>
+              <a:rPr lang="en-US" sz="2600">
+                <a:latin typeface="Montserrat"/>
+                <a:cs typeface="Arial"/>
+              </a:rPr>
+              <a:t> forma normal se </a:t>
+            </a:r>
+            <a:r>
+              <a:rPr lang="en-US" sz="2600" err="1">
+                <a:latin typeface="Montserrat"/>
+                <a:cs typeface="Arial"/>
+              </a:rPr>
+              <a:t>ela</a:t>
+            </a:r>
+            <a:r>
+              <a:rPr lang="en-US" sz="2600">
+                <a:latin typeface="Montserrat"/>
+                <a:cs typeface="Arial"/>
+              </a:rPr>
+              <a:t> </a:t>
+            </a:r>
+            <a:r>
+              <a:rPr lang="en-US" sz="2600" err="1">
+                <a:latin typeface="Montserrat"/>
+                <a:cs typeface="Arial"/>
+              </a:rPr>
+              <a:t>atende</a:t>
+            </a:r>
+            <a:r>
+              <a:rPr lang="en-US" sz="2600">
+                <a:latin typeface="Montserrat"/>
+                <a:cs typeface="Arial"/>
+              </a:rPr>
+              <a:t> a </a:t>
+            </a:r>
+            <a:r>
+              <a:rPr lang="en-US" sz="2600" err="1">
+                <a:latin typeface="Montserrat"/>
+                <a:cs typeface="Arial"/>
+              </a:rPr>
               <a:t>todos</a:t>
             </a:r>
             <a:r>
@@ -6075,7 +5698,7 @@
                 <a:latin typeface="Montserrat"/>
                 <a:cs typeface="Arial"/>
               </a:rPr>
-              <a:t>campos</a:t>
+              <a:t>requisitos</a:t>
             </a:r>
             <a:r>
               <a:rPr lang="en-US" sz="2600">
@@ -6089,6 +5712,132 @@
                 <a:latin typeface="Montserrat"/>
                 <a:cs typeface="Arial"/>
               </a:rPr>
+              <a:t>primeira</a:t>
+            </a:r>
+            <a:r>
+              <a:rPr lang="en-US" sz="2600">
+                <a:latin typeface="Montserrat"/>
+                <a:cs typeface="Arial"/>
+              </a:rPr>
+              <a:t> forma normal e se </a:t>
+            </a:r>
+            <a:r>
+              <a:rPr lang="en-US" sz="2600" err="1">
+                <a:latin typeface="Montserrat"/>
+                <a:cs typeface="Arial"/>
+              </a:rPr>
+              <a:t>os</a:t>
+            </a:r>
+            <a:r>
+              <a:rPr lang="en-US" sz="2600">
+                <a:latin typeface="Montserrat"/>
+                <a:cs typeface="Arial"/>
+              </a:rPr>
+              <a:t> </a:t>
+            </a:r>
+            <a:r>
+              <a:rPr lang="en-US" sz="2600" err="1">
+                <a:latin typeface="Montserrat"/>
+                <a:cs typeface="Arial"/>
+              </a:rPr>
+              <a:t>registros</a:t>
+            </a:r>
+            <a:r>
+              <a:rPr lang="en-US" sz="2600">
+                <a:latin typeface="Montserrat"/>
+                <a:cs typeface="Arial"/>
+              </a:rPr>
+              <a:t> </a:t>
+            </a:r>
+            <a:r>
+              <a:rPr lang="en-US" sz="2600" err="1">
+                <a:latin typeface="Montserrat"/>
+                <a:cs typeface="Arial"/>
+              </a:rPr>
+              <a:t>na</a:t>
+            </a:r>
+            <a:r>
+              <a:rPr lang="en-US" sz="2600">
+                <a:latin typeface="Montserrat"/>
+                <a:cs typeface="Arial"/>
+              </a:rPr>
+              <a:t> </a:t>
+            </a:r>
+            <a:r>
+              <a:rPr lang="en-US" sz="2600" err="1">
+                <a:latin typeface="Montserrat"/>
+                <a:cs typeface="Arial"/>
+              </a:rPr>
+              <a:t>tabela</a:t>
+            </a:r>
+            <a:r>
+              <a:rPr lang="en-US" sz="2600">
+                <a:latin typeface="Montserrat"/>
+                <a:cs typeface="Arial"/>
+              </a:rPr>
+              <a:t>, que </a:t>
+            </a:r>
+            <a:r>
+              <a:rPr lang="en-US" sz="2600" err="1">
+                <a:latin typeface="Montserrat"/>
+                <a:cs typeface="Arial"/>
+              </a:rPr>
+              <a:t>não</a:t>
+            </a:r>
+            <a:r>
+              <a:rPr lang="en-US" sz="2600">
+                <a:latin typeface="Montserrat"/>
+                <a:cs typeface="Arial"/>
+              </a:rPr>
+              <a:t> </a:t>
+            </a:r>
+            <a:r>
+              <a:rPr lang="en-US" sz="2600" err="1">
+                <a:latin typeface="Montserrat"/>
+                <a:cs typeface="Arial"/>
+              </a:rPr>
+              <a:t>são</a:t>
+            </a:r>
+            <a:r>
+              <a:rPr lang="en-US" sz="2600">
+                <a:latin typeface="Montserrat"/>
+                <a:cs typeface="Arial"/>
+              </a:rPr>
+              <a:t> </a:t>
+            </a:r>
+            <a:r>
+              <a:rPr lang="en-US" sz="2600" err="1">
+                <a:latin typeface="Montserrat"/>
+                <a:cs typeface="Arial"/>
+              </a:rPr>
+              <a:t>chaves</a:t>
+            </a:r>
+            <a:r>
+              <a:rPr lang="en-US" sz="2600">
+                <a:latin typeface="Montserrat"/>
+                <a:cs typeface="Arial"/>
+              </a:rPr>
+              <a:t>, </a:t>
+            </a:r>
+            <a:r>
+              <a:rPr lang="en-US" sz="2600" err="1">
+                <a:latin typeface="Montserrat"/>
+                <a:cs typeface="Arial"/>
+              </a:rPr>
+              <a:t>dependam</a:t>
+            </a:r>
+            <a:r>
+              <a:rPr lang="en-US" sz="2600">
+                <a:latin typeface="Montserrat"/>
+                <a:cs typeface="Arial"/>
+              </a:rPr>
+              <a:t> da </a:t>
+            </a:r>
+            <a:r>
+              <a:rPr lang="en-US" sz="2600" err="1">
+                <a:latin typeface="Montserrat"/>
+                <a:cs typeface="Arial"/>
+              </a:rPr>
               <a:t>chave</a:t>
             </a:r>
             <a:r>
@@ -6117,7 +5866,7 @@
                 <a:latin typeface="Montserrat"/>
                 <a:cs typeface="Arial"/>
               </a:rPr>
-              <a:t>são</a:t>
+              <a:t>em</a:t>
             </a:r>
             <a:r>
               <a:rPr lang="en-US" sz="2600">
@@ -6131,193 +5880,71 @@
                 <a:latin typeface="Montserrat"/>
                 <a:cs typeface="Arial"/>
               </a:rPr>
-              <a:t>necessários</a:t>
+              <a:t>sua</a:t>
             </a:r>
             <a:r>
               <a:rPr lang="en-US" sz="2600">
                 <a:latin typeface="Montserrat"/>
                 <a:cs typeface="Arial"/>
               </a:rPr>
-              <a:t> para </a:t>
+              <a:t> </a:t>
             </a:r>
             <a:r>
               <a:rPr lang="en-US" sz="2600" err="1">
                 <a:latin typeface="Montserrat"/>
                 <a:cs typeface="Arial"/>
               </a:rPr>
-              <a:t>estabelecer</a:t>
+              <a:t>totalidade</a:t>
             </a:r>
             <a:r>
               <a:rPr lang="en-US" sz="2600">
                 <a:latin typeface="Montserrat"/>
                 <a:cs typeface="Arial"/>
               </a:rPr>
-              <a:t>-se a </a:t>
+              <a:t> e </a:t>
             </a:r>
             <a:r>
               <a:rPr lang="en-US" sz="2600" err="1">
                 <a:latin typeface="Montserrat"/>
                 <a:cs typeface="Arial"/>
               </a:rPr>
-              <a:t>relação</a:t>
+              <a:t>não</a:t>
             </a:r>
             <a:r>
               <a:rPr lang="en-US" sz="2600">
                 <a:latin typeface="Montserrat"/>
                 <a:cs typeface="Arial"/>
               </a:rPr>
-              <a:t> de </a:t>
+              <a:t> </a:t>
             </a:r>
             <a:r>
               <a:rPr lang="en-US" sz="2600" err="1">
                 <a:latin typeface="Montserrat"/>
                 <a:cs typeface="Arial"/>
               </a:rPr>
-              <a:t>dependência</a:t>
+              <a:t>apenas</a:t>
             </a:r>
             <a:r>
               <a:rPr lang="en-US" sz="2600">
                 <a:latin typeface="Montserrat"/>
                 <a:cs typeface="Arial"/>
               </a:rPr>
-              <a:t>. No </a:t>
+              <a:t> </a:t>
             </a:r>
             <a:r>
               <a:rPr lang="en-US" sz="2600" err="1">
                 <a:latin typeface="Montserrat"/>
                 <a:cs typeface="Arial"/>
               </a:rPr>
-              <a:t>caso</a:t>
+              <a:t>parte</a:t>
             </a:r>
             <a:r>
               <a:rPr lang="en-US" sz="2600">
                 <a:latin typeface="Montserrat"/>
                 <a:cs typeface="Arial"/>
               </a:rPr>
-              <a:t> de a </a:t>
-            </a:r>
-            <a:r>
-              <a:rPr lang="en-US" sz="2600" err="1">
-                <a:latin typeface="Montserrat"/>
-                <a:cs typeface="Arial"/>
-              </a:rPr>
-              <a:t>chave</a:t>
-            </a:r>
-            <a:r>
-              <a:rPr lang="en-US" sz="2600">
-                <a:latin typeface="Montserrat"/>
-                <a:cs typeface="Arial"/>
-              </a:rPr>
-              <a:t> </a:t>
-            </a:r>
-            <a:r>
-              <a:rPr lang="en-US" sz="2600" err="1">
-                <a:latin typeface="Montserrat"/>
-                <a:cs typeface="Arial"/>
-              </a:rPr>
-              <a:t>primária</a:t>
-            </a:r>
-            <a:r>
-              <a:rPr lang="en-US" sz="2600">
-                <a:latin typeface="Montserrat"/>
-                <a:cs typeface="Arial"/>
-              </a:rPr>
-              <a:t> ser </a:t>
-            </a:r>
-            <a:r>
-              <a:rPr lang="en-US" sz="2600" err="1">
-                <a:latin typeface="Montserrat"/>
-                <a:cs typeface="Arial"/>
-              </a:rPr>
-              <a:t>composta</a:t>
-            </a:r>
-            <a:r>
-              <a:rPr lang="en-US" sz="2600">
-                <a:latin typeface="Montserrat"/>
-                <a:cs typeface="Arial"/>
-              </a:rPr>
-              <a:t>, é </a:t>
-            </a:r>
-            <a:r>
-              <a:rPr lang="en-US" sz="2600" err="1">
-                <a:latin typeface="Montserrat"/>
-                <a:cs typeface="Arial"/>
-              </a:rPr>
-              <a:t>possível</a:t>
-            </a:r>
-            <a:r>
-              <a:rPr lang="en-US" sz="2600">
-                <a:latin typeface="Montserrat"/>
-                <a:cs typeface="Arial"/>
-              </a:rPr>
-              <a:t> </a:t>
-            </a:r>
-            <a:r>
-              <a:rPr lang="en-US" sz="2600" err="1">
-                <a:latin typeface="Montserrat"/>
-                <a:cs typeface="Arial"/>
-              </a:rPr>
-              <a:t>ter</a:t>
-            </a:r>
-            <a:r>
-              <a:rPr lang="en-US" sz="2600">
-                <a:latin typeface="Montserrat"/>
-                <a:cs typeface="Arial"/>
-              </a:rPr>
-              <a:t> </a:t>
-            </a:r>
-            <a:r>
-              <a:rPr lang="en-US" sz="2600" err="1">
-                <a:latin typeface="Montserrat"/>
-                <a:cs typeface="Arial"/>
-              </a:rPr>
-              <a:t>uma</a:t>
-            </a:r>
-            <a:r>
-              <a:rPr lang="en-US" sz="2600">
-                <a:latin typeface="Montserrat"/>
-                <a:cs typeface="Arial"/>
-              </a:rPr>
-              <a:t> </a:t>
-            </a:r>
-            <a:r>
-              <a:rPr lang="en-US" sz="2600" err="1">
-                <a:latin typeface="Montserrat"/>
-                <a:cs typeface="Arial"/>
-              </a:rPr>
-              <a:t>dependência</a:t>
-            </a:r>
-            <a:r>
-              <a:rPr lang="en-US" sz="2600">
-                <a:latin typeface="Montserrat"/>
-                <a:cs typeface="Arial"/>
-              </a:rPr>
-              <a:t> </a:t>
-            </a:r>
-            <a:r>
-              <a:rPr lang="en-US" sz="2600" err="1">
-                <a:latin typeface="Montserrat"/>
-                <a:cs typeface="Arial"/>
-              </a:rPr>
-              <a:t>parcial</a:t>
-            </a:r>
-            <a:r>
-              <a:rPr lang="en-US" sz="2600">
-                <a:latin typeface="Montserrat"/>
-                <a:cs typeface="Arial"/>
-              </a:rPr>
-              <a:t>.</a:t>
-            </a:r>
-            <a:br>
-              <a:rPr lang="en-US">
-                <a:latin typeface="Montserrat"/>
-                <a:cs typeface="Arial"/>
-              </a:rPr>
-            </a:br>
-            <a:endParaRPr lang="en-US" sz="2400" b="1">
-              <a:latin typeface="Montserrat"/>
-              <a:cs typeface="Arial"/>
-            </a:endParaRPr>
+              <a:t> dela. </a:t>
+            </a:r>
           </a:p>
         </p:txBody>
       </p:sp>
@@ -6358,7 +5985,7 @@
     </p:spTree>
     <p:extLst>
       <p:ext uri="{BB962C8B-B14F-4D97-AF65-F5344CB8AC3E}">
-        <p14:creationId xmlns:p14="http://schemas.microsoft.com/office/powerpoint/2010/main" val="3346956498"/>
+        <p14:creationId xmlns:p14="http://schemas.microsoft.com/office/powerpoint/2010/main" val="1358212460"/>
       </p:ext>
     </p:extLst>
   </p:cSld>
@@ -6397,8 +6024,8 @@
         </p:nvSpPr>
         <p:spPr>
           <a:xfrm>
-            <a:off x="628650" y="1327729"/>
-            <a:ext cx="7814814" cy="4762971"/>
+            <a:off x="628650" y="1428370"/>
+            <a:ext cx="7771682" cy="4374782"/>
           </a:xfrm>
         </p:spPr>
         <p:txBody>
@@ -6409,233 +6036,300 @@
           <a:p>
             <a:pPr algn="just"/>
             <a:r>
-              <a:rPr lang="pt-BR" sz="2500" b="1">
-                <a:latin typeface="Montserrat"/>
-                <a:cs typeface="Arial"/>
-              </a:rPr>
-              <a:t>“Todas as colunas devem ter dependência funcional com a totalidade de cada chave candidata e nada mais além do que essas chaves candidatas.”</a:t>
-            </a:r>
-          </a:p>
-          <a:p>
-            <a:pPr marL="0" indent="0" algn="just">
-              <a:buNone/>
-            </a:pPr>
-            <a:endParaRPr lang="pt-BR" sz="2500" b="1">
+              <a:rPr lang="en-US" sz="2600">
+                <a:latin typeface="Montserrat"/>
+                <a:cs typeface="Arial"/>
+              </a:rPr>
+              <a:t>Uma </a:t>
+            </a:r>
+            <a:r>
+              <a:rPr lang="en-US" sz="2600" err="1">
+                <a:latin typeface="Montserrat"/>
+                <a:cs typeface="Arial"/>
+              </a:rPr>
+              <a:t>coluna</a:t>
+            </a:r>
+            <a:r>
+              <a:rPr lang="en-US" sz="2600">
+                <a:latin typeface="Montserrat"/>
+                <a:cs typeface="Arial"/>
+              </a:rPr>
+              <a:t> </a:t>
+            </a:r>
+            <a:r>
+              <a:rPr lang="en-US" sz="2600" err="1">
+                <a:latin typeface="Montserrat"/>
+                <a:cs typeface="Arial"/>
+              </a:rPr>
+              <a:t>não</a:t>
+            </a:r>
+            <a:r>
+              <a:rPr lang="en-US" sz="2600">
+                <a:latin typeface="Montserrat"/>
+                <a:cs typeface="Arial"/>
+              </a:rPr>
+              <a:t> </a:t>
+            </a:r>
+            <a:r>
+              <a:rPr lang="en-US" sz="2600" err="1">
+                <a:latin typeface="Montserrat"/>
+                <a:cs typeface="Arial"/>
+              </a:rPr>
+              <a:t>tem</a:t>
+            </a:r>
+            <a:r>
+              <a:rPr lang="en-US" sz="2600">
+                <a:latin typeface="Montserrat"/>
+                <a:cs typeface="Arial"/>
+              </a:rPr>
+              <a:t> </a:t>
+            </a:r>
+            <a:r>
+              <a:rPr lang="en-US" sz="2600" err="1">
+                <a:latin typeface="Montserrat"/>
+                <a:cs typeface="Arial"/>
+              </a:rPr>
+              <a:t>dependência</a:t>
+            </a:r>
+            <a:r>
+              <a:rPr lang="en-US" sz="2600">
+                <a:latin typeface="Montserrat"/>
+                <a:cs typeface="Arial"/>
+              </a:rPr>
+              <a:t> </a:t>
+            </a:r>
+            <a:r>
+              <a:rPr lang="en-US" sz="2600" err="1">
+                <a:latin typeface="Montserrat"/>
+                <a:cs typeface="Arial"/>
+              </a:rPr>
+              <a:t>funcional</a:t>
+            </a:r>
+            <a:r>
+              <a:rPr lang="en-US" sz="2600">
+                <a:latin typeface="Montserrat"/>
+                <a:cs typeface="Arial"/>
+              </a:rPr>
+              <a:t> com a </a:t>
+            </a:r>
+            <a:r>
+              <a:rPr lang="en-US" sz="2600" err="1">
+                <a:latin typeface="Montserrat"/>
+                <a:cs typeface="Arial"/>
+              </a:rPr>
+              <a:t>chave</a:t>
+            </a:r>
+            <a:r>
+              <a:rPr lang="en-US" sz="2600">
+                <a:latin typeface="Montserrat"/>
+                <a:cs typeface="Arial"/>
+              </a:rPr>
+              <a:t> </a:t>
+            </a:r>
+            <a:r>
+              <a:rPr lang="en-US" sz="2600" err="1">
+                <a:latin typeface="Montserrat"/>
+                <a:cs typeface="Arial"/>
+              </a:rPr>
+              <a:t>primária</a:t>
+            </a:r>
+            <a:r>
+              <a:rPr lang="en-US" sz="2600">
+                <a:latin typeface="Montserrat"/>
+                <a:cs typeface="Arial"/>
+              </a:rPr>
+              <a:t> </a:t>
+            </a:r>
+            <a:r>
+              <a:rPr lang="en-US" sz="2600" err="1">
+                <a:latin typeface="Montserrat"/>
+                <a:cs typeface="Arial"/>
+              </a:rPr>
+              <a:t>quando</a:t>
+            </a:r>
+            <a:r>
+              <a:rPr lang="en-US" sz="2600">
+                <a:latin typeface="Montserrat"/>
+                <a:cs typeface="Arial"/>
+              </a:rPr>
+              <a:t> é </a:t>
+            </a:r>
+            <a:r>
+              <a:rPr lang="en-US" sz="2600" err="1">
+                <a:latin typeface="Montserrat"/>
+                <a:cs typeface="Arial"/>
+              </a:rPr>
+              <a:t>definida</a:t>
+            </a:r>
+            <a:r>
+              <a:rPr lang="en-US" sz="2600">
+                <a:latin typeface="Montserrat"/>
+                <a:cs typeface="Arial"/>
+              </a:rPr>
+              <a:t> de forma </a:t>
+            </a:r>
+            <a:r>
+              <a:rPr lang="en-US" sz="2600" err="1">
+                <a:latin typeface="Montserrat"/>
+                <a:cs typeface="Arial"/>
+              </a:rPr>
+              <a:t>independente</a:t>
+            </a:r>
+            <a:r>
+              <a:rPr lang="en-US" sz="2600">
+                <a:latin typeface="Montserrat"/>
+                <a:cs typeface="Arial"/>
+              </a:rPr>
+              <a:t> da </a:t>
+            </a:r>
+            <a:r>
+              <a:rPr lang="en-US" sz="2600" err="1">
+                <a:latin typeface="Montserrat"/>
+                <a:cs typeface="Arial"/>
+              </a:rPr>
+              <a:t>chave</a:t>
+            </a:r>
+            <a:r>
+              <a:rPr lang="en-US" sz="2600">
+                <a:latin typeface="Montserrat"/>
+                <a:cs typeface="Arial"/>
+              </a:rPr>
+              <a:t> </a:t>
+            </a:r>
+            <a:r>
+              <a:rPr lang="en-US" sz="2600" err="1">
+                <a:latin typeface="Montserrat"/>
+                <a:cs typeface="Arial"/>
+              </a:rPr>
+              <a:t>primária</a:t>
+            </a:r>
+            <a:r>
+              <a:rPr lang="en-US" sz="2600">
+                <a:latin typeface="Montserrat"/>
+                <a:cs typeface="Arial"/>
+              </a:rPr>
+              <a:t> </a:t>
+            </a:r>
+            <a:r>
+              <a:rPr lang="en-US" sz="2600" err="1">
+                <a:latin typeface="Montserrat"/>
+                <a:cs typeface="Arial"/>
+              </a:rPr>
+              <a:t>ou</a:t>
+            </a:r>
+            <a:r>
+              <a:rPr lang="en-US" sz="2600">
+                <a:latin typeface="Montserrat"/>
+                <a:cs typeface="Arial"/>
+              </a:rPr>
+              <a:t> </a:t>
+            </a:r>
+            <a:r>
+              <a:rPr lang="en-US" sz="2600" err="1">
+                <a:latin typeface="Montserrat"/>
+                <a:cs typeface="Arial"/>
+              </a:rPr>
+              <a:t>quando</a:t>
+            </a:r>
+            <a:r>
+              <a:rPr lang="en-US" sz="2600">
+                <a:latin typeface="Montserrat"/>
+                <a:cs typeface="Arial"/>
+              </a:rPr>
+              <a:t> </a:t>
+            </a:r>
+            <a:r>
+              <a:rPr lang="en-US" sz="2600" err="1">
+                <a:latin typeface="Montserrat"/>
+                <a:cs typeface="Arial"/>
+              </a:rPr>
+              <a:t>ela</a:t>
+            </a:r>
+            <a:r>
+              <a:rPr lang="en-US" sz="2600">
+                <a:latin typeface="Montserrat"/>
+                <a:cs typeface="Arial"/>
+              </a:rPr>
+              <a:t> é </a:t>
+            </a:r>
+            <a:r>
+              <a:rPr lang="en-US" sz="2600" err="1">
+                <a:latin typeface="Montserrat"/>
+                <a:cs typeface="Arial"/>
+              </a:rPr>
+              <a:t>definida</a:t>
+            </a:r>
+            <a:r>
+              <a:rPr lang="en-US" sz="2600">
+                <a:latin typeface="Montserrat"/>
+                <a:cs typeface="Arial"/>
+              </a:rPr>
+              <a:t> a </a:t>
+            </a:r>
+            <a:r>
+              <a:rPr lang="en-US" sz="2600" err="1">
+                <a:latin typeface="Montserrat"/>
+                <a:cs typeface="Arial"/>
+              </a:rPr>
+              <a:t>partir</a:t>
+            </a:r>
+            <a:r>
+              <a:rPr lang="en-US" sz="2600">
+                <a:latin typeface="Montserrat"/>
+                <a:cs typeface="Arial"/>
+              </a:rPr>
+              <a:t> de </a:t>
+            </a:r>
+            <a:r>
+              <a:rPr lang="en-US" sz="2600" err="1">
+                <a:latin typeface="Montserrat"/>
+                <a:cs typeface="Arial"/>
+              </a:rPr>
+              <a:t>alguma</a:t>
+            </a:r>
+            <a:r>
+              <a:rPr lang="en-US" sz="2600">
+                <a:latin typeface="Montserrat"/>
+                <a:cs typeface="Arial"/>
+              </a:rPr>
+              <a:t> </a:t>
+            </a:r>
+            <a:r>
+              <a:rPr lang="en-US" sz="2600" err="1">
+                <a:latin typeface="Montserrat"/>
+                <a:cs typeface="Arial"/>
+              </a:rPr>
+              <a:t>outra</a:t>
+            </a:r>
+            <a:r>
+              <a:rPr lang="en-US" sz="2600">
+                <a:latin typeface="Montserrat"/>
+                <a:cs typeface="Arial"/>
+              </a:rPr>
+              <a:t> </a:t>
+            </a:r>
+            <a:r>
+              <a:rPr lang="en-US" sz="2600" err="1">
+                <a:latin typeface="Montserrat"/>
+                <a:cs typeface="Arial"/>
+              </a:rPr>
+              <a:t>coluna</a:t>
+            </a:r>
+            <a:r>
+              <a:rPr lang="en-US" sz="2600">
+                <a:latin typeface="Montserrat"/>
+                <a:cs typeface="Arial"/>
+              </a:rPr>
+              <a:t>.</a:t>
+            </a:r>
+            <a:endParaRPr lang="pt-BR" sz="2600" b="1">
               <a:latin typeface="Montserrat"/>
               <a:cs typeface="Arial"/>
             </a:endParaRPr>
           </a:p>
           <a:p>
             <a:pPr algn="just"/>
-            <a:r>
-              <a:rPr lang="en-US" sz="2500">
-                <a:latin typeface="Montserrat"/>
-                <a:cs typeface="Arial"/>
-              </a:rPr>
-              <a:t>Na </a:t>
-            </a:r>
-            <a:r>
-              <a:rPr lang="en-US" sz="2500" err="1">
-                <a:latin typeface="Montserrat"/>
-                <a:cs typeface="Arial"/>
-              </a:rPr>
-              <a:t>maioria</a:t>
-            </a:r>
-            <a:r>
-              <a:rPr lang="en-US" sz="2500">
-                <a:latin typeface="Montserrat"/>
-                <a:cs typeface="Arial"/>
-              </a:rPr>
-              <a:t> dos </a:t>
-            </a:r>
-            <a:r>
-              <a:rPr lang="en-US" sz="2500" err="1">
-                <a:latin typeface="Montserrat"/>
-                <a:cs typeface="Arial"/>
-              </a:rPr>
-              <a:t>casos</a:t>
-            </a:r>
-            <a:r>
-              <a:rPr lang="en-US" sz="2500">
-                <a:latin typeface="Montserrat"/>
-                <a:cs typeface="Arial"/>
-              </a:rPr>
-              <a:t> por "</a:t>
-            </a:r>
-            <a:r>
-              <a:rPr lang="en-US" sz="2500" err="1">
-                <a:latin typeface="Montserrat"/>
-                <a:cs typeface="Arial"/>
-              </a:rPr>
-              <a:t>cada</a:t>
-            </a:r>
-            <a:r>
-              <a:rPr lang="en-US" sz="2500">
-                <a:latin typeface="Montserrat"/>
-                <a:cs typeface="Arial"/>
-              </a:rPr>
-              <a:t> </a:t>
-            </a:r>
-            <a:r>
-              <a:rPr lang="en-US" sz="2500" err="1">
-                <a:latin typeface="Montserrat"/>
-                <a:cs typeface="Arial"/>
-              </a:rPr>
-              <a:t>chave</a:t>
-            </a:r>
-            <a:r>
-              <a:rPr lang="en-US" sz="2500">
-                <a:latin typeface="Montserrat"/>
-                <a:cs typeface="Arial"/>
-              </a:rPr>
-              <a:t> </a:t>
-            </a:r>
-            <a:r>
-              <a:rPr lang="en-US" sz="2500" err="1">
-                <a:latin typeface="Montserrat"/>
-                <a:cs typeface="Arial"/>
-              </a:rPr>
-              <a:t>candidata</a:t>
-            </a:r>
-            <a:r>
-              <a:rPr lang="en-US" sz="2500">
-                <a:latin typeface="Montserrat"/>
-                <a:cs typeface="Arial"/>
-              </a:rPr>
-              <a:t>", </a:t>
-            </a:r>
-            <a:r>
-              <a:rPr lang="en-US" sz="2500" err="1">
-                <a:latin typeface="Montserrat"/>
-                <a:cs typeface="Arial"/>
-              </a:rPr>
-              <a:t>entenda</a:t>
-            </a:r>
-            <a:r>
-              <a:rPr lang="en-US" sz="2500">
-                <a:latin typeface="Montserrat"/>
-                <a:cs typeface="Arial"/>
-              </a:rPr>
-              <a:t>-se por "com a </a:t>
-            </a:r>
-            <a:r>
-              <a:rPr lang="en-US" sz="2500" err="1">
-                <a:latin typeface="Montserrat"/>
-                <a:cs typeface="Arial"/>
-              </a:rPr>
-              <a:t>chave</a:t>
-            </a:r>
-            <a:r>
-              <a:rPr lang="en-US" sz="2500">
-                <a:latin typeface="Montserrat"/>
-                <a:cs typeface="Arial"/>
-              </a:rPr>
-              <a:t> </a:t>
-            </a:r>
-            <a:r>
-              <a:rPr lang="en-US" sz="2500" err="1">
-                <a:latin typeface="Montserrat"/>
-                <a:cs typeface="Arial"/>
-              </a:rPr>
-              <a:t>primária</a:t>
-            </a:r>
-            <a:r>
-              <a:rPr lang="en-US" sz="2500">
-                <a:latin typeface="Montserrat"/>
-                <a:cs typeface="Arial"/>
-              </a:rPr>
-              <a:t>", </a:t>
-            </a:r>
-            <a:r>
-              <a:rPr lang="en-US" sz="2500" err="1">
-                <a:latin typeface="Montserrat"/>
-                <a:cs typeface="Arial"/>
-              </a:rPr>
-              <a:t>exceto</a:t>
-            </a:r>
-            <a:r>
-              <a:rPr lang="en-US" sz="2500">
-                <a:latin typeface="Montserrat"/>
-                <a:cs typeface="Arial"/>
-              </a:rPr>
-              <a:t> se </a:t>
-            </a:r>
-            <a:r>
-              <a:rPr lang="en-US" sz="2500" err="1">
-                <a:latin typeface="Montserrat"/>
-                <a:cs typeface="Arial"/>
-              </a:rPr>
-              <a:t>houver</a:t>
-            </a:r>
-            <a:r>
-              <a:rPr lang="en-US" sz="2500">
-                <a:latin typeface="Montserrat"/>
-                <a:cs typeface="Arial"/>
-              </a:rPr>
-              <a:t> </a:t>
-            </a:r>
-            <a:r>
-              <a:rPr lang="en-US" sz="2500" err="1">
-                <a:latin typeface="Montserrat"/>
-                <a:cs typeface="Arial"/>
-              </a:rPr>
-              <a:t>mais</a:t>
-            </a:r>
-            <a:r>
-              <a:rPr lang="en-US" sz="2500">
-                <a:latin typeface="Montserrat"/>
-                <a:cs typeface="Arial"/>
-              </a:rPr>
-              <a:t> do que </a:t>
-            </a:r>
-            <a:r>
-              <a:rPr lang="en-US" sz="2500" err="1">
-                <a:latin typeface="Montserrat"/>
-                <a:cs typeface="Arial"/>
-              </a:rPr>
-              <a:t>uma</a:t>
-            </a:r>
-            <a:r>
-              <a:rPr lang="en-US" sz="2500">
-                <a:latin typeface="Montserrat"/>
-                <a:cs typeface="Arial"/>
-              </a:rPr>
-              <a:t> </a:t>
-            </a:r>
-            <a:r>
-              <a:rPr lang="en-US" sz="2500" err="1">
-                <a:latin typeface="Montserrat"/>
-                <a:cs typeface="Arial"/>
-              </a:rPr>
-              <a:t>chave</a:t>
-            </a:r>
-            <a:r>
-              <a:rPr lang="en-US" sz="2500">
-                <a:latin typeface="Montserrat"/>
-                <a:cs typeface="Arial"/>
-              </a:rPr>
-              <a:t> </a:t>
-            </a:r>
-            <a:r>
-              <a:rPr lang="en-US" sz="2500" err="1">
-                <a:latin typeface="Montserrat"/>
-                <a:cs typeface="Arial"/>
-              </a:rPr>
-              <a:t>candidata</a:t>
-            </a:r>
-            <a:r>
-              <a:rPr lang="en-US" sz="2500">
-                <a:latin typeface="Montserrat"/>
-                <a:cs typeface="Arial"/>
-              </a:rPr>
-              <a:t>. </a:t>
-            </a:r>
-          </a:p>
-          <a:p>
-            <a:pPr marL="0" indent="0" algn="just">
-              <a:buNone/>
-            </a:pPr>
-            <a:endParaRPr lang="en-US" sz="2500">
+            <a:endParaRPr lang="en-US" sz="2600">
               <a:latin typeface="Montserrat"/>
               <a:cs typeface="Arial"/>
             </a:endParaRPr>
@@ -6643,211 +6337,330 @@
           <a:p>
             <a:pPr algn="just"/>
             <a:r>
-              <a:rPr lang="en-US" sz="2500" err="1">
-                <a:latin typeface="Montserrat"/>
-                <a:cs typeface="Arial"/>
-              </a:rPr>
-              <a:t>Depender</a:t>
-            </a:r>
-            <a:r>
-              <a:rPr lang="en-US" sz="2500">
+              <a:rPr lang="en-US" sz="2600">
+                <a:latin typeface="Montserrat"/>
+                <a:cs typeface="Arial"/>
+              </a:rPr>
+              <a:t>Uma </a:t>
+            </a:r>
+            <a:r>
+              <a:rPr lang="en-US" sz="2600" err="1">
+                <a:latin typeface="Montserrat"/>
+                <a:cs typeface="Arial"/>
+              </a:rPr>
+              <a:t>dependência</a:t>
+            </a:r>
+            <a:r>
+              <a:rPr lang="en-US" sz="2600">
+                <a:latin typeface="Montserrat"/>
+                <a:cs typeface="Arial"/>
+              </a:rPr>
+              <a:t> </a:t>
+            </a:r>
+            <a:r>
+              <a:rPr lang="en-US" sz="2600" err="1">
+                <a:latin typeface="Montserrat"/>
+                <a:cs typeface="Arial"/>
+              </a:rPr>
+              <a:t>funcional</a:t>
+            </a:r>
+            <a:r>
+              <a:rPr lang="en-US" sz="2600">
+                <a:latin typeface="Montserrat"/>
+                <a:cs typeface="Arial"/>
+              </a:rPr>
+              <a:t> é </a:t>
+            </a:r>
+            <a:r>
+              <a:rPr lang="en-US" sz="2600" err="1">
+                <a:latin typeface="Montserrat"/>
+                <a:cs typeface="Arial"/>
+              </a:rPr>
+              <a:t>quando</a:t>
+            </a:r>
+            <a:r>
+              <a:rPr lang="en-US" sz="2600">
+                <a:latin typeface="Montserrat"/>
+                <a:cs typeface="Arial"/>
+              </a:rPr>
+              <a:t> </a:t>
+            </a:r>
+            <a:r>
+              <a:rPr lang="en-US" sz="2600" err="1">
+                <a:latin typeface="Montserrat"/>
+                <a:cs typeface="Arial"/>
+              </a:rPr>
+              <a:t>todos</a:t>
+            </a:r>
+            <a:r>
+              <a:rPr lang="en-US" sz="2600">
+                <a:latin typeface="Montserrat"/>
+                <a:cs typeface="Arial"/>
+              </a:rPr>
+              <a:t> </a:t>
+            </a:r>
+            <a:r>
+              <a:rPr lang="en-US" sz="2600" err="1">
+                <a:latin typeface="Montserrat"/>
+                <a:cs typeface="Arial"/>
+              </a:rPr>
+              <a:t>os</a:t>
+            </a:r>
+            <a:r>
+              <a:rPr lang="en-US" sz="2600">
+                <a:latin typeface="Montserrat"/>
+                <a:cs typeface="Arial"/>
+              </a:rPr>
+              <a:t> </a:t>
+            </a:r>
+            <a:r>
+              <a:rPr lang="en-US" sz="2600" err="1">
+                <a:latin typeface="Montserrat"/>
+                <a:cs typeface="Arial"/>
+              </a:rPr>
+              <a:t>campos</a:t>
+            </a:r>
+            <a:r>
+              <a:rPr lang="en-US" sz="2600">
                 <a:latin typeface="Montserrat"/>
                 <a:cs typeface="Arial"/>
               </a:rPr>
               <a:t> da </a:t>
             </a:r>
             <a:r>
-              <a:rPr lang="en-US" sz="2500" err="1">
-                <a:latin typeface="Montserrat"/>
-                <a:cs typeface="Arial"/>
-              </a:rPr>
-              <a:t>totalidade</a:t>
-            </a:r>
-            <a:r>
-              <a:rPr lang="en-US" sz="2500">
+              <a:rPr lang="en-US" sz="2600" err="1">
+                <a:latin typeface="Montserrat"/>
+                <a:cs typeface="Arial"/>
+              </a:rPr>
+              <a:t>chave</a:t>
+            </a:r>
+            <a:r>
+              <a:rPr lang="en-US" sz="2600">
+                <a:latin typeface="Montserrat"/>
+                <a:cs typeface="Arial"/>
+              </a:rPr>
+              <a:t> </a:t>
+            </a:r>
+            <a:r>
+              <a:rPr lang="en-US" sz="2600" err="1">
+                <a:latin typeface="Montserrat"/>
+                <a:cs typeface="Arial"/>
+              </a:rPr>
+              <a:t>primária</a:t>
+            </a:r>
+            <a:r>
+              <a:rPr lang="en-US" sz="2600">
+                <a:latin typeface="Montserrat"/>
+                <a:cs typeface="Arial"/>
+              </a:rPr>
+              <a:t> </a:t>
+            </a:r>
+            <a:r>
+              <a:rPr lang="en-US" sz="2600" err="1">
+                <a:latin typeface="Montserrat"/>
+                <a:cs typeface="Arial"/>
+              </a:rPr>
+              <a:t>são</a:t>
+            </a:r>
+            <a:r>
+              <a:rPr lang="en-US" sz="2600">
+                <a:latin typeface="Montserrat"/>
+                <a:cs typeface="Arial"/>
+              </a:rPr>
+              <a:t> </a:t>
+            </a:r>
+            <a:r>
+              <a:rPr lang="en-US" sz="2600" err="1">
+                <a:latin typeface="Montserrat"/>
+                <a:cs typeface="Arial"/>
+              </a:rPr>
+              <a:t>necessários</a:t>
+            </a:r>
+            <a:r>
+              <a:rPr lang="en-US" sz="2600">
+                <a:latin typeface="Montserrat"/>
+                <a:cs typeface="Arial"/>
+              </a:rPr>
+              <a:t> para </a:t>
+            </a:r>
+            <a:r>
+              <a:rPr lang="en-US" sz="2600" err="1">
+                <a:latin typeface="Montserrat"/>
+                <a:cs typeface="Arial"/>
+              </a:rPr>
+              <a:t>estabelecer</a:t>
+            </a:r>
+            <a:r>
+              <a:rPr lang="en-US" sz="2600">
+                <a:latin typeface="Montserrat"/>
+                <a:cs typeface="Arial"/>
+              </a:rPr>
+              <a:t>-se a </a:t>
+            </a:r>
+            <a:r>
+              <a:rPr lang="en-US" sz="2600" err="1">
+                <a:latin typeface="Montserrat"/>
+                <a:cs typeface="Arial"/>
+              </a:rPr>
+              <a:t>relação</a:t>
+            </a:r>
+            <a:r>
+              <a:rPr lang="en-US" sz="2600">
                 <a:latin typeface="Montserrat"/>
                 <a:cs typeface="Arial"/>
               </a:rPr>
               <a:t> de </a:t>
             </a:r>
             <a:r>
-              <a:rPr lang="en-US" sz="2500" err="1">
-                <a:latin typeface="Montserrat"/>
-                <a:cs typeface="Arial"/>
-              </a:rPr>
-              <a:t>cada</a:t>
-            </a:r>
-            <a:r>
-              <a:rPr lang="en-US" sz="2500">
+              <a:rPr lang="en-US" sz="2600" err="1">
+                <a:latin typeface="Montserrat"/>
+                <a:cs typeface="Arial"/>
+              </a:rPr>
+              <a:t>dependência</a:t>
+            </a:r>
+            <a:r>
+              <a:rPr lang="en-US" sz="2600">
+                <a:latin typeface="Montserrat"/>
+                <a:cs typeface="Arial"/>
+              </a:rPr>
+              <a:t>. No </a:t>
+            </a:r>
+            <a:r>
+              <a:rPr lang="en-US" sz="2600" err="1">
+                <a:latin typeface="Montserrat"/>
+                <a:cs typeface="Arial"/>
+              </a:rPr>
+              <a:t>caso</a:t>
+            </a:r>
+            <a:r>
+              <a:rPr lang="en-US" sz="2600">
+                <a:latin typeface="Montserrat"/>
+                <a:cs typeface="Arial"/>
+              </a:rPr>
+              <a:t> de a </a:t>
+            </a:r>
+            <a:r>
+              <a:rPr lang="en-US" sz="2600" err="1">
+                <a:latin typeface="Montserrat"/>
+                <a:cs typeface="Arial"/>
+              </a:rPr>
+              <a:t>chave</a:t>
+            </a:r>
+            <a:r>
+              <a:rPr lang="en-US" sz="2600">
                 <a:latin typeface="Montserrat"/>
                 <a:cs typeface="Arial"/>
               </a:rPr>
               <a:t> </a:t>
             </a:r>
             <a:r>
-              <a:rPr lang="en-US" sz="2500" err="1">
-                <a:latin typeface="Montserrat"/>
-                <a:cs typeface="Arial"/>
-              </a:rPr>
-              <a:t>chave</a:t>
-            </a:r>
-            <a:r>
-              <a:rPr lang="en-US" sz="2500">
+              <a:rPr lang="en-US" sz="2600" err="1">
+                <a:latin typeface="Montserrat"/>
+                <a:cs typeface="Arial"/>
+              </a:rPr>
+              <a:t>primária</a:t>
+            </a:r>
+            <a:r>
+              <a:rPr lang="en-US" sz="2600">
+                <a:latin typeface="Montserrat"/>
+                <a:cs typeface="Arial"/>
+              </a:rPr>
+              <a:t> ser </a:t>
+            </a:r>
+            <a:r>
+              <a:rPr lang="en-US" sz="2600" err="1">
+                <a:latin typeface="Montserrat"/>
+                <a:cs typeface="Arial"/>
+              </a:rPr>
+              <a:t>composta</a:t>
+            </a:r>
+            <a:r>
+              <a:rPr lang="en-US" sz="2600">
+                <a:latin typeface="Montserrat"/>
+                <a:cs typeface="Arial"/>
+              </a:rPr>
+              <a:t>, é </a:t>
+            </a:r>
+            <a:r>
+              <a:rPr lang="en-US" sz="2600" err="1">
+                <a:latin typeface="Montserrat"/>
+                <a:cs typeface="Arial"/>
+              </a:rPr>
+              <a:t>possível</a:t>
+            </a:r>
+            <a:r>
+              <a:rPr lang="en-US" sz="2600">
                 <a:latin typeface="Montserrat"/>
                 <a:cs typeface="Arial"/>
               </a:rPr>
               <a:t> </a:t>
             </a:r>
             <a:r>
-              <a:rPr lang="en-US" sz="2500" err="1">
-                <a:latin typeface="Montserrat"/>
-                <a:cs typeface="Arial"/>
-              </a:rPr>
-              <a:t>candidata</a:t>
-            </a:r>
-            <a:r>
-              <a:rPr lang="en-US" sz="2500">
-                <a:latin typeface="Montserrat"/>
-                <a:cs typeface="Arial"/>
-              </a:rPr>
-              <a:t> é </a:t>
-            </a:r>
-            <a:r>
-              <a:rPr lang="en-US" sz="2500" err="1">
-                <a:latin typeface="Montserrat"/>
-                <a:cs typeface="Arial"/>
-              </a:rPr>
-              <a:t>abordada</a:t>
-            </a:r>
-            <a:r>
-              <a:rPr lang="en-US" sz="2500">
+              <a:rPr lang="en-US" sz="2600" err="1">
+                <a:latin typeface="Montserrat"/>
+                <a:cs typeface="Arial"/>
+              </a:rPr>
+              <a:t>ter</a:t>
+            </a:r>
+            <a:r>
+              <a:rPr lang="en-US" sz="2600">
                 <a:latin typeface="Montserrat"/>
                 <a:cs typeface="Arial"/>
               </a:rPr>
               <a:t> </a:t>
             </a:r>
             <a:r>
-              <a:rPr lang="en-US" sz="2500" err="1">
-                <a:latin typeface="Montserrat"/>
-                <a:cs typeface="Arial"/>
-              </a:rPr>
-              <a:t>na</a:t>
-            </a:r>
-            <a:r>
-              <a:rPr lang="en-US" sz="2500">
+              <a:rPr lang="en-US" sz="2600" err="1">
+                <a:latin typeface="Montserrat"/>
+                <a:cs typeface="Arial"/>
+              </a:rPr>
+              <a:t>uma</a:t>
+            </a:r>
+            <a:r>
+              <a:rPr lang="en-US" sz="2600">
                 <a:latin typeface="Montserrat"/>
                 <a:cs typeface="Arial"/>
               </a:rPr>
               <a:t> </a:t>
             </a:r>
             <a:r>
-              <a:rPr lang="en-US" sz="2500" err="1">
-                <a:latin typeface="Montserrat"/>
-                <a:cs typeface="Arial"/>
-              </a:rPr>
-              <a:t>segunda</a:t>
-            </a:r>
-            <a:r>
-              <a:rPr lang="en-US" sz="2500">
-                <a:latin typeface="Montserrat"/>
-                <a:cs typeface="Arial"/>
-              </a:rPr>
-              <a:t> forma normal, </a:t>
-            </a:r>
-            <a:r>
-              <a:rPr lang="en-US" sz="2500" err="1">
-                <a:latin typeface="Montserrat"/>
-                <a:cs typeface="Arial"/>
-              </a:rPr>
-              <a:t>nesta</a:t>
-            </a:r>
-            <a:r>
-              <a:rPr lang="en-US" sz="2500">
-                <a:latin typeface="Montserrat"/>
-                <a:cs typeface="Arial"/>
-              </a:rPr>
-              <a:t> o </a:t>
-            </a:r>
-            <a:r>
-              <a:rPr lang="en-US" sz="2500" err="1">
-                <a:latin typeface="Montserrat"/>
-                <a:cs typeface="Arial"/>
-              </a:rPr>
-              <a:t>foco</a:t>
-            </a:r>
-            <a:r>
-              <a:rPr lang="en-US" sz="2500">
-                <a:latin typeface="Montserrat"/>
-                <a:cs typeface="Arial"/>
-              </a:rPr>
-              <a:t> é </a:t>
-            </a:r>
-            <a:r>
-              <a:rPr lang="en-US" sz="2500" err="1">
-                <a:latin typeface="Montserrat"/>
-                <a:cs typeface="Arial"/>
-              </a:rPr>
-              <a:t>depender</a:t>
-            </a:r>
-            <a:r>
-              <a:rPr lang="en-US" sz="2500">
-                <a:latin typeface="Montserrat"/>
-                <a:cs typeface="Arial"/>
-              </a:rPr>
-              <a:t> de nada </a:t>
-            </a:r>
-            <a:r>
-              <a:rPr lang="en-US" sz="2500" err="1">
-                <a:latin typeface="Montserrat"/>
-                <a:cs typeface="Arial"/>
-              </a:rPr>
-              <a:t>mais</a:t>
-            </a:r>
-            <a:r>
-              <a:rPr lang="en-US" sz="2500">
-                <a:latin typeface="Montserrat"/>
-                <a:cs typeface="Arial"/>
-              </a:rPr>
-              <a:t> que </a:t>
-            </a:r>
-            <a:r>
-              <a:rPr lang="en-US" sz="2500" err="1">
-                <a:latin typeface="Montserrat"/>
-                <a:cs typeface="Arial"/>
-              </a:rPr>
-              <a:t>essas</a:t>
-            </a:r>
-            <a:r>
-              <a:rPr lang="en-US" sz="2500">
+              <a:rPr lang="en-US" sz="2600" err="1">
+                <a:latin typeface="Montserrat"/>
+                <a:cs typeface="Arial"/>
+              </a:rPr>
+              <a:t>dependência</a:t>
+            </a:r>
+            <a:r>
+              <a:rPr lang="en-US" sz="2600">
                 <a:latin typeface="Montserrat"/>
                 <a:cs typeface="Arial"/>
               </a:rPr>
               <a:t> </a:t>
             </a:r>
             <a:r>
-              <a:rPr lang="en-US" sz="2500" err="1">
-                <a:latin typeface="Montserrat"/>
-                <a:cs typeface="Arial"/>
-              </a:rPr>
-              <a:t>chaves</a:t>
-            </a:r>
-            <a:r>
-              <a:rPr lang="en-US" sz="2500">
+              <a:rPr lang="en-US" sz="2600" err="1">
+                <a:latin typeface="Montserrat"/>
+                <a:cs typeface="Arial"/>
+              </a:rPr>
+              <a:t>parcial</a:t>
+            </a:r>
+            <a:r>
+              <a:rPr lang="en-US" sz="2600">
                 <a:latin typeface="Montserrat"/>
                 <a:cs typeface="Arial"/>
               </a:rPr>
               <a:t>.</a:t>
             </a:r>
             <a:br>
-              <a:rPr lang="en-US"/>
+              <a:rPr lang="en-US">
+                <a:latin typeface="Montserrat"/>
+                <a:cs typeface="Arial"/>
+              </a:rPr>
             </a:br>
-            <a:endParaRPr lang="en-US"/>
-          </a:p>
-          <a:p>
-            <a:pPr marL="0" indent="0">
-              <a:buNone/>
-            </a:pPr>
-            <a:endParaRPr lang="en-US"/>
+            <a:endParaRPr lang="en-US" sz="2400" b="1">
+              <a:latin typeface="Montserrat"/>
+              <a:cs typeface="Arial"/>
+            </a:endParaRPr>
           </a:p>
         </p:txBody>
       </p:sp>
@@ -6864,27 +6677,31 @@
         <p:spPr/>
         <p:txBody>
           <a:bodyPr vert="horz" lIns="91440" tIns="45720" rIns="91440" bIns="45720" rtlCol="0" anchor="t">
-            <a:normAutofit lnSpcReduction="10000"/>
+            <a:normAutofit fontScale="92500" lnSpcReduction="20000"/>
           </a:bodyPr>
           <a:lstStyle/>
           <a:p>
-            <a:pPr algn="just"/>
+            <a:pPr algn="just">
+              <a:lnSpc>
+                <a:spcPct val="110000"/>
+              </a:lnSpc>
+            </a:pPr>
             <a:r>
               <a:rPr lang="pt-BR">
                 <a:latin typeface="Montserrat"/>
               </a:rPr>
-              <a:t>Terceira forma normal (3FN)</a:t>
-            </a:r>
-          </a:p>
-          <a:p>
-            <a:endParaRPr lang="pt-BR"/>
+              <a:t>Segunda forma normal (2FN)</a:t>
+            </a:r>
+            <a:endParaRPr lang="en-US">
+              <a:latin typeface="Montserrat"/>
+            </a:endParaRPr>
           </a:p>
         </p:txBody>
       </p:sp>
     </p:spTree>
     <p:extLst>
       <p:ext uri="{BB962C8B-B14F-4D97-AF65-F5344CB8AC3E}">
-        <p14:creationId xmlns:p14="http://schemas.microsoft.com/office/powerpoint/2010/main" val="1000113504"/>
+        <p14:creationId xmlns:p14="http://schemas.microsoft.com/office/powerpoint/2010/main" val="3346956498"/>
       </p:ext>
     </p:extLst>
   </p:cSld>
@@ -6913,115 +6730,58 @@
       </p:grpSpPr>
       <p:sp>
         <p:nvSpPr>
-          <p:cNvPr id="2" name="Espaço Reservado para Conteúdo 1"/>
-          <p:cNvSpPr>
-            <a:spLocks noGrp="1"/>
-          </p:cNvSpPr>
-          <p:nvPr>
-            <p:ph idx="1"/>
-          </p:nvPr>
-        </p:nvSpPr>
-        <p:spPr>
-          <a:xfrm>
-            <a:off x="628650" y="1457125"/>
-            <a:ext cx="8016097" cy="4245387"/>
-          </a:xfrm>
-        </p:spPr>
+          <p:cNvPr id="3" name="Espaço Reservado para Texto 2"/>
+          <p:cNvSpPr>
+            <a:spLocks noGrp="1"/>
+          </p:cNvSpPr>
+          <p:nvPr>
+            <p:ph type="body" sz="quarter" idx="13"/>
+          </p:nvPr>
+        </p:nvSpPr>
+        <p:spPr/>
         <p:txBody>
           <a:bodyPr vert="horz" lIns="91440" tIns="45720" rIns="91440" bIns="45720" rtlCol="0" anchor="t">
-            <a:noAutofit/>
+            <a:normAutofit fontScale="92500" lnSpcReduction="20000"/>
           </a:bodyPr>
           <a:lstStyle/>
           <a:p>
-            <a:pPr algn="just"/>
-            <a:r>
-              <a:rPr lang="pt-BR" sz="2500">
-                <a:latin typeface="Montserrat"/>
-                <a:cs typeface="Arial"/>
-              </a:rPr>
-              <a:t>É mais forte que a terceira FN, porém não é requisito para atingir a quarta.</a:t>
-            </a:r>
-            <a:endParaRPr lang="pt-BR" sz="2500">
-              <a:cs typeface="Arial"/>
+            <a:pPr algn="just">
+              <a:lnSpc>
+                <a:spcPct val="110000"/>
+              </a:lnSpc>
+            </a:pPr>
+            <a:r>
+              <a:rPr lang="pt-BR">
+                <a:latin typeface="Montserrat"/>
+              </a:rPr>
+              <a:t>Segunda forma normal (2FN)</a:t>
+            </a:r>
+            <a:endParaRPr lang="en-US">
+              <a:latin typeface="Montserrat"/>
             </a:endParaRPr>
           </a:p>
-          <a:p>
-            <a:pPr algn="just"/>
-            <a:endParaRPr lang="pt-BR" sz="2500">
-              <a:latin typeface="Montserrat"/>
-              <a:cs typeface="Arial"/>
-            </a:endParaRPr>
-          </a:p>
-          <a:p>
-            <a:pPr algn="just"/>
-            <a:r>
-              <a:rPr lang="pt-BR" sz="2500">
-                <a:latin typeface="Montserrat"/>
-                <a:cs typeface="Arial"/>
-              </a:rPr>
-              <a:t>A maioria dos casos que estão na 3FN também se encontram na FNBC e algo incomum é que existem situações onde ela é impossível de se atingir.</a:t>
-            </a:r>
-            <a:endParaRPr lang="pt-BR" sz="2500">
-              <a:cs typeface="Arial"/>
-            </a:endParaRPr>
-          </a:p>
-          <a:p>
-            <a:pPr algn="just"/>
-            <a:endParaRPr lang="pt-BR" sz="2500">
-              <a:latin typeface="Montserrat"/>
-              <a:cs typeface="Arial"/>
-            </a:endParaRPr>
-          </a:p>
-          <a:p>
-            <a:pPr algn="just"/>
-            <a:r>
-              <a:rPr lang="pt-BR" sz="2500">
-                <a:latin typeface="Montserrat"/>
-                <a:cs typeface="Arial"/>
-              </a:rPr>
-              <a:t> Nesta forma não é permitido chegar-se a uma chave candidata com base em alguma outra chave candidata por meio de dependências funcionais.</a:t>
-            </a:r>
-            <a:endParaRPr lang="pt-BR"/>
-          </a:p>
-        </p:txBody>
-      </p:sp>
-      <p:sp>
-        <p:nvSpPr>
-          <p:cNvPr id="3" name="Espaço Reservado para Texto 2"/>
-          <p:cNvSpPr>
-            <a:spLocks noGrp="1"/>
-          </p:cNvSpPr>
-          <p:nvPr>
-            <p:ph type="body" sz="quarter" idx="13"/>
+        </p:txBody>
+      </p:sp>
+      <p:sp>
+        <p:nvSpPr>
+          <p:cNvPr id="5" name="Espaço Reservado para Conteúdo 4">
+            <a:extLst>
+              <a:ext uri="{FF2B5EF4-FFF2-40B4-BE49-F238E27FC236}">
+                <a16:creationId xmlns:a16="http://schemas.microsoft.com/office/drawing/2014/main" id="{A80EC417-2921-4658-B6A9-B92ECF551F92}"/>
+              </a:ext>
+            </a:extLst>
+          </p:cNvPr>
+          <p:cNvSpPr>
+            <a:spLocks noGrp="1"/>
+          </p:cNvSpPr>
+          <p:nvPr>
+            <p:ph idx="1"/>
           </p:nvPr>
         </p:nvSpPr>
         <p:spPr/>
         <p:txBody>
-          <a:bodyPr vert="horz" lIns="91440" tIns="45720" rIns="91440" bIns="45720" rtlCol="0" anchor="t">
-            <a:normAutofit fontScale="92500"/>
-          </a:bodyPr>
+          <a:bodyPr/>
           <a:lstStyle/>
-          <a:p>
-            <a:pPr algn="just"/>
-            <a:r>
-              <a:rPr lang="pt-BR">
-                <a:latin typeface="Montserrat"/>
-              </a:rPr>
-              <a:t>Forma normal </a:t>
-            </a:r>
-            <a:r>
-              <a:rPr lang="pt-BR" err="1">
-                <a:latin typeface="Montserrat"/>
-              </a:rPr>
-              <a:t>Boyce-Codd</a:t>
-            </a:r>
-            <a:r>
-              <a:rPr lang="pt-BR">
-                <a:latin typeface="Montserrat"/>
-              </a:rPr>
-              <a:t>(FNBC)</a:t>
-            </a:r>
-          </a:p>
           <a:p>
             <a:endParaRPr lang="pt-BR"/>
           </a:p>
@@ -7030,7 +6790,7 @@
     </p:spTree>
     <p:extLst>
       <p:ext uri="{BB962C8B-B14F-4D97-AF65-F5344CB8AC3E}">
-        <p14:creationId xmlns:p14="http://schemas.microsoft.com/office/powerpoint/2010/main" val="178229532"/>
+        <p14:creationId xmlns:p14="http://schemas.microsoft.com/office/powerpoint/2010/main" val="2750339652"/>
       </p:ext>
     </p:extLst>
   </p:cSld>
@@ -7069,431 +6829,457 @@
         </p:nvSpPr>
         <p:spPr>
           <a:xfrm>
-            <a:off x="628650" y="1471502"/>
-            <a:ext cx="7541645" cy="4504178"/>
+            <a:off x="628650" y="1327729"/>
+            <a:ext cx="7814814" cy="4762971"/>
           </a:xfrm>
         </p:spPr>
         <p:txBody>
           <a:bodyPr vert="horz" lIns="91440" tIns="45720" rIns="91440" bIns="45720" rtlCol="0" anchor="t">
-            <a:normAutofit fontScale="85000" lnSpcReduction="20000"/>
+            <a:noAutofit/>
           </a:bodyPr>
           <a:lstStyle/>
           <a:p>
             <a:pPr algn="just"/>
             <a:r>
-              <a:rPr lang="pt-BR">
-                <a:latin typeface="Montserrat"/>
-              </a:rPr>
-              <a:t>Consuste em anomalias existentes na relação entre diferentes colunas da chave primária, e só se aplica em tabelas com chaves primárias compostas por três colunas ou mais.</a:t>
-            </a:r>
-          </a:p>
-          <a:p>
-            <a:pPr algn="just"/>
-            <a:endParaRPr lang="pt-BR"/>
-          </a:p>
-          <a:p>
-            <a:pPr algn="just"/>
-            <a:r>
-              <a:rPr lang="en-US" err="1">
-                <a:latin typeface="Montserrat"/>
-              </a:rPr>
-              <a:t>Tabelas</a:t>
-            </a:r>
-            <a:r>
-              <a:rPr lang="en-US">
-                <a:latin typeface="Montserrat"/>
-              </a:rPr>
-              <a:t> que </a:t>
-            </a:r>
-            <a:r>
-              <a:rPr lang="en-US" err="1">
-                <a:latin typeface="Montserrat"/>
-              </a:rPr>
-              <a:t>representem</a:t>
-            </a:r>
-            <a:r>
-              <a:rPr lang="en-US">
-                <a:latin typeface="Montserrat"/>
-              </a:rPr>
-              <a:t> </a:t>
-            </a:r>
-            <a:r>
-              <a:rPr lang="en-US" err="1">
-                <a:latin typeface="Montserrat"/>
-              </a:rPr>
-              <a:t>relacionamentos</a:t>
-            </a:r>
-            <a:r>
-              <a:rPr lang="en-US">
-                <a:latin typeface="Montserrat"/>
-              </a:rPr>
-              <a:t> </a:t>
-            </a:r>
-            <a:r>
-              <a:rPr lang="en-US" err="1">
-                <a:latin typeface="Montserrat"/>
-              </a:rPr>
-              <a:t>ternários</a:t>
-            </a:r>
-            <a:r>
-              <a:rPr lang="en-US">
-                <a:latin typeface="Montserrat"/>
-              </a:rPr>
-              <a:t>, </a:t>
-            </a:r>
-            <a:r>
-              <a:rPr lang="en-US" err="1">
-                <a:latin typeface="Montserrat"/>
-              </a:rPr>
-              <a:t>quaternários</a:t>
-            </a:r>
-            <a:r>
-              <a:rPr lang="en-US">
-                <a:latin typeface="Montserrat"/>
-              </a:rPr>
-              <a:t> </a:t>
-            </a:r>
-            <a:r>
-              <a:rPr lang="en-US" err="1">
-                <a:latin typeface="Montserrat"/>
-              </a:rPr>
-              <a:t>ou</a:t>
-            </a:r>
-            <a:r>
-              <a:rPr lang="en-US">
-                <a:latin typeface="Montserrat"/>
-              </a:rPr>
-              <a:t> n-</a:t>
-            </a:r>
-            <a:r>
-              <a:rPr lang="en-US" err="1">
-                <a:latin typeface="Montserrat"/>
-              </a:rPr>
-              <a:t>ários</a:t>
-            </a:r>
-            <a:r>
-              <a:rPr lang="en-US">
-                <a:latin typeface="Montserrat"/>
-              </a:rPr>
-              <a:t> de </a:t>
-            </a:r>
-            <a:r>
-              <a:rPr lang="en-US" err="1">
-                <a:latin typeface="Montserrat"/>
-              </a:rPr>
-              <a:t>muitos</a:t>
-            </a:r>
-            <a:r>
-              <a:rPr lang="en-US">
-                <a:latin typeface="Montserrat"/>
-              </a:rPr>
-              <a:t>-para-</a:t>
-            </a:r>
-            <a:r>
-              <a:rPr lang="en-US" err="1">
-                <a:latin typeface="Montserrat"/>
-              </a:rPr>
-              <a:t>muitos</a:t>
-            </a:r>
-            <a:r>
-              <a:rPr lang="en-US">
-                <a:latin typeface="Montserrat"/>
-              </a:rPr>
-              <a:t> </a:t>
-            </a:r>
-            <a:r>
-              <a:rPr lang="en-US" err="1">
-                <a:latin typeface="Montserrat"/>
-              </a:rPr>
-              <a:t>são</a:t>
-            </a:r>
-            <a:r>
-              <a:rPr lang="en-US">
-                <a:latin typeface="Montserrat"/>
-              </a:rPr>
-              <a:t> </a:t>
-            </a:r>
-            <a:r>
-              <a:rPr lang="en-US" err="1">
-                <a:latin typeface="Montserrat"/>
-              </a:rPr>
-              <a:t>locais</a:t>
-            </a:r>
-            <a:r>
-              <a:rPr lang="en-US">
-                <a:latin typeface="Montserrat"/>
-              </a:rPr>
-              <a:t> </a:t>
-            </a:r>
-            <a:r>
-              <a:rPr lang="en-US" err="1">
-                <a:latin typeface="Montserrat"/>
-              </a:rPr>
-              <a:t>onde</a:t>
-            </a:r>
-            <a:r>
-              <a:rPr lang="en-US">
-                <a:latin typeface="Montserrat"/>
-              </a:rPr>
-              <a:t> vale </a:t>
-            </a:r>
-            <a:r>
-              <a:rPr lang="en-US" err="1">
-                <a:latin typeface="Montserrat"/>
-              </a:rPr>
-              <a:t>dar</a:t>
-            </a:r>
-            <a:r>
-              <a:rPr lang="en-US">
-                <a:latin typeface="Montserrat"/>
-              </a:rPr>
-              <a:t>-se </a:t>
-            </a:r>
-            <a:r>
-              <a:rPr lang="en-US" err="1">
-                <a:latin typeface="Montserrat"/>
-              </a:rPr>
-              <a:t>uma</a:t>
-            </a:r>
-            <a:r>
-              <a:rPr lang="en-US">
-                <a:latin typeface="Montserrat"/>
-              </a:rPr>
-              <a:t> </a:t>
-            </a:r>
-            <a:r>
-              <a:rPr lang="en-US" err="1">
-                <a:latin typeface="Montserrat"/>
-              </a:rPr>
-              <a:t>olhada</a:t>
-            </a:r>
-            <a:r>
-              <a:rPr lang="en-US">
-                <a:latin typeface="Montserrat"/>
-              </a:rPr>
-              <a:t> </a:t>
-            </a:r>
-            <a:r>
-              <a:rPr lang="en-US" err="1">
-                <a:latin typeface="Montserrat"/>
-              </a:rPr>
-              <a:t>em</a:t>
-            </a:r>
-            <a:r>
-              <a:rPr lang="en-US">
-                <a:latin typeface="Montserrat"/>
-              </a:rPr>
-              <a:t> </a:t>
-            </a:r>
-            <a:r>
-              <a:rPr lang="en-US" err="1">
-                <a:latin typeface="Montserrat"/>
-              </a:rPr>
-              <a:t>possíveis</a:t>
-            </a:r>
-            <a:r>
-              <a:rPr lang="en-US">
-                <a:latin typeface="Montserrat"/>
-              </a:rPr>
-              <a:t> </a:t>
-            </a:r>
-            <a:r>
-              <a:rPr lang="en-US" err="1">
-                <a:latin typeface="Montserrat"/>
-              </a:rPr>
-              <a:t>violações</a:t>
-            </a:r>
-            <a:r>
-              <a:rPr lang="en-US">
-                <a:latin typeface="Montserrat"/>
-              </a:rPr>
-              <a:t> da 4FN.</a:t>
+              <a:rPr lang="pt-BR" sz="2500" b="1">
+                <a:latin typeface="Montserrat"/>
+                <a:cs typeface="Arial"/>
+              </a:rPr>
+              <a:t>“Todas as colunas devem ter dependência funcional com a totalidade de cada chave candidata e nada mais além do que essas chaves candidatas.”</a:t>
             </a:r>
           </a:p>
           <a:p>
             <a:pPr marL="0" indent="0" algn="just">
               <a:buNone/>
             </a:pPr>
-            <a:endParaRPr lang="en-US">
+            <a:endParaRPr lang="pt-BR" sz="2500" b="1">
               <a:latin typeface="Montserrat"/>
+              <a:cs typeface="Arial"/>
             </a:endParaRPr>
           </a:p>
           <a:p>
             <a:pPr algn="just"/>
             <a:r>
-              <a:rPr lang="en-US">
-                <a:latin typeface="Montserrat"/>
-              </a:rPr>
-              <a:t>Para </a:t>
-            </a:r>
-            <a:r>
-              <a:rPr lang="en-US" err="1">
-                <a:latin typeface="Montserrat"/>
+              <a:rPr lang="en-US" sz="2500">
+                <a:latin typeface="Montserrat"/>
+                <a:cs typeface="Arial"/>
+              </a:rPr>
+              <a:t>Na </a:t>
+            </a:r>
+            <a:r>
+              <a:rPr lang="en-US" sz="2500" err="1">
+                <a:latin typeface="Montserrat"/>
+                <a:cs typeface="Arial"/>
+              </a:rPr>
+              <a:t>maioria</a:t>
+            </a:r>
+            <a:r>
+              <a:rPr lang="en-US" sz="2500">
+                <a:latin typeface="Montserrat"/>
+                <a:cs typeface="Arial"/>
+              </a:rPr>
+              <a:t> dos </a:t>
+            </a:r>
+            <a:r>
+              <a:rPr lang="en-US" sz="2500" err="1">
+                <a:latin typeface="Montserrat"/>
+                <a:cs typeface="Arial"/>
+              </a:rPr>
+              <a:t>casos</a:t>
+            </a:r>
+            <a:r>
+              <a:rPr lang="en-US" sz="2500">
+                <a:latin typeface="Montserrat"/>
+                <a:cs typeface="Arial"/>
+              </a:rPr>
+              <a:t> por "</a:t>
+            </a:r>
+            <a:r>
+              <a:rPr lang="en-US" sz="2500" err="1">
+                <a:latin typeface="Montserrat"/>
+                <a:cs typeface="Arial"/>
+              </a:rPr>
+              <a:t>cada</a:t>
+            </a:r>
+            <a:r>
+              <a:rPr lang="en-US" sz="2500">
+                <a:latin typeface="Montserrat"/>
+                <a:cs typeface="Arial"/>
+              </a:rPr>
+              <a:t> </a:t>
+            </a:r>
+            <a:r>
+              <a:rPr lang="en-US" sz="2500" err="1">
+                <a:latin typeface="Montserrat"/>
+                <a:cs typeface="Arial"/>
+              </a:rPr>
+              <a:t>chave</a:t>
+            </a:r>
+            <a:r>
+              <a:rPr lang="en-US" sz="2500">
+                <a:latin typeface="Montserrat"/>
+                <a:cs typeface="Arial"/>
+              </a:rPr>
+              <a:t> </a:t>
+            </a:r>
+            <a:r>
+              <a:rPr lang="en-US" sz="2500" err="1">
+                <a:latin typeface="Montserrat"/>
+                <a:cs typeface="Arial"/>
+              </a:rPr>
+              <a:t>candidata</a:t>
+            </a:r>
+            <a:r>
+              <a:rPr lang="en-US" sz="2500">
+                <a:latin typeface="Montserrat"/>
+                <a:cs typeface="Arial"/>
+              </a:rPr>
+              <a:t>", </a:t>
+            </a:r>
+            <a:r>
+              <a:rPr lang="en-US" sz="2500" err="1">
+                <a:latin typeface="Montserrat"/>
+                <a:cs typeface="Arial"/>
+              </a:rPr>
+              <a:t>entenda</a:t>
+            </a:r>
+            <a:r>
+              <a:rPr lang="en-US" sz="2500">
+                <a:latin typeface="Montserrat"/>
+                <a:cs typeface="Arial"/>
+              </a:rPr>
+              <a:t>-se por "com a </a:t>
+            </a:r>
+            <a:r>
+              <a:rPr lang="en-US" sz="2500" err="1">
+                <a:latin typeface="Montserrat"/>
+                <a:cs typeface="Arial"/>
+              </a:rPr>
+              <a:t>chave</a:t>
+            </a:r>
+            <a:r>
+              <a:rPr lang="en-US" sz="2500">
+                <a:latin typeface="Montserrat"/>
+                <a:cs typeface="Arial"/>
+              </a:rPr>
+              <a:t> </a:t>
+            </a:r>
+            <a:r>
+              <a:rPr lang="en-US" sz="2500" err="1">
+                <a:latin typeface="Montserrat"/>
+                <a:cs typeface="Arial"/>
+              </a:rPr>
+              <a:t>primária</a:t>
+            </a:r>
+            <a:r>
+              <a:rPr lang="en-US" sz="2500">
+                <a:latin typeface="Montserrat"/>
+                <a:cs typeface="Arial"/>
+              </a:rPr>
+              <a:t>", </a:t>
+            </a:r>
+            <a:r>
+              <a:rPr lang="en-US" sz="2500" err="1">
+                <a:latin typeface="Montserrat"/>
+                <a:cs typeface="Arial"/>
+              </a:rPr>
+              <a:t>exceto</a:t>
+            </a:r>
+            <a:r>
+              <a:rPr lang="en-US" sz="2500">
+                <a:latin typeface="Montserrat"/>
+                <a:cs typeface="Arial"/>
+              </a:rPr>
+              <a:t> se </a:t>
+            </a:r>
+            <a:r>
+              <a:rPr lang="en-US" sz="2500" err="1">
+                <a:latin typeface="Montserrat"/>
+                <a:cs typeface="Arial"/>
+              </a:rPr>
+              <a:t>houver</a:t>
+            </a:r>
+            <a:r>
+              <a:rPr lang="en-US" sz="2500">
+                <a:latin typeface="Montserrat"/>
+                <a:cs typeface="Arial"/>
+              </a:rPr>
+              <a:t> </a:t>
+            </a:r>
+            <a:r>
+              <a:rPr lang="en-US" sz="2500" err="1">
+                <a:latin typeface="Montserrat"/>
+                <a:cs typeface="Arial"/>
+              </a:rPr>
+              <a:t>mais</a:t>
+            </a:r>
+            <a:r>
+              <a:rPr lang="en-US" sz="2500">
+                <a:latin typeface="Montserrat"/>
+                <a:cs typeface="Arial"/>
+              </a:rPr>
+              <a:t> do que </a:t>
+            </a:r>
+            <a:r>
+              <a:rPr lang="en-US" sz="2500" err="1">
+                <a:latin typeface="Montserrat"/>
+                <a:cs typeface="Arial"/>
               </a:rPr>
               <a:t>uma</a:t>
             </a:r>
             <a:r>
-              <a:rPr lang="en-US">
-                <a:latin typeface="Montserrat"/>
+              <a:rPr lang="en-US" sz="2500">
+                <a:latin typeface="Montserrat"/>
+                <a:cs typeface="Arial"/>
               </a:rPr>
               <a:t> </a:t>
             </a:r>
             <a:r>
-              <a:rPr lang="en-US" err="1">
-                <a:latin typeface="Montserrat"/>
-              </a:rPr>
-              <a:t>tabela</a:t>
-            </a:r>
-            <a:r>
-              <a:rPr lang="en-US">
-                <a:latin typeface="Montserrat"/>
+              <a:rPr lang="en-US" sz="2500" err="1">
+                <a:latin typeface="Montserrat"/>
+                <a:cs typeface="Arial"/>
+              </a:rPr>
+              <a:t>chave</a:t>
+            </a:r>
+            <a:r>
+              <a:rPr lang="en-US" sz="2500">
+                <a:latin typeface="Montserrat"/>
+                <a:cs typeface="Arial"/>
               </a:rPr>
               <a:t> </a:t>
             </a:r>
             <a:r>
-              <a:rPr lang="en-US" err="1">
-                <a:latin typeface="Montserrat"/>
-              </a:rPr>
-              <a:t>estar</a:t>
-            </a:r>
-            <a:r>
-              <a:rPr lang="en-US">
-                <a:latin typeface="Montserrat"/>
+              <a:rPr lang="en-US" sz="2500" err="1">
+                <a:latin typeface="Montserrat"/>
+                <a:cs typeface="Arial"/>
+              </a:rPr>
+              <a:t>candidata</a:t>
+            </a:r>
+            <a:r>
+              <a:rPr lang="en-US" sz="2500">
+                <a:latin typeface="Montserrat"/>
+                <a:cs typeface="Arial"/>
+              </a:rPr>
+              <a:t>. </a:t>
+            </a:r>
+          </a:p>
+          <a:p>
+            <a:pPr marL="0" indent="0" algn="just">
+              <a:buNone/>
+            </a:pPr>
+            <a:endParaRPr lang="en-US" sz="2500">
+              <a:latin typeface="Montserrat"/>
+              <a:cs typeface="Arial"/>
+            </a:endParaRPr>
+          </a:p>
+          <a:p>
+            <a:pPr algn="just"/>
+            <a:r>
+              <a:rPr lang="en-US" sz="2500" err="1">
+                <a:latin typeface="Montserrat"/>
+                <a:cs typeface="Arial"/>
+              </a:rPr>
+              <a:t>Depender</a:t>
+            </a:r>
+            <a:r>
+              <a:rPr lang="en-US" sz="2500">
+                <a:latin typeface="Montserrat"/>
+                <a:cs typeface="Arial"/>
+              </a:rPr>
+              <a:t> da </a:t>
+            </a:r>
+            <a:r>
+              <a:rPr lang="en-US" sz="2500" err="1">
+                <a:latin typeface="Montserrat"/>
+                <a:cs typeface="Arial"/>
+              </a:rPr>
+              <a:t>totalidade</a:t>
+            </a:r>
+            <a:r>
+              <a:rPr lang="en-US" sz="2500">
+                <a:latin typeface="Montserrat"/>
+                <a:cs typeface="Arial"/>
+              </a:rPr>
+              <a:t> de </a:t>
+            </a:r>
+            <a:r>
+              <a:rPr lang="en-US" sz="2500" err="1">
+                <a:latin typeface="Montserrat"/>
+                <a:cs typeface="Arial"/>
+              </a:rPr>
+              <a:t>cada</a:t>
+            </a:r>
+            <a:r>
+              <a:rPr lang="en-US" sz="2500">
+                <a:latin typeface="Montserrat"/>
+                <a:cs typeface="Arial"/>
               </a:rPr>
               <a:t> </a:t>
             </a:r>
             <a:r>
-              <a:rPr lang="en-US" err="1">
-                <a:latin typeface="Montserrat"/>
+              <a:rPr lang="en-US" sz="2500" err="1">
+                <a:latin typeface="Montserrat"/>
+                <a:cs typeface="Arial"/>
+              </a:rPr>
+              <a:t>chave</a:t>
+            </a:r>
+            <a:r>
+              <a:rPr lang="en-US" sz="2500">
+                <a:latin typeface="Montserrat"/>
+                <a:cs typeface="Arial"/>
+              </a:rPr>
+              <a:t> </a:t>
+            </a:r>
+            <a:r>
+              <a:rPr lang="en-US" sz="2500" err="1">
+                <a:latin typeface="Montserrat"/>
+                <a:cs typeface="Arial"/>
+              </a:rPr>
+              <a:t>candidata</a:t>
+            </a:r>
+            <a:r>
+              <a:rPr lang="en-US" sz="2500">
+                <a:latin typeface="Montserrat"/>
+                <a:cs typeface="Arial"/>
+              </a:rPr>
+              <a:t> é </a:t>
+            </a:r>
+            <a:r>
+              <a:rPr lang="en-US" sz="2500" err="1">
+                <a:latin typeface="Montserrat"/>
+                <a:cs typeface="Arial"/>
+              </a:rPr>
+              <a:t>abordada</a:t>
+            </a:r>
+            <a:r>
+              <a:rPr lang="en-US" sz="2500">
+                <a:latin typeface="Montserrat"/>
+                <a:cs typeface="Arial"/>
+              </a:rPr>
+              <a:t> </a:t>
+            </a:r>
+            <a:r>
+              <a:rPr lang="en-US" sz="2500" err="1">
+                <a:latin typeface="Montserrat"/>
+                <a:cs typeface="Arial"/>
               </a:rPr>
               <a:t>na</a:t>
             </a:r>
             <a:r>
-              <a:rPr lang="en-US">
-                <a:latin typeface="Montserrat"/>
+              <a:rPr lang="en-US" sz="2500">
+                <a:latin typeface="Montserrat"/>
+                <a:cs typeface="Arial"/>
               </a:rPr>
               <a:t> </a:t>
             </a:r>
             <a:r>
-              <a:rPr lang="en-US" err="1">
-                <a:latin typeface="Montserrat"/>
-              </a:rPr>
-              <a:t>quarta</a:t>
-            </a:r>
-            <a:r>
-              <a:rPr lang="en-US">
-                <a:latin typeface="Montserrat"/>
+              <a:rPr lang="en-US" sz="2500" err="1">
+                <a:latin typeface="Montserrat"/>
+                <a:cs typeface="Arial"/>
+              </a:rPr>
+              <a:t>segunda</a:t>
+            </a:r>
+            <a:r>
+              <a:rPr lang="en-US" sz="2500">
+                <a:latin typeface="Montserrat"/>
+                <a:cs typeface="Arial"/>
               </a:rPr>
               <a:t> forma normal, </a:t>
             </a:r>
             <a:r>
-              <a:rPr lang="en-US" err="1">
-                <a:latin typeface="Montserrat"/>
-              </a:rPr>
-              <a:t>ela</a:t>
-            </a:r>
-            <a:r>
-              <a:rPr lang="en-US">
-                <a:latin typeface="Montserrat"/>
+              <a:rPr lang="en-US" sz="2500" err="1">
+                <a:latin typeface="Montserrat"/>
+                <a:cs typeface="Arial"/>
+              </a:rPr>
+              <a:t>nesta</a:t>
+            </a:r>
+            <a:r>
+              <a:rPr lang="en-US" sz="2500">
+                <a:latin typeface="Montserrat"/>
+                <a:cs typeface="Arial"/>
+              </a:rPr>
+              <a:t> o </a:t>
+            </a:r>
+            <a:r>
+              <a:rPr lang="en-US" sz="2500" err="1">
+                <a:latin typeface="Montserrat"/>
+                <a:cs typeface="Arial"/>
+              </a:rPr>
+              <a:t>foco</a:t>
+            </a:r>
+            <a:r>
+              <a:rPr lang="en-US" sz="2500">
+                <a:latin typeface="Montserrat"/>
+                <a:cs typeface="Arial"/>
+              </a:rPr>
+              <a:t> é </a:t>
+            </a:r>
+            <a:r>
+              <a:rPr lang="en-US" sz="2500" err="1">
+                <a:latin typeface="Montserrat"/>
+                <a:cs typeface="Arial"/>
+              </a:rPr>
+              <a:t>depender</a:t>
+            </a:r>
+            <a:r>
+              <a:rPr lang="en-US" sz="2500">
+                <a:latin typeface="Montserrat"/>
+                <a:cs typeface="Arial"/>
+              </a:rPr>
+              <a:t> de nada </a:t>
+            </a:r>
+            <a:r>
+              <a:rPr lang="en-US" sz="2500" err="1">
+                <a:latin typeface="Montserrat"/>
+                <a:cs typeface="Arial"/>
+              </a:rPr>
+              <a:t>mais</a:t>
+            </a:r>
+            <a:r>
+              <a:rPr lang="en-US" sz="2500">
+                <a:latin typeface="Montserrat"/>
+                <a:cs typeface="Arial"/>
+              </a:rPr>
+              <a:t> que </a:t>
+            </a:r>
+            <a:r>
+              <a:rPr lang="en-US" sz="2500" err="1">
+                <a:latin typeface="Montserrat"/>
+                <a:cs typeface="Arial"/>
+              </a:rPr>
+              <a:t>essas</a:t>
+            </a:r>
+            <a:r>
+              <a:rPr lang="en-US" sz="2500">
+                <a:latin typeface="Montserrat"/>
+                <a:cs typeface="Arial"/>
               </a:rPr>
               <a:t> </a:t>
             </a:r>
             <a:r>
-              <a:rPr lang="en-US" err="1">
-                <a:latin typeface="Montserrat"/>
-              </a:rPr>
-              <a:t>tem</a:t>
-            </a:r>
-            <a:r>
-              <a:rPr lang="en-US">
-                <a:latin typeface="Montserrat"/>
-              </a:rPr>
-              <a:t> que </a:t>
-            </a:r>
-            <a:r>
-              <a:rPr lang="en-US" err="1">
-                <a:latin typeface="Montserrat"/>
-              </a:rPr>
-              <a:t>primeiramente</a:t>
-            </a:r>
-            <a:r>
-              <a:rPr lang="en-US">
-                <a:latin typeface="Montserrat"/>
-              </a:rPr>
-              <a:t> </a:t>
-            </a:r>
-            <a:r>
-              <a:rPr lang="en-US" err="1">
-                <a:latin typeface="Montserrat"/>
-              </a:rPr>
-              <a:t>estar</a:t>
-            </a:r>
-            <a:r>
-              <a:rPr lang="en-US">
-                <a:latin typeface="Montserrat"/>
-              </a:rPr>
-              <a:t> </a:t>
-            </a:r>
-            <a:r>
-              <a:rPr lang="en-US" err="1">
-                <a:latin typeface="Montserrat"/>
-              </a:rPr>
-              <a:t>também</a:t>
-            </a:r>
-            <a:r>
-              <a:rPr lang="en-US">
-                <a:latin typeface="Montserrat"/>
-              </a:rPr>
-              <a:t> </a:t>
-            </a:r>
-            <a:r>
-              <a:rPr lang="en-US" err="1">
-                <a:latin typeface="Montserrat"/>
-              </a:rPr>
-              <a:t>na</a:t>
-            </a:r>
-            <a:r>
-              <a:rPr lang="en-US">
-                <a:latin typeface="Montserrat"/>
-              </a:rPr>
-              <a:t> </a:t>
-            </a:r>
-            <a:r>
-              <a:rPr lang="en-US" err="1">
-                <a:latin typeface="Montserrat"/>
-              </a:rPr>
-              <a:t>terceira</a:t>
-            </a:r>
-            <a:r>
-              <a:rPr lang="en-US">
-                <a:latin typeface="Montserrat"/>
-              </a:rPr>
-              <a:t> forma normal. A forma normal de Boyce-Codd </a:t>
-            </a:r>
-            <a:r>
-              <a:rPr lang="en-US" err="1">
-                <a:latin typeface="Montserrat"/>
-              </a:rPr>
-              <a:t>não</a:t>
-            </a:r>
-            <a:r>
-              <a:rPr lang="en-US">
-                <a:latin typeface="Montserrat"/>
-              </a:rPr>
-              <a:t> é </a:t>
-            </a:r>
-            <a:r>
-              <a:rPr lang="en-US" err="1">
-                <a:latin typeface="Montserrat"/>
-              </a:rPr>
-              <a:t>necessária</a:t>
-            </a:r>
-            <a:r>
-              <a:rPr lang="en-US">
-                <a:latin typeface="Montserrat"/>
+              <a:rPr lang="en-US" sz="2500" err="1">
+                <a:latin typeface="Montserrat"/>
+                <a:cs typeface="Arial"/>
+              </a:rPr>
+              <a:t>chaves</a:t>
+            </a:r>
+            <a:r>
+              <a:rPr lang="en-US" sz="2500">
+                <a:latin typeface="Montserrat"/>
+                <a:cs typeface="Arial"/>
               </a:rPr>
               <a:t>.</a:t>
             </a:r>
+            <a:br>
+              <a:rPr lang="en-US"/>
+            </a:br>
+            <a:endParaRPr lang="en-US"/>
+          </a:p>
+          <a:p>
+            <a:pPr marL="0" indent="0">
+              <a:buNone/>
+            </a:pPr>
+            <a:endParaRPr lang="en-US"/>
           </a:p>
         </p:txBody>
       </p:sp>
@@ -7514,12 +7300,15 @@
           </a:bodyPr>
           <a:lstStyle/>
           <a:p>
+            <a:pPr algn="just"/>
             <a:r>
               <a:rPr lang="pt-BR">
                 <a:latin typeface="Montserrat"/>
               </a:rPr>
-              <a:t>Quarta forma normal (4FN)</a:t>
-            </a:r>
+              <a:t>Terceira forma normal (3FN)</a:t>
+            </a:r>
+          </a:p>
+          <a:p>
             <a:endParaRPr lang="pt-BR"/>
           </a:p>
         </p:txBody>
@@ -7527,7 +7316,7 @@
     </p:spTree>
     <p:extLst>
       <p:ext uri="{BB962C8B-B14F-4D97-AF65-F5344CB8AC3E}">
-        <p14:creationId xmlns:p14="http://schemas.microsoft.com/office/powerpoint/2010/main" val="3190194036"/>
+        <p14:creationId xmlns:p14="http://schemas.microsoft.com/office/powerpoint/2010/main" val="1000113504"/>
       </p:ext>
     </p:extLst>
   </p:cSld>
@@ -7566,13 +7355,1076 @@
         </p:nvSpPr>
         <p:spPr>
           <a:xfrm>
+            <a:off x="628650" y="1327729"/>
+            <a:ext cx="7814814" cy="4762971"/>
+          </a:xfrm>
+        </p:spPr>
+        <p:txBody>
+          <a:bodyPr vert="horz" lIns="91440" tIns="45720" rIns="91440" bIns="45720" rtlCol="0" anchor="t">
+            <a:noAutofit/>
+          </a:bodyPr>
+          <a:lstStyle/>
+          <a:p>
+            <a:pPr marL="0" indent="0">
+              <a:buNone/>
+            </a:pPr>
+            <a:endParaRPr lang="en-US" dirty="0"/>
+          </a:p>
+        </p:txBody>
+      </p:sp>
+      <p:sp>
+        <p:nvSpPr>
+          <p:cNvPr id="3" name="Espaço Reservado para Texto 2"/>
+          <p:cNvSpPr>
+            <a:spLocks noGrp="1"/>
+          </p:cNvSpPr>
+          <p:nvPr>
+            <p:ph type="body" sz="quarter" idx="13"/>
+          </p:nvPr>
+        </p:nvSpPr>
+        <p:spPr/>
+        <p:txBody>
+          <a:bodyPr vert="horz" lIns="91440" tIns="45720" rIns="91440" bIns="45720" rtlCol="0" anchor="t">
+            <a:normAutofit lnSpcReduction="10000"/>
+          </a:bodyPr>
+          <a:lstStyle/>
+          <a:p>
+            <a:pPr algn="just"/>
+            <a:r>
+              <a:rPr lang="pt-BR">
+                <a:latin typeface="Montserrat"/>
+              </a:rPr>
+              <a:t>Terceira forma normal (3FN)</a:t>
+            </a:r>
+          </a:p>
+          <a:p>
+            <a:endParaRPr lang="pt-BR"/>
+          </a:p>
+        </p:txBody>
+      </p:sp>
+    </p:spTree>
+    <p:extLst>
+      <p:ext uri="{BB962C8B-B14F-4D97-AF65-F5344CB8AC3E}">
+        <p14:creationId xmlns:p14="http://schemas.microsoft.com/office/powerpoint/2010/main" val="3302288025"/>
+      </p:ext>
+    </p:extLst>
+  </p:cSld>
+  <p:clrMapOvr>
+    <a:masterClrMapping/>
+  </p:clrMapOvr>
+</p:sld>
+</file>
+
+<file path=ppt/slides/slide17.xml><?xml version="1.0" encoding="utf-8"?>
+<p:sld xmlns:a="http://schemas.openxmlformats.org/drawingml/2006/main" xmlns:r="http://schemas.openxmlformats.org/officeDocument/2006/relationships" xmlns:p="http://schemas.openxmlformats.org/presentationml/2006/main">
+  <p:cSld>
+    <p:spTree>
+      <p:nvGrpSpPr>
+        <p:cNvPr id="1" name=""/>
+        <p:cNvGrpSpPr/>
+        <p:nvPr/>
+      </p:nvGrpSpPr>
+      <p:grpSpPr>
+        <a:xfrm>
+          <a:off x="0" y="0"/>
+          <a:ext cx="0" cy="0"/>
+          <a:chOff x="0" y="0"/>
+          <a:chExt cx="0" cy="0"/>
+        </a:xfrm>
+      </p:grpSpPr>
+      <p:sp>
+        <p:nvSpPr>
+          <p:cNvPr id="2" name="Espaço Reservado para Conteúdo 1"/>
+          <p:cNvSpPr>
+            <a:spLocks noGrp="1"/>
+          </p:cNvSpPr>
+          <p:nvPr>
+            <p:ph idx="1"/>
+          </p:nvPr>
+        </p:nvSpPr>
+        <p:spPr>
+          <a:xfrm>
+            <a:off x="628650" y="1457125"/>
+            <a:ext cx="8016097" cy="4245387"/>
+          </a:xfrm>
+        </p:spPr>
+        <p:txBody>
+          <a:bodyPr vert="horz" lIns="91440" tIns="45720" rIns="91440" bIns="45720" rtlCol="0" anchor="t">
+            <a:noAutofit/>
+          </a:bodyPr>
+          <a:lstStyle/>
+          <a:p>
+            <a:pPr algn="just"/>
+            <a:r>
+              <a:rPr lang="pt-BR" sz="2500">
+                <a:latin typeface="Montserrat"/>
+                <a:cs typeface="Arial"/>
+              </a:rPr>
+              <a:t>É mais forte que a terceira FN, porém não é requisito para atingir a quarta.</a:t>
+            </a:r>
+            <a:endParaRPr lang="pt-BR" sz="2500">
+              <a:cs typeface="Arial"/>
+            </a:endParaRPr>
+          </a:p>
+          <a:p>
+            <a:pPr algn="just"/>
+            <a:endParaRPr lang="pt-BR" sz="2500">
+              <a:latin typeface="Montserrat"/>
+              <a:cs typeface="Arial"/>
+            </a:endParaRPr>
+          </a:p>
+          <a:p>
+            <a:pPr algn="just"/>
+            <a:r>
+              <a:rPr lang="pt-BR" sz="2500">
+                <a:latin typeface="Montserrat"/>
+                <a:cs typeface="Arial"/>
+              </a:rPr>
+              <a:t>A maioria dos casos que estão na 3FN também se encontram na FNBC e algo incomum é que existem situações onde ela é impossível de se atingir.</a:t>
+            </a:r>
+            <a:endParaRPr lang="pt-BR" sz="2500">
+              <a:cs typeface="Arial"/>
+            </a:endParaRPr>
+          </a:p>
+          <a:p>
+            <a:pPr algn="just"/>
+            <a:endParaRPr lang="pt-BR" sz="2500">
+              <a:latin typeface="Montserrat"/>
+              <a:cs typeface="Arial"/>
+            </a:endParaRPr>
+          </a:p>
+          <a:p>
+            <a:pPr algn="just"/>
+            <a:r>
+              <a:rPr lang="pt-BR" sz="2500">
+                <a:latin typeface="Montserrat"/>
+                <a:cs typeface="Arial"/>
+              </a:rPr>
+              <a:t> Nesta forma não é permitido chegar-se a uma chave candidata com base em alguma outra chave candidata por meio de dependências funcionais.</a:t>
+            </a:r>
+            <a:endParaRPr lang="pt-BR"/>
+          </a:p>
+        </p:txBody>
+      </p:sp>
+      <p:sp>
+        <p:nvSpPr>
+          <p:cNvPr id="3" name="Espaço Reservado para Texto 2"/>
+          <p:cNvSpPr>
+            <a:spLocks noGrp="1"/>
+          </p:cNvSpPr>
+          <p:nvPr>
+            <p:ph type="body" sz="quarter" idx="13"/>
+          </p:nvPr>
+        </p:nvSpPr>
+        <p:spPr/>
+        <p:txBody>
+          <a:bodyPr vert="horz" lIns="91440" tIns="45720" rIns="91440" bIns="45720" rtlCol="0" anchor="t">
+            <a:normAutofit lnSpcReduction="10000"/>
+          </a:bodyPr>
+          <a:lstStyle/>
+          <a:p>
+            <a:pPr algn="just"/>
+            <a:r>
+              <a:rPr lang="pt-BR">
+                <a:latin typeface="Montserrat"/>
+              </a:rPr>
+              <a:t>Forma normal </a:t>
+            </a:r>
+            <a:r>
+              <a:rPr lang="pt-BR" err="1">
+                <a:latin typeface="Montserrat"/>
+              </a:rPr>
+              <a:t>Boyce-Codd</a:t>
+            </a:r>
+            <a:r>
+              <a:rPr lang="pt-BR">
+                <a:latin typeface="Montserrat"/>
+              </a:rPr>
+              <a:t>(FNBC)</a:t>
+            </a:r>
+          </a:p>
+          <a:p>
+            <a:endParaRPr lang="pt-BR"/>
+          </a:p>
+        </p:txBody>
+      </p:sp>
+    </p:spTree>
+    <p:extLst>
+      <p:ext uri="{BB962C8B-B14F-4D97-AF65-F5344CB8AC3E}">
+        <p14:creationId xmlns:p14="http://schemas.microsoft.com/office/powerpoint/2010/main" val="178229532"/>
+      </p:ext>
+    </p:extLst>
+  </p:cSld>
+  <p:clrMapOvr>
+    <a:masterClrMapping/>
+  </p:clrMapOvr>
+</p:sld>
+</file>
+
+<file path=ppt/slides/slide18.xml><?xml version="1.0" encoding="utf-8"?>
+<p:sld xmlns:a="http://schemas.openxmlformats.org/drawingml/2006/main" xmlns:r="http://schemas.openxmlformats.org/officeDocument/2006/relationships" xmlns:p="http://schemas.openxmlformats.org/presentationml/2006/main">
+  <p:cSld>
+    <p:spTree>
+      <p:nvGrpSpPr>
+        <p:cNvPr id="1" name=""/>
+        <p:cNvGrpSpPr/>
+        <p:nvPr/>
+      </p:nvGrpSpPr>
+      <p:grpSpPr>
+        <a:xfrm>
+          <a:off x="0" y="0"/>
+          <a:ext cx="0" cy="0"/>
+          <a:chOff x="0" y="0"/>
+          <a:chExt cx="0" cy="0"/>
+        </a:xfrm>
+      </p:grpSpPr>
+      <p:sp>
+        <p:nvSpPr>
+          <p:cNvPr id="2" name="Espaço Reservado para Conteúdo 1"/>
+          <p:cNvSpPr>
+            <a:spLocks noGrp="1"/>
+          </p:cNvSpPr>
+          <p:nvPr>
+            <p:ph idx="1"/>
+          </p:nvPr>
+        </p:nvSpPr>
+        <p:spPr>
+          <a:xfrm>
+            <a:off x="628650" y="1457125"/>
+            <a:ext cx="8016097" cy="4245387"/>
+          </a:xfrm>
+        </p:spPr>
+        <p:txBody>
+          <a:bodyPr vert="horz" lIns="91440" tIns="45720" rIns="91440" bIns="45720" rtlCol="0" anchor="t">
+            <a:noAutofit/>
+          </a:bodyPr>
+          <a:lstStyle/>
+          <a:p>
+            <a:pPr algn="just"/>
+            <a:endParaRPr lang="pt-BR" dirty="0"/>
+          </a:p>
+        </p:txBody>
+      </p:sp>
+      <p:sp>
+        <p:nvSpPr>
+          <p:cNvPr id="3" name="Espaço Reservado para Texto 2"/>
+          <p:cNvSpPr>
+            <a:spLocks noGrp="1"/>
+          </p:cNvSpPr>
+          <p:nvPr>
+            <p:ph type="body" sz="quarter" idx="13"/>
+          </p:nvPr>
+        </p:nvSpPr>
+        <p:spPr/>
+        <p:txBody>
+          <a:bodyPr vert="horz" lIns="91440" tIns="45720" rIns="91440" bIns="45720" rtlCol="0" anchor="t">
+            <a:normAutofit lnSpcReduction="10000"/>
+          </a:bodyPr>
+          <a:lstStyle/>
+          <a:p>
+            <a:pPr algn="just"/>
+            <a:r>
+              <a:rPr lang="pt-BR">
+                <a:latin typeface="Montserrat"/>
+              </a:rPr>
+              <a:t>Forma normal </a:t>
+            </a:r>
+            <a:r>
+              <a:rPr lang="pt-BR" err="1">
+                <a:latin typeface="Montserrat"/>
+              </a:rPr>
+              <a:t>Boyce-Codd</a:t>
+            </a:r>
+            <a:r>
+              <a:rPr lang="pt-BR">
+                <a:latin typeface="Montserrat"/>
+              </a:rPr>
+              <a:t>(FNBC)</a:t>
+            </a:r>
+          </a:p>
+          <a:p>
+            <a:endParaRPr lang="pt-BR"/>
+          </a:p>
+        </p:txBody>
+      </p:sp>
+    </p:spTree>
+    <p:extLst>
+      <p:ext uri="{BB962C8B-B14F-4D97-AF65-F5344CB8AC3E}">
+        <p14:creationId xmlns:p14="http://schemas.microsoft.com/office/powerpoint/2010/main" val="3305308773"/>
+      </p:ext>
+    </p:extLst>
+  </p:cSld>
+  <p:clrMapOvr>
+    <a:masterClrMapping/>
+  </p:clrMapOvr>
+</p:sld>
+</file>
+
+<file path=ppt/slides/slide19.xml><?xml version="1.0" encoding="utf-8"?>
+<p:sld xmlns:a="http://schemas.openxmlformats.org/drawingml/2006/main" xmlns:r="http://schemas.openxmlformats.org/officeDocument/2006/relationships" xmlns:p="http://schemas.openxmlformats.org/presentationml/2006/main">
+  <p:cSld>
+    <p:spTree>
+      <p:nvGrpSpPr>
+        <p:cNvPr id="1" name=""/>
+        <p:cNvGrpSpPr/>
+        <p:nvPr/>
+      </p:nvGrpSpPr>
+      <p:grpSpPr>
+        <a:xfrm>
+          <a:off x="0" y="0"/>
+          <a:ext cx="0" cy="0"/>
+          <a:chOff x="0" y="0"/>
+          <a:chExt cx="0" cy="0"/>
+        </a:xfrm>
+      </p:grpSpPr>
+      <p:sp>
+        <p:nvSpPr>
+          <p:cNvPr id="2" name="Espaço Reservado para Conteúdo 1"/>
+          <p:cNvSpPr>
+            <a:spLocks noGrp="1"/>
+          </p:cNvSpPr>
+          <p:nvPr>
+            <p:ph idx="1"/>
+          </p:nvPr>
+        </p:nvSpPr>
+        <p:spPr>
+          <a:xfrm>
+            <a:off x="628650" y="1471502"/>
+            <a:ext cx="7541645" cy="4504178"/>
+          </a:xfrm>
+        </p:spPr>
+        <p:txBody>
+          <a:bodyPr vert="horz" lIns="91440" tIns="45720" rIns="91440" bIns="45720" rtlCol="0" anchor="t">
+            <a:normAutofit fontScale="92500" lnSpcReduction="20000"/>
+          </a:bodyPr>
+          <a:lstStyle/>
+          <a:p>
+            <a:pPr algn="just"/>
+            <a:r>
+              <a:rPr lang="pt-BR">
+                <a:latin typeface="Montserrat"/>
+              </a:rPr>
+              <a:t>Consuste em anomalias existentes na relação entre diferentes colunas da chave primária, e só se aplica em tabelas com chaves primárias compostas por três colunas ou mais.</a:t>
+            </a:r>
+          </a:p>
+          <a:p>
+            <a:pPr algn="just"/>
+            <a:endParaRPr lang="pt-BR"/>
+          </a:p>
+          <a:p>
+            <a:pPr algn="just"/>
+            <a:r>
+              <a:rPr lang="en-US" err="1">
+                <a:latin typeface="Montserrat"/>
+              </a:rPr>
+              <a:t>Tabelas</a:t>
+            </a:r>
+            <a:r>
+              <a:rPr lang="en-US">
+                <a:latin typeface="Montserrat"/>
+              </a:rPr>
+              <a:t> que </a:t>
+            </a:r>
+            <a:r>
+              <a:rPr lang="en-US" err="1">
+                <a:latin typeface="Montserrat"/>
+              </a:rPr>
+              <a:t>representem</a:t>
+            </a:r>
+            <a:r>
+              <a:rPr lang="en-US">
+                <a:latin typeface="Montserrat"/>
+              </a:rPr>
+              <a:t> </a:t>
+            </a:r>
+            <a:r>
+              <a:rPr lang="en-US" err="1">
+                <a:latin typeface="Montserrat"/>
+              </a:rPr>
+              <a:t>relacionamentos</a:t>
+            </a:r>
+            <a:r>
+              <a:rPr lang="en-US">
+                <a:latin typeface="Montserrat"/>
+              </a:rPr>
+              <a:t> </a:t>
+            </a:r>
+            <a:r>
+              <a:rPr lang="en-US" err="1">
+                <a:latin typeface="Montserrat"/>
+              </a:rPr>
+              <a:t>ternários</a:t>
+            </a:r>
+            <a:r>
+              <a:rPr lang="en-US">
+                <a:latin typeface="Montserrat"/>
+              </a:rPr>
+              <a:t>, </a:t>
+            </a:r>
+            <a:r>
+              <a:rPr lang="en-US" err="1">
+                <a:latin typeface="Montserrat"/>
+              </a:rPr>
+              <a:t>quaternários</a:t>
+            </a:r>
+            <a:r>
+              <a:rPr lang="en-US">
+                <a:latin typeface="Montserrat"/>
+              </a:rPr>
+              <a:t> </a:t>
+            </a:r>
+            <a:r>
+              <a:rPr lang="en-US" err="1">
+                <a:latin typeface="Montserrat"/>
+              </a:rPr>
+              <a:t>ou</a:t>
+            </a:r>
+            <a:r>
+              <a:rPr lang="en-US">
+                <a:latin typeface="Montserrat"/>
+              </a:rPr>
+              <a:t> n-</a:t>
+            </a:r>
+            <a:r>
+              <a:rPr lang="en-US" err="1">
+                <a:latin typeface="Montserrat"/>
+              </a:rPr>
+              <a:t>ários</a:t>
+            </a:r>
+            <a:r>
+              <a:rPr lang="en-US">
+                <a:latin typeface="Montserrat"/>
+              </a:rPr>
+              <a:t> de </a:t>
+            </a:r>
+            <a:r>
+              <a:rPr lang="en-US" err="1">
+                <a:latin typeface="Montserrat"/>
+              </a:rPr>
+              <a:t>muitos</a:t>
+            </a:r>
+            <a:r>
+              <a:rPr lang="en-US">
+                <a:latin typeface="Montserrat"/>
+              </a:rPr>
+              <a:t>-para-</a:t>
+            </a:r>
+            <a:r>
+              <a:rPr lang="en-US" err="1">
+                <a:latin typeface="Montserrat"/>
+              </a:rPr>
+              <a:t>muitos</a:t>
+            </a:r>
+            <a:r>
+              <a:rPr lang="en-US">
+                <a:latin typeface="Montserrat"/>
+              </a:rPr>
+              <a:t> </a:t>
+            </a:r>
+            <a:r>
+              <a:rPr lang="en-US" err="1">
+                <a:latin typeface="Montserrat"/>
+              </a:rPr>
+              <a:t>são</a:t>
+            </a:r>
+            <a:r>
+              <a:rPr lang="en-US">
+                <a:latin typeface="Montserrat"/>
+              </a:rPr>
+              <a:t> </a:t>
+            </a:r>
+            <a:r>
+              <a:rPr lang="en-US" err="1">
+                <a:latin typeface="Montserrat"/>
+              </a:rPr>
+              <a:t>locais</a:t>
+            </a:r>
+            <a:r>
+              <a:rPr lang="en-US">
+                <a:latin typeface="Montserrat"/>
+              </a:rPr>
+              <a:t> </a:t>
+            </a:r>
+            <a:r>
+              <a:rPr lang="en-US" err="1">
+                <a:latin typeface="Montserrat"/>
+              </a:rPr>
+              <a:t>onde</a:t>
+            </a:r>
+            <a:r>
+              <a:rPr lang="en-US">
+                <a:latin typeface="Montserrat"/>
+              </a:rPr>
+              <a:t> vale </a:t>
+            </a:r>
+            <a:r>
+              <a:rPr lang="en-US" err="1">
+                <a:latin typeface="Montserrat"/>
+              </a:rPr>
+              <a:t>dar</a:t>
+            </a:r>
+            <a:r>
+              <a:rPr lang="en-US">
+                <a:latin typeface="Montserrat"/>
+              </a:rPr>
+              <a:t>-se </a:t>
+            </a:r>
+            <a:r>
+              <a:rPr lang="en-US" err="1">
+                <a:latin typeface="Montserrat"/>
+              </a:rPr>
+              <a:t>uma</a:t>
+            </a:r>
+            <a:r>
+              <a:rPr lang="en-US">
+                <a:latin typeface="Montserrat"/>
+              </a:rPr>
+              <a:t> </a:t>
+            </a:r>
+            <a:r>
+              <a:rPr lang="en-US" err="1">
+                <a:latin typeface="Montserrat"/>
+              </a:rPr>
+              <a:t>olhada</a:t>
+            </a:r>
+            <a:r>
+              <a:rPr lang="en-US">
+                <a:latin typeface="Montserrat"/>
+              </a:rPr>
+              <a:t> </a:t>
+            </a:r>
+            <a:r>
+              <a:rPr lang="en-US" err="1">
+                <a:latin typeface="Montserrat"/>
+              </a:rPr>
+              <a:t>em</a:t>
+            </a:r>
+            <a:r>
+              <a:rPr lang="en-US">
+                <a:latin typeface="Montserrat"/>
+              </a:rPr>
+              <a:t> </a:t>
+            </a:r>
+            <a:r>
+              <a:rPr lang="en-US" err="1">
+                <a:latin typeface="Montserrat"/>
+              </a:rPr>
+              <a:t>possíveis</a:t>
+            </a:r>
+            <a:r>
+              <a:rPr lang="en-US">
+                <a:latin typeface="Montserrat"/>
+              </a:rPr>
+              <a:t> </a:t>
+            </a:r>
+            <a:r>
+              <a:rPr lang="en-US" err="1">
+                <a:latin typeface="Montserrat"/>
+              </a:rPr>
+              <a:t>violações</a:t>
+            </a:r>
+            <a:r>
+              <a:rPr lang="en-US">
+                <a:latin typeface="Montserrat"/>
+              </a:rPr>
+              <a:t> da 4FN.</a:t>
+            </a:r>
+          </a:p>
+          <a:p>
+            <a:pPr marL="0" indent="0" algn="just">
+              <a:buNone/>
+            </a:pPr>
+            <a:endParaRPr lang="en-US">
+              <a:latin typeface="Montserrat"/>
+            </a:endParaRPr>
+          </a:p>
+          <a:p>
+            <a:pPr algn="just"/>
+            <a:r>
+              <a:rPr lang="en-US">
+                <a:latin typeface="Montserrat"/>
+              </a:rPr>
+              <a:t>Para </a:t>
+            </a:r>
+            <a:r>
+              <a:rPr lang="en-US" err="1">
+                <a:latin typeface="Montserrat"/>
+              </a:rPr>
+              <a:t>uma</a:t>
+            </a:r>
+            <a:r>
+              <a:rPr lang="en-US">
+                <a:latin typeface="Montserrat"/>
+              </a:rPr>
+              <a:t> </a:t>
+            </a:r>
+            <a:r>
+              <a:rPr lang="en-US" err="1">
+                <a:latin typeface="Montserrat"/>
+              </a:rPr>
+              <a:t>tabela</a:t>
+            </a:r>
+            <a:r>
+              <a:rPr lang="en-US">
+                <a:latin typeface="Montserrat"/>
+              </a:rPr>
+              <a:t> </a:t>
+            </a:r>
+            <a:r>
+              <a:rPr lang="en-US" err="1">
+                <a:latin typeface="Montserrat"/>
+              </a:rPr>
+              <a:t>estar</a:t>
+            </a:r>
+            <a:r>
+              <a:rPr lang="en-US">
+                <a:latin typeface="Montserrat"/>
+              </a:rPr>
+              <a:t> </a:t>
+            </a:r>
+            <a:r>
+              <a:rPr lang="en-US" err="1">
+                <a:latin typeface="Montserrat"/>
+              </a:rPr>
+              <a:t>na</a:t>
+            </a:r>
+            <a:r>
+              <a:rPr lang="en-US">
+                <a:latin typeface="Montserrat"/>
+              </a:rPr>
+              <a:t> </a:t>
+            </a:r>
+            <a:r>
+              <a:rPr lang="en-US" err="1">
+                <a:latin typeface="Montserrat"/>
+              </a:rPr>
+              <a:t>quarta</a:t>
+            </a:r>
+            <a:r>
+              <a:rPr lang="en-US">
+                <a:latin typeface="Montserrat"/>
+              </a:rPr>
+              <a:t> forma normal, </a:t>
+            </a:r>
+            <a:r>
+              <a:rPr lang="en-US" err="1">
+                <a:latin typeface="Montserrat"/>
+              </a:rPr>
+              <a:t>ela</a:t>
+            </a:r>
+            <a:r>
+              <a:rPr lang="en-US">
+                <a:latin typeface="Montserrat"/>
+              </a:rPr>
+              <a:t> </a:t>
+            </a:r>
+            <a:r>
+              <a:rPr lang="en-US" err="1">
+                <a:latin typeface="Montserrat"/>
+              </a:rPr>
+              <a:t>tem</a:t>
+            </a:r>
+            <a:r>
+              <a:rPr lang="en-US">
+                <a:latin typeface="Montserrat"/>
+              </a:rPr>
+              <a:t> que </a:t>
+            </a:r>
+            <a:r>
+              <a:rPr lang="en-US" err="1">
+                <a:latin typeface="Montserrat"/>
+              </a:rPr>
+              <a:t>primeiramente</a:t>
+            </a:r>
+            <a:r>
+              <a:rPr lang="en-US">
+                <a:latin typeface="Montserrat"/>
+              </a:rPr>
+              <a:t> </a:t>
+            </a:r>
+            <a:r>
+              <a:rPr lang="en-US" err="1">
+                <a:latin typeface="Montserrat"/>
+              </a:rPr>
+              <a:t>estar</a:t>
+            </a:r>
+            <a:r>
+              <a:rPr lang="en-US">
+                <a:latin typeface="Montserrat"/>
+              </a:rPr>
+              <a:t> </a:t>
+            </a:r>
+            <a:r>
+              <a:rPr lang="en-US" err="1">
+                <a:latin typeface="Montserrat"/>
+              </a:rPr>
+              <a:t>também</a:t>
+            </a:r>
+            <a:r>
+              <a:rPr lang="en-US">
+                <a:latin typeface="Montserrat"/>
+              </a:rPr>
+              <a:t> </a:t>
+            </a:r>
+            <a:r>
+              <a:rPr lang="en-US" err="1">
+                <a:latin typeface="Montserrat"/>
+              </a:rPr>
+              <a:t>na</a:t>
+            </a:r>
+            <a:r>
+              <a:rPr lang="en-US">
+                <a:latin typeface="Montserrat"/>
+              </a:rPr>
+              <a:t> </a:t>
+            </a:r>
+            <a:r>
+              <a:rPr lang="en-US" err="1">
+                <a:latin typeface="Montserrat"/>
+              </a:rPr>
+              <a:t>terceira</a:t>
+            </a:r>
+            <a:r>
+              <a:rPr lang="en-US">
+                <a:latin typeface="Montserrat"/>
+              </a:rPr>
+              <a:t> forma normal. A forma normal de Boyce-Codd </a:t>
+            </a:r>
+            <a:r>
+              <a:rPr lang="en-US" err="1">
+                <a:latin typeface="Montserrat"/>
+              </a:rPr>
+              <a:t>não</a:t>
+            </a:r>
+            <a:r>
+              <a:rPr lang="en-US">
+                <a:latin typeface="Montserrat"/>
+              </a:rPr>
+              <a:t> é </a:t>
+            </a:r>
+            <a:r>
+              <a:rPr lang="en-US" err="1">
+                <a:latin typeface="Montserrat"/>
+              </a:rPr>
+              <a:t>necessária</a:t>
+            </a:r>
+            <a:r>
+              <a:rPr lang="en-US">
+                <a:latin typeface="Montserrat"/>
+              </a:rPr>
+              <a:t>.</a:t>
+            </a:r>
+          </a:p>
+        </p:txBody>
+      </p:sp>
+      <p:sp>
+        <p:nvSpPr>
+          <p:cNvPr id="3" name="Espaço Reservado para Texto 2"/>
+          <p:cNvSpPr>
+            <a:spLocks noGrp="1"/>
+          </p:cNvSpPr>
+          <p:nvPr>
+            <p:ph type="body" sz="quarter" idx="13"/>
+          </p:nvPr>
+        </p:nvSpPr>
+        <p:spPr/>
+        <p:txBody>
+          <a:bodyPr vert="horz" lIns="91440" tIns="45720" rIns="91440" bIns="45720" rtlCol="0" anchor="t">
+            <a:normAutofit lnSpcReduction="10000"/>
+          </a:bodyPr>
+          <a:lstStyle/>
+          <a:p>
+            <a:r>
+              <a:rPr lang="pt-BR">
+                <a:latin typeface="Montserrat"/>
+              </a:rPr>
+              <a:t>Quarta forma normal (4FN)</a:t>
+            </a:r>
+            <a:endParaRPr lang="pt-BR"/>
+          </a:p>
+        </p:txBody>
+      </p:sp>
+    </p:spTree>
+    <p:extLst>
+      <p:ext uri="{BB962C8B-B14F-4D97-AF65-F5344CB8AC3E}">
+        <p14:creationId xmlns:p14="http://schemas.microsoft.com/office/powerpoint/2010/main" val="3190194036"/>
+      </p:ext>
+    </p:extLst>
+  </p:cSld>
+  <p:clrMapOvr>
+    <a:masterClrMapping/>
+  </p:clrMapOvr>
+</p:sld>
+</file>
+
+<file path=ppt/slides/slide2.xml><?xml version="1.0" encoding="utf-8"?>
+<p:sld xmlns:a="http://schemas.openxmlformats.org/drawingml/2006/main" xmlns:r="http://schemas.openxmlformats.org/officeDocument/2006/relationships" xmlns:p="http://schemas.openxmlformats.org/presentationml/2006/main">
+  <p:cSld>
+    <p:spTree>
+      <p:nvGrpSpPr>
+        <p:cNvPr id="1" name=""/>
+        <p:cNvGrpSpPr/>
+        <p:nvPr/>
+      </p:nvGrpSpPr>
+      <p:grpSpPr>
+        <a:xfrm>
+          <a:off x="0" y="0"/>
+          <a:ext cx="0" cy="0"/>
+          <a:chOff x="0" y="0"/>
+          <a:chExt cx="0" cy="0"/>
+        </a:xfrm>
+      </p:grpSpPr>
+      <p:sp>
+        <p:nvSpPr>
+          <p:cNvPr id="2" name="CaixaDeTexto 1">
+            <a:extLst>
+              <a:ext uri="{FF2B5EF4-FFF2-40B4-BE49-F238E27FC236}">
+                <a16:creationId xmlns:a16="http://schemas.microsoft.com/office/drawing/2014/main" id="{38F6E105-C676-46D6-894B-6E2E74994919}"/>
+              </a:ext>
+            </a:extLst>
+          </p:cNvPr>
+          <p:cNvSpPr txBox="1"/>
+          <p:nvPr/>
+        </p:nvSpPr>
+        <p:spPr>
+          <a:xfrm>
+            <a:off x="1331343" y="1259456"/>
+            <a:ext cx="6495690" cy="3293209"/>
+          </a:xfrm>
+          <a:prstGeom prst="rect">
+            <a:avLst/>
+          </a:prstGeom>
+          <a:noFill/>
+        </p:spPr>
+        <p:txBody>
+          <a:bodyPr rot="0" spcFirstLastPara="0" vertOverflow="overflow" horzOverflow="overflow" vert="horz" wrap="square" lIns="91440" tIns="45720" rIns="91440" bIns="45720" numCol="1" spcCol="0" rtlCol="0" fromWordArt="0" anchor="t" anchorCtr="0" forceAA="0" compatLnSpc="1">
+            <a:prstTxWarp prst="textNoShape">
+              <a:avLst/>
+            </a:prstTxWarp>
+            <a:spAutoFit/>
+          </a:bodyPr>
+          <a:lstStyle/>
+          <a:p>
+            <a:pPr algn="ctr"/>
+            <a:r>
+              <a:rPr lang="pt-BR" sz="2600" b="1">
+                <a:latin typeface="Montserrat"/>
+              </a:rPr>
+              <a:t>Participantes:</a:t>
+            </a:r>
+            <a:endParaRPr lang="pt-BR" sz="2600" b="1">
+              <a:latin typeface="Montserrat"/>
+              <a:cs typeface="Calibri" panose="020F0502020204030204"/>
+            </a:endParaRPr>
+          </a:p>
+          <a:p>
+            <a:endParaRPr lang="pt-BR" sz="2600" dirty="0">
+              <a:latin typeface="Montserrat"/>
+            </a:endParaRPr>
+          </a:p>
+          <a:p>
+            <a:r>
+              <a:rPr lang="pt-BR" sz="2600">
+                <a:latin typeface="Montserrat"/>
+              </a:rPr>
+              <a:t>- Gustavo Borges</a:t>
+            </a:r>
+            <a:endParaRPr lang="pt-BR" sz="2600" dirty="0">
+              <a:latin typeface="Montserrat"/>
+            </a:endParaRPr>
+          </a:p>
+          <a:p>
+            <a:r>
+              <a:rPr lang="pt-BR" sz="2600">
+                <a:latin typeface="Montserrat"/>
+              </a:rPr>
+              <a:t>- Levi Bueno</a:t>
+            </a:r>
+            <a:endParaRPr lang="pt-BR" sz="2600" dirty="0">
+              <a:latin typeface="Montserrat"/>
+            </a:endParaRPr>
+          </a:p>
+          <a:p>
+            <a:r>
+              <a:rPr lang="pt-BR" sz="2600">
+                <a:latin typeface="Montserrat"/>
+              </a:rPr>
+              <a:t>- Lucas Medina</a:t>
+            </a:r>
+            <a:endParaRPr lang="pt-BR" sz="2600" dirty="0">
+              <a:latin typeface="Montserrat"/>
+            </a:endParaRPr>
+          </a:p>
+          <a:p>
+            <a:r>
+              <a:rPr lang="pt-BR" sz="2600">
+                <a:latin typeface="Montserrat"/>
+              </a:rPr>
+              <a:t>- Lívia Negrini</a:t>
+            </a:r>
+            <a:endParaRPr lang="pt-BR" sz="2600" dirty="0">
+              <a:latin typeface="Montserrat"/>
+            </a:endParaRPr>
+          </a:p>
+          <a:p>
+            <a:r>
+              <a:rPr lang="pt-BR" sz="2600">
+                <a:latin typeface="Montserrat"/>
+              </a:rPr>
+              <a:t>- Marcos Vinícius</a:t>
+            </a:r>
+            <a:endParaRPr lang="pt-BR" sz="2600" dirty="0">
+              <a:latin typeface="Montserrat"/>
+            </a:endParaRPr>
+          </a:p>
+          <a:p>
+            <a:r>
+              <a:rPr lang="pt-BR" sz="2600">
+                <a:latin typeface="Montserrat"/>
+              </a:rPr>
+              <a:t>- Matheus Araújo</a:t>
+            </a:r>
+            <a:endParaRPr lang="pt-BR" sz="2600" dirty="0">
+              <a:latin typeface="Montserrat"/>
+            </a:endParaRPr>
+          </a:p>
+        </p:txBody>
+      </p:sp>
+    </p:spTree>
+    <p:extLst>
+      <p:ext uri="{BB962C8B-B14F-4D97-AF65-F5344CB8AC3E}">
+        <p14:creationId xmlns:p14="http://schemas.microsoft.com/office/powerpoint/2010/main" val="3250834248"/>
+      </p:ext>
+    </p:extLst>
+  </p:cSld>
+  <p:clrMapOvr>
+    <a:masterClrMapping/>
+  </p:clrMapOvr>
+</p:sld>
+</file>
+
+<file path=ppt/slides/slide20.xml><?xml version="1.0" encoding="utf-8"?>
+<p:sld xmlns:a="http://schemas.openxmlformats.org/drawingml/2006/main" xmlns:r="http://schemas.openxmlformats.org/officeDocument/2006/relationships" xmlns:p="http://schemas.openxmlformats.org/presentationml/2006/main">
+  <p:cSld>
+    <p:spTree>
+      <p:nvGrpSpPr>
+        <p:cNvPr id="1" name=""/>
+        <p:cNvGrpSpPr/>
+        <p:nvPr/>
+      </p:nvGrpSpPr>
+      <p:grpSpPr>
+        <a:xfrm>
+          <a:off x="0" y="0"/>
+          <a:ext cx="0" cy="0"/>
+          <a:chOff x="0" y="0"/>
+          <a:chExt cx="0" cy="0"/>
+        </a:xfrm>
+      </p:grpSpPr>
+      <p:sp>
+        <p:nvSpPr>
+          <p:cNvPr id="2" name="Espaço Reservado para Conteúdo 1"/>
+          <p:cNvSpPr>
+            <a:spLocks noGrp="1"/>
+          </p:cNvSpPr>
+          <p:nvPr>
+            <p:ph idx="1"/>
+          </p:nvPr>
+        </p:nvSpPr>
+        <p:spPr>
+          <a:xfrm>
+            <a:off x="628650" y="1471502"/>
+            <a:ext cx="7541645" cy="4504178"/>
+          </a:xfrm>
+        </p:spPr>
+        <p:txBody>
+          <a:bodyPr vert="horz" lIns="91440" tIns="45720" rIns="91440" bIns="45720" rtlCol="0" anchor="t">
+            <a:normAutofit/>
+          </a:bodyPr>
+          <a:lstStyle/>
+          <a:p>
+            <a:pPr algn="just"/>
+            <a:endParaRPr lang="en-US" dirty="0">
+              <a:latin typeface="Montserrat"/>
+            </a:endParaRPr>
+          </a:p>
+        </p:txBody>
+      </p:sp>
+      <p:sp>
+        <p:nvSpPr>
+          <p:cNvPr id="3" name="Espaço Reservado para Texto 2"/>
+          <p:cNvSpPr>
+            <a:spLocks noGrp="1"/>
+          </p:cNvSpPr>
+          <p:nvPr>
+            <p:ph type="body" sz="quarter" idx="13"/>
+          </p:nvPr>
+        </p:nvSpPr>
+        <p:spPr/>
+        <p:txBody>
+          <a:bodyPr vert="horz" lIns="91440" tIns="45720" rIns="91440" bIns="45720" rtlCol="0" anchor="t">
+            <a:normAutofit lnSpcReduction="10000"/>
+          </a:bodyPr>
+          <a:lstStyle/>
+          <a:p>
+            <a:r>
+              <a:rPr lang="pt-BR">
+                <a:latin typeface="Montserrat"/>
+              </a:rPr>
+              <a:t>Quarta forma normal (4FN)</a:t>
+            </a:r>
+            <a:endParaRPr lang="pt-BR"/>
+          </a:p>
+        </p:txBody>
+      </p:sp>
+    </p:spTree>
+    <p:extLst>
+      <p:ext uri="{BB962C8B-B14F-4D97-AF65-F5344CB8AC3E}">
+        <p14:creationId xmlns:p14="http://schemas.microsoft.com/office/powerpoint/2010/main" val="862824595"/>
+      </p:ext>
+    </p:extLst>
+  </p:cSld>
+  <p:clrMapOvr>
+    <a:masterClrMapping/>
+  </p:clrMapOvr>
+</p:sld>
+</file>
+
+<file path=ppt/slides/slide21.xml><?xml version="1.0" encoding="utf-8"?>
+<p:sld xmlns:a="http://schemas.openxmlformats.org/drawingml/2006/main" xmlns:r="http://schemas.openxmlformats.org/officeDocument/2006/relationships" xmlns:p="http://schemas.openxmlformats.org/presentationml/2006/main">
+  <p:cSld>
+    <p:spTree>
+      <p:nvGrpSpPr>
+        <p:cNvPr id="1" name=""/>
+        <p:cNvGrpSpPr/>
+        <p:nvPr/>
+      </p:nvGrpSpPr>
+      <p:grpSpPr>
+        <a:xfrm>
+          <a:off x="0" y="0"/>
+          <a:ext cx="0" cy="0"/>
+          <a:chOff x="0" y="0"/>
+          <a:chExt cx="0" cy="0"/>
+        </a:xfrm>
+      </p:grpSpPr>
+      <p:sp>
+        <p:nvSpPr>
+          <p:cNvPr id="2" name="Espaço Reservado para Conteúdo 1"/>
+          <p:cNvSpPr>
+            <a:spLocks noGrp="1"/>
+          </p:cNvSpPr>
+          <p:nvPr>
+            <p:ph idx="1"/>
+          </p:nvPr>
+        </p:nvSpPr>
+        <p:spPr>
+          <a:xfrm>
             <a:off x="628650" y="1557767"/>
             <a:ext cx="7455380" cy="3742179"/>
           </a:xfrm>
         </p:spPr>
         <p:txBody>
           <a:bodyPr vert="horz" lIns="91440" tIns="45720" rIns="91440" bIns="45720" rtlCol="0" anchor="t">
-            <a:normAutofit lnSpcReduction="10000"/>
+            <a:normAutofit/>
           </a:bodyPr>
           <a:lstStyle/>
           <a:p>
@@ -7645,7 +8497,94 @@
 </p:sld>
 </file>
 
-<file path=ppt/slides/slide17.xml><?xml version="1.0" encoding="utf-8"?>
+<file path=ppt/slides/slide22.xml><?xml version="1.0" encoding="utf-8"?>
+<p:sld xmlns:a="http://schemas.openxmlformats.org/drawingml/2006/main" xmlns:r="http://schemas.openxmlformats.org/officeDocument/2006/relationships" xmlns:p="http://schemas.openxmlformats.org/presentationml/2006/main">
+  <p:cSld>
+    <p:spTree>
+      <p:nvGrpSpPr>
+        <p:cNvPr id="1" name=""/>
+        <p:cNvGrpSpPr/>
+        <p:nvPr/>
+      </p:nvGrpSpPr>
+      <p:grpSpPr>
+        <a:xfrm>
+          <a:off x="0" y="0"/>
+          <a:ext cx="0" cy="0"/>
+          <a:chOff x="0" y="0"/>
+          <a:chExt cx="0" cy="0"/>
+        </a:xfrm>
+      </p:grpSpPr>
+      <p:sp>
+        <p:nvSpPr>
+          <p:cNvPr id="2" name="Espaço Reservado para Conteúdo 1"/>
+          <p:cNvSpPr>
+            <a:spLocks noGrp="1"/>
+          </p:cNvSpPr>
+          <p:nvPr>
+            <p:ph idx="1"/>
+          </p:nvPr>
+        </p:nvSpPr>
+        <p:spPr>
+          <a:xfrm>
+            <a:off x="628650" y="1557767"/>
+            <a:ext cx="7455380" cy="3742179"/>
+          </a:xfrm>
+        </p:spPr>
+        <p:txBody>
+          <a:bodyPr vert="horz" lIns="91440" tIns="45720" rIns="91440" bIns="45720" rtlCol="0" anchor="t">
+            <a:normAutofit/>
+          </a:bodyPr>
+          <a:lstStyle/>
+          <a:p>
+            <a:pPr algn="just"/>
+            <a:endParaRPr lang="pt-BR" sz="2600" dirty="0">
+              <a:latin typeface="Montserrat"/>
+              <a:cs typeface="Arial"/>
+            </a:endParaRPr>
+          </a:p>
+        </p:txBody>
+      </p:sp>
+      <p:sp>
+        <p:nvSpPr>
+          <p:cNvPr id="3" name="Espaço Reservado para Texto 2"/>
+          <p:cNvSpPr>
+            <a:spLocks noGrp="1"/>
+          </p:cNvSpPr>
+          <p:nvPr>
+            <p:ph type="body" sz="quarter" idx="13"/>
+          </p:nvPr>
+        </p:nvSpPr>
+        <p:spPr/>
+        <p:txBody>
+          <a:bodyPr vert="horz" lIns="91440" tIns="45720" rIns="91440" bIns="45720" rtlCol="0" anchor="t">
+            <a:normAutofit lnSpcReduction="10000"/>
+          </a:bodyPr>
+          <a:lstStyle/>
+          <a:p>
+            <a:r>
+              <a:rPr lang="pt-BR">
+                <a:latin typeface="Montserrat"/>
+              </a:rPr>
+              <a:t>Quinta forma normal (5FN)</a:t>
+            </a:r>
+            <a:endParaRPr lang="pt-BR"/>
+          </a:p>
+        </p:txBody>
+      </p:sp>
+    </p:spTree>
+    <p:extLst>
+      <p:ext uri="{BB962C8B-B14F-4D97-AF65-F5344CB8AC3E}">
+        <p14:creationId xmlns:p14="http://schemas.microsoft.com/office/powerpoint/2010/main" val="2958846764"/>
+      </p:ext>
+    </p:extLst>
+  </p:cSld>
+  <p:clrMapOvr>
+    <a:masterClrMapping/>
+  </p:clrMapOvr>
+</p:sld>
+</file>
+
+<file path=ppt/slides/slide23.xml><?xml version="1.0" encoding="utf-8"?>
 <p:sld xmlns:a="http://schemas.openxmlformats.org/drawingml/2006/main" xmlns:r="http://schemas.openxmlformats.org/officeDocument/2006/relationships" xmlns:p="http://schemas.openxmlformats.org/presentationml/2006/main">
   <p:cSld>
     <p:bg>
@@ -7689,152 +8628,6 @@
 </p:sld>
 </file>
 
-<file path=ppt/slides/slide2.xml><?xml version="1.0" encoding="utf-8"?>
-<p:sld xmlns:a="http://schemas.openxmlformats.org/drawingml/2006/main" xmlns:r="http://schemas.openxmlformats.org/officeDocument/2006/relationships" xmlns:p="http://schemas.openxmlformats.org/presentationml/2006/main">
-  <p:cSld>
-    <p:spTree>
-      <p:nvGrpSpPr>
-        <p:cNvPr id="1" name=""/>
-        <p:cNvGrpSpPr/>
-        <p:nvPr/>
-      </p:nvGrpSpPr>
-      <p:grpSpPr>
-        <a:xfrm>
-          <a:off x="0" y="0"/>
-          <a:ext cx="0" cy="0"/>
-          <a:chOff x="0" y="0"/>
-          <a:chExt cx="0" cy="0"/>
-        </a:xfrm>
-      </p:grpSpPr>
-      <p:sp>
-        <p:nvSpPr>
-          <p:cNvPr id="2" name="CaixaDeTexto 1">
-            <a:extLst>
-              <a:ext uri="{FF2B5EF4-FFF2-40B4-BE49-F238E27FC236}">
-                <a16:creationId xmlns:a16="http://schemas.microsoft.com/office/drawing/2014/main" id="{38F6E105-C676-46D6-894B-6E2E74994919}"/>
-              </a:ext>
-            </a:extLst>
-          </p:cNvPr>
-          <p:cNvSpPr txBox="1"/>
-          <p:nvPr/>
-        </p:nvSpPr>
-        <p:spPr>
-          <a:xfrm>
-            <a:off x="1331343" y="1259456"/>
-            <a:ext cx="6495690" cy="3293209"/>
-          </a:xfrm>
-          <a:prstGeom prst="rect">
-            <a:avLst/>
-          </a:prstGeom>
-          <a:noFill/>
-        </p:spPr>
-        <p:txBody>
-          <a:bodyPr rot="0" spcFirstLastPara="0" vertOverflow="overflow" horzOverflow="overflow" vert="horz" wrap="square" lIns="91440" tIns="45720" rIns="91440" bIns="45720" numCol="1" spcCol="0" rtlCol="0" fromWordArt="0" anchor="t" anchorCtr="0" forceAA="0" compatLnSpc="1">
-            <a:prstTxWarp prst="textNoShape">
-              <a:avLst/>
-            </a:prstTxWarp>
-            <a:spAutoFit/>
-          </a:bodyPr>
-          <a:lstStyle/>
-          <a:p>
-            <a:pPr algn="ctr"/>
-            <a:r>
-              <a:rPr lang="pt-BR" sz="2600" b="1">
-                <a:latin typeface="Montserrat"/>
-              </a:rPr>
-              <a:t>Participantes:</a:t>
-            </a:r>
-            <a:endParaRPr lang="pt-BR" sz="2600" b="1">
-              <a:latin typeface="Montserrat"/>
-              <a:cs typeface="Calibri" panose="020F0502020204030204"/>
-            </a:endParaRPr>
-          </a:p>
-          <a:p>
-            <a:endParaRPr lang="pt-BR" sz="2600" dirty="0">
-              <a:latin typeface="Montserrat"/>
-            </a:endParaRPr>
-          </a:p>
-          <a:p>
-            <a:r>
-              <a:rPr lang="pt-BR" sz="2600">
-                <a:latin typeface="Montserrat"/>
-              </a:rPr>
-              <a:t>- Gustavo Borges</a:t>
-            </a:r>
-            <a:endParaRPr lang="pt-BR" sz="2600" dirty="0">
-              <a:latin typeface="Montserrat"/>
-            </a:endParaRPr>
-          </a:p>
-          <a:p>
-            <a:r>
-              <a:rPr lang="pt-BR" sz="2600">
-                <a:latin typeface="Montserrat"/>
-              </a:rPr>
-              <a:t>- Levi Bueno</a:t>
-            </a:r>
-            <a:endParaRPr lang="pt-BR" sz="2600" dirty="0">
-              <a:latin typeface="Montserrat"/>
-            </a:endParaRPr>
-          </a:p>
-          <a:p>
-            <a:r>
-              <a:rPr lang="pt-BR" sz="2600">
-                <a:latin typeface="Montserrat"/>
-              </a:rPr>
-              <a:t>- Lucas Medina</a:t>
-            </a:r>
-            <a:endParaRPr lang="pt-BR" sz="2600" dirty="0">
-              <a:latin typeface="Montserrat"/>
-            </a:endParaRPr>
-          </a:p>
-          <a:p>
-            <a:r>
-              <a:rPr lang="pt-BR" sz="2600">
-                <a:latin typeface="Montserrat"/>
-              </a:rPr>
-              <a:t>- Lívia Negrini</a:t>
-            </a:r>
-            <a:endParaRPr lang="pt-BR" sz="2600" dirty="0">
-              <a:latin typeface="Montserrat"/>
-            </a:endParaRPr>
-          </a:p>
-          <a:p>
-            <a:r>
-              <a:rPr lang="pt-BR" sz="2600">
-                <a:latin typeface="Montserrat"/>
-              </a:rPr>
-              <a:t>- Marcos Vinícius</a:t>
-            </a:r>
-            <a:endParaRPr lang="pt-BR" sz="2600" dirty="0">
-              <a:latin typeface="Montserrat"/>
-            </a:endParaRPr>
-          </a:p>
-          <a:p>
-            <a:r>
-              <a:rPr lang="pt-BR" sz="2600">
-                <a:latin typeface="Montserrat"/>
-              </a:rPr>
-              <a:t>- Matheus Araújo</a:t>
-            </a:r>
-            <a:endParaRPr lang="pt-BR" sz="2600" dirty="0">
-              <a:latin typeface="Montserrat"/>
-            </a:endParaRPr>
-          </a:p>
-        </p:txBody>
-      </p:sp>
-    </p:spTree>
-    <p:extLst>
-      <p:ext uri="{BB962C8B-B14F-4D97-AF65-F5344CB8AC3E}">
-        <p14:creationId xmlns:p14="http://schemas.microsoft.com/office/powerpoint/2010/main" val="3250834248"/>
-      </p:ext>
-    </p:extLst>
-  </p:cSld>
-  <p:clrMapOvr>
-    <a:masterClrMapping/>
-  </p:clrMapOvr>
-</p:sld>
-</file>
-
 <file path=ppt/slides/slide3.xml><?xml version="1.0" encoding="utf-8"?>
 <p:sld xmlns:a="http://schemas.openxmlformats.org/drawingml/2006/main" xmlns:r="http://schemas.openxmlformats.org/officeDocument/2006/relationships" xmlns:p="http://schemas.openxmlformats.org/presentationml/2006/main">
   <p:cSld>
@@ -7870,7 +8663,7 @@
         </p:spPr>
         <p:txBody>
           <a:bodyPr vert="horz" lIns="91440" tIns="45720" rIns="91440" bIns="45720" rtlCol="0" anchor="t">
-            <a:normAutofit fontScale="77500" lnSpcReduction="20000"/>
+            <a:normAutofit fontScale="92500" lnSpcReduction="10000"/>
           </a:bodyPr>
           <a:lstStyle/>
           <a:p>
@@ -8541,7 +9334,7 @@
         <p:spPr/>
         <p:txBody>
           <a:bodyPr vert="horz" lIns="91440" tIns="45720" rIns="91440" bIns="45720" rtlCol="0" anchor="t">
-            <a:normAutofit fontScale="85000" lnSpcReduction="20000"/>
+            <a:normAutofit fontScale="92500" lnSpcReduction="20000"/>
           </a:bodyPr>
           <a:lstStyle/>
           <a:p>
@@ -8696,7 +9489,7 @@
         </p:spPr>
         <p:txBody>
           <a:bodyPr vert="horz" lIns="91440" tIns="45720" rIns="91440" bIns="45720" rtlCol="0" anchor="t">
-            <a:normAutofit fontScale="92500" lnSpcReduction="10000"/>
+            <a:normAutofit lnSpcReduction="10000"/>
           </a:bodyPr>
           <a:lstStyle/>
           <a:p>
@@ -9464,6 +10257,15 @@
 </file>
 
 <file path=customXml/item1.xml><?xml version="1.0" encoding="utf-8"?>
+<?mso-contentType ?>
+<FormTemplates xmlns="http://schemas.microsoft.com/sharepoint/v3/contenttype/forms">
+  <Display>DocumentLibraryForm</Display>
+  <Edit>DocumentLibraryForm</Edit>
+  <New>DocumentLibraryForm</New>
+</FormTemplates>
+</file>
+
+<file path=customXml/item2.xml><?xml version="1.0" encoding="utf-8"?>
 <ct:contentTypeSchema xmlns:ct="http://schemas.microsoft.com/office/2006/metadata/contentType" xmlns:ma="http://schemas.microsoft.com/office/2006/metadata/properties/metaAttributes" ct:_="" ma:_="" ma:contentTypeName="Documento" ma:contentTypeID="0x0101001C0BDCB75C490F449996D271113E7085" ma:contentTypeVersion="12" ma:contentTypeDescription="Crie um novo documento." ma:contentTypeScope="" ma:versionID="f78031fe7deaa61be8293be56c3571d3">
   <xsd:schema xmlns:xsd="http://www.w3.org/2001/XMLSchema" xmlns:xs="http://www.w3.org/2001/XMLSchema" xmlns:p="http://schemas.microsoft.com/office/2006/metadata/properties" xmlns:ns2="56135199-fddc-46f9-8522-4d2f2df906d6" xmlns:ns3="616ddcb6-37a4-4b68-9e62-eadd2126515b" targetNamespace="http://schemas.microsoft.com/office/2006/metadata/properties" ma:root="true" ma:fieldsID="84b82f449ed318020166b0b852c53661" ns2:_="" ns3:_="">
     <xsd:import namespace="56135199-fddc-46f9-8522-4d2f2df906d6"/>
@@ -9680,15 +10482,6 @@
 </ct:contentTypeSchema>
 </file>
 
-<file path=customXml/item2.xml><?xml version="1.0" encoding="utf-8"?>
-<?mso-contentType ?>
-<FormTemplates xmlns="http://schemas.microsoft.com/sharepoint/v3/contenttype/forms">
-  <Display>DocumentLibraryForm</Display>
-  <Edit>DocumentLibraryForm</Edit>
-  <New>DocumentLibraryForm</New>
-</FormTemplates>
-</file>
-
 <file path=customXml/item3.xml><?xml version="1.0" encoding="utf-8"?>
 <p:properties xmlns:p="http://schemas.microsoft.com/office/2006/metadata/properties" xmlns:xsi="http://www.w3.org/2001/XMLSchema-instance" xmlns:pc="http://schemas.microsoft.com/office/infopath/2007/PartnerControls">
   <documentManagement/>
@@ -9696,6 +10489,14 @@
 </file>
 
 <file path=customXml/itemProps1.xml><?xml version="1.0" encoding="utf-8"?>
+<ds:datastoreItem xmlns:ds="http://schemas.openxmlformats.org/officeDocument/2006/customXml" ds:itemID="{8AEFDE86-9ABD-4B53-9EB0-611E0710241D}">
+  <ds:schemaRefs>
+    <ds:schemaRef ds:uri="http://schemas.microsoft.com/sharepoint/v3/contenttype/forms"/>
+  </ds:schemaRefs>
+</ds:datastoreItem>
+</file>
+
+<file path=customXml/itemProps2.xml><?xml version="1.0" encoding="utf-8"?>
 <ds:datastoreItem xmlns:ds="http://schemas.openxmlformats.org/officeDocument/2006/customXml" ds:itemID="{DD46F767-487D-45A7-9383-4F9F29521278}">
   <ds:schemaRefs>
     <ds:schemaRef ds:uri="56135199-fddc-46f9-8522-4d2f2df906d6"/>
@@ -9714,14 +10515,6 @@
 </ds:datastoreItem>
 </file>
 
-<file path=customXml/itemProps2.xml><?xml version="1.0" encoding="utf-8"?>
-<ds:datastoreItem xmlns:ds="http://schemas.openxmlformats.org/officeDocument/2006/customXml" ds:itemID="{8AEFDE86-9ABD-4B53-9EB0-611E0710241D}">
-  <ds:schemaRefs>
-    <ds:schemaRef ds:uri="http://schemas.microsoft.com/sharepoint/v3/contenttype/forms"/>
-  </ds:schemaRefs>
-</ds:datastoreItem>
-</file>
-
 <file path=customXml/itemProps3.xml><?xml version="1.0" encoding="utf-8"?>
 <ds:datastoreItem xmlns:ds="http://schemas.openxmlformats.org/officeDocument/2006/customXml" ds:itemID="{7598036D-8F24-4150-8883-4040B39D685E}">
   <ds:schemaRefs>

--- a/Projeto_Normalização/Apresentação_Final/AulaInvertida_Normalizacao.pptx
+++ b/Projeto_Normalização/Apresentação_Final/AulaInvertida_Normalizacao.pptx
@@ -6752,10 +6752,10 @@
       </p:pic>
       <p:pic>
         <p:nvPicPr>
-          <p:cNvPr id="14" name="Imagem 13" descr="Tabela&#10;&#10;Descrição gerada automaticamente">
+          <p:cNvPr id="16" name="Imagem 15" descr="Tabela&#10;&#10;Descrição gerada automaticamente">
             <a:extLst>
               <a:ext uri="{FF2B5EF4-FFF2-40B4-BE49-F238E27FC236}">
-                <a16:creationId xmlns:a16="http://schemas.microsoft.com/office/drawing/2014/main" id="{3ECABB33-CF12-41B8-A4B7-F41511DA6EC9}"/>
+                <a16:creationId xmlns:a16="http://schemas.microsoft.com/office/drawing/2014/main" id="{5495DA47-728B-435D-A069-ECA24C3702AF}"/>
               </a:ext>
             </a:extLst>
           </p:cNvPr>
@@ -6772,8 +6772,8 @@
         </p:blipFill>
         <p:spPr>
           <a:xfrm>
-            <a:off x="915043" y="4263219"/>
-            <a:ext cx="7595911" cy="1453958"/>
+            <a:off x="890456" y="2846134"/>
+            <a:ext cx="7624893" cy="1259407"/>
           </a:xfrm>
           <a:prstGeom prst="rect">
             <a:avLst/>
@@ -6782,10 +6782,10 @@
       </p:pic>
       <p:pic>
         <p:nvPicPr>
-          <p:cNvPr id="16" name="Imagem 15" descr="Tabela&#10;&#10;Descrição gerada automaticamente">
+          <p:cNvPr id="4" name="Imagem 3">
             <a:extLst>
               <a:ext uri="{FF2B5EF4-FFF2-40B4-BE49-F238E27FC236}">
-                <a16:creationId xmlns:a16="http://schemas.microsoft.com/office/drawing/2014/main" id="{5495DA47-728B-435D-A069-ECA24C3702AF}"/>
+                <a16:creationId xmlns:a16="http://schemas.microsoft.com/office/drawing/2014/main" id="{D5B053E3-E8AF-4ADF-AD8E-9280434B4D4C}"/>
               </a:ext>
             </a:extLst>
           </p:cNvPr>
@@ -6802,8 +6802,8 @@
         </p:blipFill>
         <p:spPr>
           <a:xfrm>
-            <a:off x="890456" y="2846134"/>
-            <a:ext cx="7624893" cy="1259407"/>
+            <a:off x="990449" y="4252562"/>
+            <a:ext cx="7524900" cy="1745747"/>
           </a:xfrm>
           <a:prstGeom prst="rect">
             <a:avLst/>
@@ -6999,105 +6999,6 @@
                                         <p:cTn id="16" dur="1000" fill="hold"/>
                                         <p:tgtEl>
                                           <p:spTgt spid="16"/>
-                                        </p:tgtEl>
-                                        <p:attrNameLst>
-                                          <p:attrName>ppt_y</p:attrName>
-                                        </p:attrNameLst>
-                                      </p:cBhvr>
-                                      <p:tavLst>
-                                        <p:tav tm="0">
-                                          <p:val>
-                                            <p:strVal val="#ppt_y+.1"/>
-                                          </p:val>
-                                        </p:tav>
-                                        <p:tav tm="100000">
-                                          <p:val>
-                                            <p:strVal val="#ppt_y"/>
-                                          </p:val>
-                                        </p:tav>
-                                      </p:tavLst>
-                                    </p:anim>
-                                  </p:childTnLst>
-                                </p:cTn>
-                              </p:par>
-                            </p:childTnLst>
-                          </p:cTn>
-                        </p:par>
-                      </p:childTnLst>
-                    </p:cTn>
-                  </p:par>
-                  <p:par>
-                    <p:cTn id="17" fill="hold">
-                      <p:stCondLst>
-                        <p:cond delay="indefinite"/>
-                      </p:stCondLst>
-                      <p:childTnLst>
-                        <p:par>
-                          <p:cTn id="18" fill="hold">
-                            <p:stCondLst>
-                              <p:cond delay="0"/>
-                            </p:stCondLst>
-                            <p:childTnLst>
-                              <p:par>
-                                <p:cTn id="19" presetID="42" presetClass="entr" presetSubtype="0" fill="hold" nodeType="clickEffect">
-                                  <p:stCondLst>
-                                    <p:cond delay="0"/>
-                                  </p:stCondLst>
-                                  <p:childTnLst>
-                                    <p:set>
-                                      <p:cBhvr>
-                                        <p:cTn id="20" dur="1" fill="hold">
-                                          <p:stCondLst>
-                                            <p:cond delay="0"/>
-                                          </p:stCondLst>
-                                        </p:cTn>
-                                        <p:tgtEl>
-                                          <p:spTgt spid="14"/>
-                                        </p:tgtEl>
-                                        <p:attrNameLst>
-                                          <p:attrName>style.visibility</p:attrName>
-                                        </p:attrNameLst>
-                                      </p:cBhvr>
-                                      <p:to>
-                                        <p:strVal val="visible"/>
-                                      </p:to>
-                                    </p:set>
-                                    <p:animEffect transition="in" filter="fade">
-                                      <p:cBhvr>
-                                        <p:cTn id="21" dur="1000"/>
-                                        <p:tgtEl>
-                                          <p:spTgt spid="14"/>
-                                        </p:tgtEl>
-                                      </p:cBhvr>
-                                    </p:animEffect>
-                                    <p:anim calcmode="lin" valueType="num">
-                                      <p:cBhvr>
-                                        <p:cTn id="22" dur="1000" fill="hold"/>
-                                        <p:tgtEl>
-                                          <p:spTgt spid="14"/>
-                                        </p:tgtEl>
-                                        <p:attrNameLst>
-                                          <p:attrName>ppt_x</p:attrName>
-                                        </p:attrNameLst>
-                                      </p:cBhvr>
-                                      <p:tavLst>
-                                        <p:tav tm="0">
-                                          <p:val>
-                                            <p:strVal val="#ppt_x"/>
-                                          </p:val>
-                                        </p:tav>
-                                        <p:tav tm="100000">
-                                          <p:val>
-                                            <p:strVal val="#ppt_x"/>
-                                          </p:val>
-                                        </p:tav>
-                                      </p:tavLst>
-                                    </p:anim>
-                                    <p:anim calcmode="lin" valueType="num">
-                                      <p:cBhvr>
-                                        <p:cTn id="23" dur="1000" fill="hold"/>
-                                        <p:tgtEl>
-                                          <p:spTgt spid="14"/>
                                         </p:tgtEl>
                                         <p:attrNameLst>
                                           <p:attrName>ppt_y</p:attrName>
@@ -18952,6 +18853,15 @@
 </file>
 
 <file path=customXml/item1.xml><?xml version="1.0" encoding="utf-8"?>
+<?mso-contentType ?>
+<FormTemplates xmlns="http://schemas.microsoft.com/sharepoint/v3/contenttype/forms">
+  <Display>DocumentLibraryForm</Display>
+  <Edit>DocumentLibraryForm</Edit>
+  <New>DocumentLibraryForm</New>
+</FormTemplates>
+</file>
+
+<file path=customXml/item2.xml><?xml version="1.0" encoding="utf-8"?>
 <ct:contentTypeSchema xmlns:ct="http://schemas.microsoft.com/office/2006/metadata/contentType" xmlns:ma="http://schemas.microsoft.com/office/2006/metadata/properties/metaAttributes" ct:_="" ma:_="" ma:contentTypeName="Documento" ma:contentTypeID="0x0101001C0BDCB75C490F449996D271113E7085" ma:contentTypeVersion="12" ma:contentTypeDescription="Crie um novo documento." ma:contentTypeScope="" ma:versionID="f78031fe7deaa61be8293be56c3571d3">
   <xsd:schema xmlns:xsd="http://www.w3.org/2001/XMLSchema" xmlns:xs="http://www.w3.org/2001/XMLSchema" xmlns:p="http://schemas.microsoft.com/office/2006/metadata/properties" xmlns:ns2="56135199-fddc-46f9-8522-4d2f2df906d6" xmlns:ns3="616ddcb6-37a4-4b68-9e62-eadd2126515b" targetNamespace="http://schemas.microsoft.com/office/2006/metadata/properties" ma:root="true" ma:fieldsID="84b82f449ed318020166b0b852c53661" ns2:_="" ns3:_="">
     <xsd:import namespace="56135199-fddc-46f9-8522-4d2f2df906d6"/>
@@ -19168,15 +19078,6 @@
 </ct:contentTypeSchema>
 </file>
 
-<file path=customXml/item2.xml><?xml version="1.0" encoding="utf-8"?>
-<?mso-contentType ?>
-<FormTemplates xmlns="http://schemas.microsoft.com/sharepoint/v3/contenttype/forms">
-  <Display>DocumentLibraryForm</Display>
-  <Edit>DocumentLibraryForm</Edit>
-  <New>DocumentLibraryForm</New>
-</FormTemplates>
-</file>
-
 <file path=customXml/item3.xml><?xml version="1.0" encoding="utf-8"?>
 <p:properties xmlns:p="http://schemas.microsoft.com/office/2006/metadata/properties" xmlns:xsi="http://www.w3.org/2001/XMLSchema-instance" xmlns:pc="http://schemas.microsoft.com/office/infopath/2007/PartnerControls">
   <documentManagement/>
@@ -19184,6 +19085,14 @@
 </file>
 
 <file path=customXml/itemProps1.xml><?xml version="1.0" encoding="utf-8"?>
+<ds:datastoreItem xmlns:ds="http://schemas.openxmlformats.org/officeDocument/2006/customXml" ds:itemID="{8AEFDE86-9ABD-4B53-9EB0-611E0710241D}">
+  <ds:schemaRefs>
+    <ds:schemaRef ds:uri="http://schemas.microsoft.com/sharepoint/v3/contenttype/forms"/>
+  </ds:schemaRefs>
+</ds:datastoreItem>
+</file>
+
+<file path=customXml/itemProps2.xml><?xml version="1.0" encoding="utf-8"?>
 <ds:datastoreItem xmlns:ds="http://schemas.openxmlformats.org/officeDocument/2006/customXml" ds:itemID="{DD46F767-487D-45A7-9383-4F9F29521278}">
   <ds:schemaRefs>
     <ds:schemaRef ds:uri="56135199-fddc-46f9-8522-4d2f2df906d6"/>
@@ -19202,14 +19111,6 @@
 </ds:datastoreItem>
 </file>
 
-<file path=customXml/itemProps2.xml><?xml version="1.0" encoding="utf-8"?>
-<ds:datastoreItem xmlns:ds="http://schemas.openxmlformats.org/officeDocument/2006/customXml" ds:itemID="{8AEFDE86-9ABD-4B53-9EB0-611E0710241D}">
-  <ds:schemaRefs>
-    <ds:schemaRef ds:uri="http://schemas.microsoft.com/sharepoint/v3/contenttype/forms"/>
-  </ds:schemaRefs>
-</ds:datastoreItem>
-</file>
-
 <file path=customXml/itemProps3.xml><?xml version="1.0" encoding="utf-8"?>
 <ds:datastoreItem xmlns:ds="http://schemas.openxmlformats.org/officeDocument/2006/customXml" ds:itemID="{7598036D-8F24-4150-8883-4040B39D685E}">
   <ds:schemaRefs>

--- a/Projeto_Normalização/Apresentação_Final/AulaInvertida_Normalizacao.pptx
+++ b/Projeto_Normalização/Apresentação_Final/AulaInvertida_Normalizacao.pptx
@@ -28,11 +28,11 @@
     <p:sldId id="269" r:id="rId19"/>
     <p:sldId id="279" r:id="rId20"/>
     <p:sldId id="275" r:id="rId21"/>
-    <p:sldId id="270" r:id="rId22"/>
-    <p:sldId id="281" r:id="rId23"/>
-    <p:sldId id="273" r:id="rId24"/>
-    <p:sldId id="282" r:id="rId25"/>
-    <p:sldId id="283" r:id="rId26"/>
+    <p:sldId id="284" r:id="rId22"/>
+    <p:sldId id="270" r:id="rId23"/>
+    <p:sldId id="281" r:id="rId24"/>
+    <p:sldId id="273" r:id="rId25"/>
+    <p:sldId id="282" r:id="rId26"/>
     <p:sldId id="259" r:id="rId27"/>
   </p:sldIdLst>
   <p:sldSz cx="9144000" cy="6858000" type="screen4x3"/>
@@ -225,7 +225,7 @@
           <a:p>
             <a:fld id="{0363B5EF-C2FE-4558-B393-3D874534693D}" type="datetimeFigureOut">
               <a:rPr lang="pt-BR" smtClean="0"/>
-              <a:t>15/08/2021</a:t>
+              <a:t>16/08/2021</a:t>
             </a:fld>
             <a:endParaRPr lang="pt-BR"/>
           </a:p>
@@ -390,7 +390,7 @@
           <a:p>
             <a:fld id="{1634D25F-7D0F-47B6-A12D-1BC516FAFA4F}" type="datetimeFigureOut">
               <a:rPr lang="pt-BR" smtClean="0"/>
-              <a:t>15/08/2021</a:t>
+              <a:t>16/08/2021</a:t>
             </a:fld>
             <a:endParaRPr lang="pt-BR"/>
           </a:p>
@@ -722,7 +722,7 @@
           <a:p>
             <a:fld id="{83F3171C-8CDE-4BF9-940B-6F975FE831E8}" type="slidenum">
               <a:rPr lang="pt-BR" smtClean="0"/>
-              <a:t>18</a:t>
+              <a:t>19</a:t>
             </a:fld>
             <a:endParaRPr lang="pt-BR"/>
           </a:p>
@@ -805,7 +805,7 @@
           <a:p>
             <a:fld id="{5193A530-045E-4FBC-827D-EE4599172689}" type="datetimeFigureOut">
               <a:rPr lang="pt-BR" smtClean="0"/>
-              <a:t>15/08/2021</a:t>
+              <a:t>16/08/2021</a:t>
             </a:fld>
             <a:endParaRPr lang="pt-BR"/>
           </a:p>
@@ -1747,7 +1747,7 @@
           <a:p>
             <a:fld id="{5193A530-045E-4FBC-827D-EE4599172689}" type="datetimeFigureOut">
               <a:rPr lang="pt-BR" smtClean="0"/>
-              <a:t>15/08/2021</a:t>
+              <a:t>16/08/2021</a:t>
             </a:fld>
             <a:endParaRPr lang="pt-BR"/>
           </a:p>
@@ -1977,7 +1977,7 @@
           <a:p>
             <a:fld id="{5193A530-045E-4FBC-827D-EE4599172689}" type="datetimeFigureOut">
               <a:rPr lang="pt-BR" smtClean="0"/>
-              <a:t>15/08/2021</a:t>
+              <a:t>16/08/2021</a:t>
             </a:fld>
             <a:endParaRPr lang="pt-BR"/>
           </a:p>
@@ -2217,7 +2217,7 @@
           <a:p>
             <a:fld id="{5193A530-045E-4FBC-827D-EE4599172689}" type="datetimeFigureOut">
               <a:rPr lang="pt-BR" smtClean="0"/>
-              <a:t>15/08/2021</a:t>
+              <a:t>16/08/2021</a:t>
             </a:fld>
             <a:endParaRPr lang="pt-BR"/>
           </a:p>
@@ -2455,7 +2455,7 @@
           <a:p>
             <a:fld id="{5193A530-045E-4FBC-827D-EE4599172689}" type="datetimeFigureOut">
               <a:rPr lang="pt-BR" smtClean="0"/>
-              <a:t>15/08/2021</a:t>
+              <a:t>16/08/2021</a:t>
             </a:fld>
             <a:endParaRPr lang="pt-BR"/>
           </a:p>
@@ -2656,7 +2656,7 @@
           <a:p>
             <a:fld id="{5193A530-045E-4FBC-827D-EE4599172689}" type="datetimeFigureOut">
               <a:rPr lang="pt-BR" smtClean="0"/>
-              <a:t>15/08/2021</a:t>
+              <a:t>16/08/2021</a:t>
             </a:fld>
             <a:endParaRPr lang="pt-BR"/>
           </a:p>
@@ -2929,7 +2929,7 @@
           <a:p>
             <a:fld id="{5193A530-045E-4FBC-827D-EE4599172689}" type="datetimeFigureOut">
               <a:rPr lang="pt-BR" smtClean="0"/>
-              <a:t>15/08/2021</a:t>
+              <a:t>16/08/2021</a:t>
             </a:fld>
             <a:endParaRPr lang="pt-BR"/>
           </a:p>
@@ -3622,7 +3622,7 @@
           <a:p>
             <a:fld id="{5193A530-045E-4FBC-827D-EE4599172689}" type="datetimeFigureOut">
               <a:rPr lang="pt-BR" smtClean="0"/>
-              <a:t>15/08/2021</a:t>
+              <a:t>16/08/2021</a:t>
             </a:fld>
             <a:endParaRPr lang="pt-BR"/>
           </a:p>
@@ -4049,7 +4049,7 @@
           <a:p>
             <a:fld id="{5193A530-045E-4FBC-827D-EE4599172689}" type="datetimeFigureOut">
               <a:rPr lang="pt-BR" smtClean="0"/>
-              <a:t>15/08/2021</a:t>
+              <a:t>16/08/2021</a:t>
             </a:fld>
             <a:endParaRPr lang="pt-BR"/>
           </a:p>
@@ -4227,7 +4227,7 @@
           <a:p>
             <a:fld id="{5193A530-045E-4FBC-827D-EE4599172689}" type="datetimeFigureOut">
               <a:rPr lang="pt-BR" smtClean="0"/>
-              <a:t>15/08/2021</a:t>
+              <a:t>16/08/2021</a:t>
             </a:fld>
             <a:endParaRPr lang="pt-BR"/>
           </a:p>
@@ -4382,7 +4382,7 @@
           <a:p>
             <a:fld id="{5193A530-045E-4FBC-827D-EE4599172689}" type="datetimeFigureOut">
               <a:rPr lang="pt-BR" smtClean="0"/>
-              <a:t>15/08/2021</a:t>
+              <a:t>16/08/2021</a:t>
             </a:fld>
             <a:endParaRPr lang="pt-BR"/>
           </a:p>
@@ -4719,7 +4719,7 @@
           <a:p>
             <a:fld id="{5193A530-045E-4FBC-827D-EE4599172689}" type="datetimeFigureOut">
               <a:rPr lang="pt-BR" smtClean="0"/>
-              <a:t>15/08/2021</a:t>
+              <a:t>16/08/2021</a:t>
             </a:fld>
             <a:endParaRPr lang="pt-BR"/>
           </a:p>
@@ -4971,7 +4971,7 @@
           <a:p>
             <a:fld id="{5193A530-045E-4FBC-827D-EE4599172689}" type="datetimeFigureOut">
               <a:rPr lang="pt-BR" smtClean="0"/>
-              <a:t>15/08/2021</a:t>
+              <a:t>16/08/2021</a:t>
             </a:fld>
             <a:endParaRPr lang="pt-BR"/>
           </a:p>
@@ -6742,8 +6742,8 @@
         </p:blipFill>
         <p:spPr>
           <a:xfrm>
-            <a:off x="916441" y="1459660"/>
-            <a:ext cx="7572922" cy="1239453"/>
+            <a:off x="990448" y="1456999"/>
+            <a:ext cx="6874620" cy="1125163"/>
           </a:xfrm>
           <a:prstGeom prst="rect">
             <a:avLst/>
@@ -6772,8 +6772,8 @@
         </p:blipFill>
         <p:spPr>
           <a:xfrm>
-            <a:off x="890456" y="2846134"/>
-            <a:ext cx="7624893" cy="1259407"/>
+            <a:off x="990448" y="2686665"/>
+            <a:ext cx="6874620" cy="1135484"/>
           </a:xfrm>
           <a:prstGeom prst="rect">
             <a:avLst/>
@@ -6802,8 +6802,8 @@
         </p:blipFill>
         <p:spPr>
           <a:xfrm>
-            <a:off x="990449" y="4252562"/>
-            <a:ext cx="7524900" cy="1745747"/>
+            <a:off x="990448" y="3860551"/>
+            <a:ext cx="6874620" cy="1594885"/>
           </a:xfrm>
           <a:prstGeom prst="rect">
             <a:avLst/>
@@ -6999,6 +6999,105 @@
                                         <p:cTn id="16" dur="1000" fill="hold"/>
                                         <p:tgtEl>
                                           <p:spTgt spid="16"/>
+                                        </p:tgtEl>
+                                        <p:attrNameLst>
+                                          <p:attrName>ppt_y</p:attrName>
+                                        </p:attrNameLst>
+                                      </p:cBhvr>
+                                      <p:tavLst>
+                                        <p:tav tm="0">
+                                          <p:val>
+                                            <p:strVal val="#ppt_y+.1"/>
+                                          </p:val>
+                                        </p:tav>
+                                        <p:tav tm="100000">
+                                          <p:val>
+                                            <p:strVal val="#ppt_y"/>
+                                          </p:val>
+                                        </p:tav>
+                                      </p:tavLst>
+                                    </p:anim>
+                                  </p:childTnLst>
+                                </p:cTn>
+                              </p:par>
+                            </p:childTnLst>
+                          </p:cTn>
+                        </p:par>
+                      </p:childTnLst>
+                    </p:cTn>
+                  </p:par>
+                  <p:par>
+                    <p:cTn id="17" fill="hold">
+                      <p:stCondLst>
+                        <p:cond delay="indefinite"/>
+                      </p:stCondLst>
+                      <p:childTnLst>
+                        <p:par>
+                          <p:cTn id="18" fill="hold">
+                            <p:stCondLst>
+                              <p:cond delay="0"/>
+                            </p:stCondLst>
+                            <p:childTnLst>
+                              <p:par>
+                                <p:cTn id="19" presetID="42" presetClass="entr" presetSubtype="0" fill="hold" nodeType="clickEffect">
+                                  <p:stCondLst>
+                                    <p:cond delay="0"/>
+                                  </p:stCondLst>
+                                  <p:childTnLst>
+                                    <p:set>
+                                      <p:cBhvr>
+                                        <p:cTn id="20" dur="1" fill="hold">
+                                          <p:stCondLst>
+                                            <p:cond delay="0"/>
+                                          </p:stCondLst>
+                                        </p:cTn>
+                                        <p:tgtEl>
+                                          <p:spTgt spid="4"/>
+                                        </p:tgtEl>
+                                        <p:attrNameLst>
+                                          <p:attrName>style.visibility</p:attrName>
+                                        </p:attrNameLst>
+                                      </p:cBhvr>
+                                      <p:to>
+                                        <p:strVal val="visible"/>
+                                      </p:to>
+                                    </p:set>
+                                    <p:animEffect transition="in" filter="fade">
+                                      <p:cBhvr>
+                                        <p:cTn id="21" dur="1000"/>
+                                        <p:tgtEl>
+                                          <p:spTgt spid="4"/>
+                                        </p:tgtEl>
+                                      </p:cBhvr>
+                                    </p:animEffect>
+                                    <p:anim calcmode="lin" valueType="num">
+                                      <p:cBhvr>
+                                        <p:cTn id="22" dur="1000" fill="hold"/>
+                                        <p:tgtEl>
+                                          <p:spTgt spid="4"/>
+                                        </p:tgtEl>
+                                        <p:attrNameLst>
+                                          <p:attrName>ppt_x</p:attrName>
+                                        </p:attrNameLst>
+                                      </p:cBhvr>
+                                      <p:tavLst>
+                                        <p:tav tm="0">
+                                          <p:val>
+                                            <p:strVal val="#ppt_x"/>
+                                          </p:val>
+                                        </p:tav>
+                                        <p:tav tm="100000">
+                                          <p:val>
+                                            <p:strVal val="#ppt_x"/>
+                                          </p:val>
+                                        </p:tav>
+                                      </p:tavLst>
+                                    </p:anim>
+                                    <p:anim calcmode="lin" valueType="num">
+                                      <p:cBhvr>
+                                        <p:cTn id="23" dur="1000" fill="hold"/>
+                                        <p:tgtEl>
+                                          <p:spTgt spid="4"/>
                                         </p:tgtEl>
                                         <p:attrNameLst>
                                           <p:attrName>ppt_y</p:attrName>
@@ -8963,7 +9062,7 @@
         </p:blipFill>
         <p:spPr>
           <a:xfrm>
-            <a:off x="1423796" y="2923582"/>
+            <a:off x="1162534" y="3023063"/>
             <a:ext cx="6296407" cy="1010835"/>
           </a:xfrm>
           <a:prstGeom prst="rect">
@@ -8993,7 +9092,7 @@
         </p:blipFill>
         <p:spPr>
           <a:xfrm>
-            <a:off x="1423795" y="1129613"/>
+            <a:off x="1162535" y="1238231"/>
             <a:ext cx="6296407" cy="1679042"/>
           </a:xfrm>
           <a:prstGeom prst="rect">
@@ -9023,7 +9122,7 @@
         </p:blipFill>
         <p:spPr>
           <a:xfrm>
-            <a:off x="1423795" y="4049345"/>
+            <a:off x="1162536" y="4139689"/>
             <a:ext cx="6296407" cy="1480080"/>
           </a:xfrm>
           <a:prstGeom prst="rect">
@@ -10116,10 +10215,10 @@
       </p:sp>
       <p:pic>
         <p:nvPicPr>
-          <p:cNvPr id="5" name="Imagem 4" descr="Tabela&#10;&#10;Descrição gerada automaticamente">
+          <p:cNvPr id="2" name="Imagem 1">
             <a:extLst>
               <a:ext uri="{FF2B5EF4-FFF2-40B4-BE49-F238E27FC236}">
-                <a16:creationId xmlns:a16="http://schemas.microsoft.com/office/drawing/2014/main" id="{F0CEC58A-7515-492F-880B-8C5CD27FB63F}"/>
+                <a16:creationId xmlns:a16="http://schemas.microsoft.com/office/drawing/2014/main" id="{12CF45D8-150B-4D2C-B434-62AF6D47FDC5}"/>
               </a:ext>
             </a:extLst>
           </p:cNvPr>
@@ -10136,8 +10235,8 @@
         </p:blipFill>
         <p:spPr>
           <a:xfrm>
-            <a:off x="1019472" y="1174790"/>
-            <a:ext cx="6453538" cy="2338948"/>
+            <a:off x="1236305" y="1538094"/>
+            <a:ext cx="5975260" cy="1257726"/>
           </a:xfrm>
           <a:prstGeom prst="rect">
             <a:avLst/>
@@ -10146,10 +10245,10 @@
       </p:pic>
       <p:pic>
         <p:nvPicPr>
-          <p:cNvPr id="7" name="Imagem 6" descr="Tabela&#10;&#10;Descrição gerada automaticamente">
+          <p:cNvPr id="4" name="Imagem 3">
             <a:extLst>
               <a:ext uri="{FF2B5EF4-FFF2-40B4-BE49-F238E27FC236}">
-                <a16:creationId xmlns:a16="http://schemas.microsoft.com/office/drawing/2014/main" id="{38CEDA01-A920-4140-A65E-403B74E479F7}"/>
+                <a16:creationId xmlns:a16="http://schemas.microsoft.com/office/drawing/2014/main" id="{760E24A8-0FC4-4E1A-BA21-6A2FD1A7FF5E}"/>
               </a:ext>
             </a:extLst>
           </p:cNvPr>
@@ -10166,8 +10265,8 @@
         </p:blipFill>
         <p:spPr>
           <a:xfrm>
-            <a:off x="1071343" y="3756711"/>
-            <a:ext cx="6401667" cy="1698903"/>
+            <a:off x="1236305" y="3026872"/>
+            <a:ext cx="5975260" cy="2562638"/>
           </a:xfrm>
           <a:prstGeom prst="rect">
             <a:avLst/>
@@ -10218,7 +10317,7 @@
                                           </p:stCondLst>
                                         </p:cTn>
                                         <p:tgtEl>
-                                          <p:spTgt spid="5"/>
+                                          <p:spTgt spid="2"/>
                                         </p:tgtEl>
                                         <p:attrNameLst>
                                           <p:attrName>style.visibility</p:attrName>
@@ -10232,7 +10331,7 @@
                                       <p:cBhvr>
                                         <p:cTn id="7" dur="1000"/>
                                         <p:tgtEl>
-                                          <p:spTgt spid="5"/>
+                                          <p:spTgt spid="2"/>
                                         </p:tgtEl>
                                       </p:cBhvr>
                                     </p:animEffect>
@@ -10240,7 +10339,7 @@
                                       <p:cBhvr>
                                         <p:cTn id="8" dur="1000" fill="hold"/>
                                         <p:tgtEl>
-                                          <p:spTgt spid="5"/>
+                                          <p:spTgt spid="2"/>
                                         </p:tgtEl>
                                         <p:attrNameLst>
                                           <p:attrName>ppt_x</p:attrName>
@@ -10263,7 +10362,7 @@
                                       <p:cBhvr>
                                         <p:cTn id="9" dur="1000" fill="hold"/>
                                         <p:tgtEl>
-                                          <p:spTgt spid="5"/>
+                                          <p:spTgt spid="2"/>
                                         </p:tgtEl>
                                         <p:attrNameLst>
                                           <p:attrName>ppt_y</p:attrName>
@@ -10317,7 +10416,7 @@
                                           </p:stCondLst>
                                         </p:cTn>
                                         <p:tgtEl>
-                                          <p:spTgt spid="7"/>
+                                          <p:spTgt spid="4"/>
                                         </p:tgtEl>
                                         <p:attrNameLst>
                                           <p:attrName>style.visibility</p:attrName>
@@ -10331,7 +10430,7 @@
                                       <p:cBhvr>
                                         <p:cTn id="14" dur="1000"/>
                                         <p:tgtEl>
-                                          <p:spTgt spid="7"/>
+                                          <p:spTgt spid="4"/>
                                         </p:tgtEl>
                                       </p:cBhvr>
                                     </p:animEffect>
@@ -10339,7 +10438,7 @@
                                       <p:cBhvr>
                                         <p:cTn id="15" dur="1000" fill="hold"/>
                                         <p:tgtEl>
-                                          <p:spTgt spid="7"/>
+                                          <p:spTgt spid="4"/>
                                         </p:tgtEl>
                                         <p:attrNameLst>
                                           <p:attrName>ppt_x</p:attrName>
@@ -10362,7 +10461,7 @@
                                       <p:cBhvr>
                                         <p:cTn id="16" dur="1000" fill="hold"/>
                                         <p:tgtEl>
-                                          <p:spTgt spid="7"/>
+                                          <p:spTgt spid="4"/>
                                         </p:tgtEl>
                                         <p:attrNameLst>
                                           <p:attrName>ppt_y</p:attrName>
@@ -11054,6 +11153,366 @@
 </file>
 
 <file path=ppt/slides/slide18.xml><?xml version="1.0" encoding="utf-8"?>
+<p:sld xmlns:a="http://schemas.openxmlformats.org/drawingml/2006/main" xmlns:r="http://schemas.openxmlformats.org/officeDocument/2006/relationships" xmlns:p="http://schemas.openxmlformats.org/presentationml/2006/main">
+  <p:cSld>
+    <p:spTree>
+      <p:nvGrpSpPr>
+        <p:cNvPr id="1" name=""/>
+        <p:cNvGrpSpPr/>
+        <p:nvPr/>
+      </p:nvGrpSpPr>
+      <p:grpSpPr>
+        <a:xfrm>
+          <a:off x="0" y="0"/>
+          <a:ext cx="0" cy="0"/>
+          <a:chOff x="0" y="0"/>
+          <a:chExt cx="0" cy="0"/>
+        </a:xfrm>
+      </p:grpSpPr>
+      <p:sp>
+        <p:nvSpPr>
+          <p:cNvPr id="3" name="Espaço Reservado para Texto 2"/>
+          <p:cNvSpPr>
+            <a:spLocks noGrp="1"/>
+          </p:cNvSpPr>
+          <p:nvPr>
+            <p:ph type="body" sz="quarter" idx="13"/>
+          </p:nvPr>
+        </p:nvSpPr>
+        <p:spPr/>
+        <p:txBody>
+          <a:bodyPr vert="horz" lIns="91440" tIns="45720" rIns="91440" bIns="45720" rtlCol="0" anchor="t">
+            <a:normAutofit lnSpcReduction="10000"/>
+          </a:bodyPr>
+          <a:lstStyle/>
+          <a:p>
+            <a:pPr algn="just"/>
+            <a:r>
+              <a:rPr lang="pt-BR" dirty="0">
+                <a:latin typeface="Montserrat"/>
+              </a:rPr>
+              <a:t>Forma normal </a:t>
+            </a:r>
+            <a:r>
+              <a:rPr lang="pt-BR" dirty="0" err="1">
+                <a:latin typeface="Montserrat"/>
+              </a:rPr>
+              <a:t>Boyce-Codd</a:t>
+            </a:r>
+            <a:r>
+              <a:rPr lang="pt-BR" dirty="0">
+                <a:latin typeface="Montserrat"/>
+              </a:rPr>
+              <a:t>(FNBC)</a:t>
+            </a:r>
+          </a:p>
+          <a:p>
+            <a:endParaRPr lang="pt-BR" dirty="0"/>
+          </a:p>
+        </p:txBody>
+      </p:sp>
+      <p:pic>
+        <p:nvPicPr>
+          <p:cNvPr id="6" name="Imagem 5">
+            <a:extLst>
+              <a:ext uri="{FF2B5EF4-FFF2-40B4-BE49-F238E27FC236}">
+                <a16:creationId xmlns:a16="http://schemas.microsoft.com/office/drawing/2014/main" id="{FB8EA56E-E26B-487C-ADCA-1EDD0B6EB5E0}"/>
+              </a:ext>
+            </a:extLst>
+          </p:cNvPr>
+          <p:cNvPicPr>
+            <a:picLocks noChangeAspect="1"/>
+          </p:cNvPicPr>
+          <p:nvPr/>
+        </p:nvPicPr>
+        <p:blipFill>
+          <a:blip r:embed="rId2"/>
+          <a:stretch>
+            <a:fillRect/>
+          </a:stretch>
+        </p:blipFill>
+        <p:spPr>
+          <a:xfrm>
+            <a:off x="1997231" y="1326021"/>
+            <a:ext cx="4422230" cy="2020578"/>
+          </a:xfrm>
+          <a:prstGeom prst="rect">
+            <a:avLst/>
+          </a:prstGeom>
+        </p:spPr>
+      </p:pic>
+      <p:pic>
+        <p:nvPicPr>
+          <p:cNvPr id="7" name="Imagem 6">
+            <a:extLst>
+              <a:ext uri="{FF2B5EF4-FFF2-40B4-BE49-F238E27FC236}">
+                <a16:creationId xmlns:a16="http://schemas.microsoft.com/office/drawing/2014/main" id="{AEA65D22-BC8D-4F35-8294-1EDB89796CEC}"/>
+              </a:ext>
+            </a:extLst>
+          </p:cNvPr>
+          <p:cNvPicPr>
+            <a:picLocks noChangeAspect="1"/>
+          </p:cNvPicPr>
+          <p:nvPr/>
+        </p:nvPicPr>
+        <p:blipFill>
+          <a:blip r:embed="rId3"/>
+          <a:stretch>
+            <a:fillRect/>
+          </a:stretch>
+        </p:blipFill>
+        <p:spPr>
+          <a:xfrm>
+            <a:off x="1997231" y="3511402"/>
+            <a:ext cx="4422230" cy="2461100"/>
+          </a:xfrm>
+          <a:prstGeom prst="rect">
+            <a:avLst/>
+          </a:prstGeom>
+        </p:spPr>
+      </p:pic>
+    </p:spTree>
+    <p:extLst>
+      <p:ext uri="{BB962C8B-B14F-4D97-AF65-F5344CB8AC3E}">
+        <p14:creationId xmlns:p14="http://schemas.microsoft.com/office/powerpoint/2010/main" val="3355163760"/>
+      </p:ext>
+    </p:extLst>
+  </p:cSld>
+  <p:clrMapOvr>
+    <a:masterClrMapping/>
+  </p:clrMapOvr>
+  <p:timing>
+    <p:tnLst>
+      <p:par>
+        <p:cTn id="1" dur="indefinite" restart="never" nodeType="tmRoot">
+          <p:childTnLst>
+            <p:seq concurrent="1" nextAc="seek">
+              <p:cTn id="2" dur="indefinite" nodeType="mainSeq">
+                <p:childTnLst>
+                  <p:par>
+                    <p:cTn id="3" fill="hold">
+                      <p:stCondLst>
+                        <p:cond delay="indefinite"/>
+                      </p:stCondLst>
+                      <p:childTnLst>
+                        <p:par>
+                          <p:cTn id="4" fill="hold">
+                            <p:stCondLst>
+                              <p:cond delay="0"/>
+                            </p:stCondLst>
+                            <p:childTnLst>
+                              <p:par>
+                                <p:cTn id="5" presetID="42" presetClass="entr" presetSubtype="0" fill="hold" nodeType="clickEffect">
+                                  <p:stCondLst>
+                                    <p:cond delay="0"/>
+                                  </p:stCondLst>
+                                  <p:childTnLst>
+                                    <p:set>
+                                      <p:cBhvr>
+                                        <p:cTn id="6" dur="1" fill="hold">
+                                          <p:stCondLst>
+                                            <p:cond delay="0"/>
+                                          </p:stCondLst>
+                                        </p:cTn>
+                                        <p:tgtEl>
+                                          <p:spTgt spid="6"/>
+                                        </p:tgtEl>
+                                        <p:attrNameLst>
+                                          <p:attrName>style.visibility</p:attrName>
+                                        </p:attrNameLst>
+                                      </p:cBhvr>
+                                      <p:to>
+                                        <p:strVal val="visible"/>
+                                      </p:to>
+                                    </p:set>
+                                    <p:animEffect transition="in" filter="fade">
+                                      <p:cBhvr>
+                                        <p:cTn id="7" dur="1000"/>
+                                        <p:tgtEl>
+                                          <p:spTgt spid="6"/>
+                                        </p:tgtEl>
+                                      </p:cBhvr>
+                                    </p:animEffect>
+                                    <p:anim calcmode="lin" valueType="num">
+                                      <p:cBhvr>
+                                        <p:cTn id="8" dur="1000" fill="hold"/>
+                                        <p:tgtEl>
+                                          <p:spTgt spid="6"/>
+                                        </p:tgtEl>
+                                        <p:attrNameLst>
+                                          <p:attrName>ppt_x</p:attrName>
+                                        </p:attrNameLst>
+                                      </p:cBhvr>
+                                      <p:tavLst>
+                                        <p:tav tm="0">
+                                          <p:val>
+                                            <p:strVal val="#ppt_x"/>
+                                          </p:val>
+                                        </p:tav>
+                                        <p:tav tm="100000">
+                                          <p:val>
+                                            <p:strVal val="#ppt_x"/>
+                                          </p:val>
+                                        </p:tav>
+                                      </p:tavLst>
+                                    </p:anim>
+                                    <p:anim calcmode="lin" valueType="num">
+                                      <p:cBhvr>
+                                        <p:cTn id="9" dur="1000" fill="hold"/>
+                                        <p:tgtEl>
+                                          <p:spTgt spid="6"/>
+                                        </p:tgtEl>
+                                        <p:attrNameLst>
+                                          <p:attrName>ppt_y</p:attrName>
+                                        </p:attrNameLst>
+                                      </p:cBhvr>
+                                      <p:tavLst>
+                                        <p:tav tm="0">
+                                          <p:val>
+                                            <p:strVal val="#ppt_y+.1"/>
+                                          </p:val>
+                                        </p:tav>
+                                        <p:tav tm="100000">
+                                          <p:val>
+                                            <p:strVal val="#ppt_y"/>
+                                          </p:val>
+                                        </p:tav>
+                                      </p:tavLst>
+                                    </p:anim>
+                                  </p:childTnLst>
+                                </p:cTn>
+                              </p:par>
+                            </p:childTnLst>
+                          </p:cTn>
+                        </p:par>
+                      </p:childTnLst>
+                    </p:cTn>
+                  </p:par>
+                  <p:par>
+                    <p:cTn id="10" fill="hold">
+                      <p:stCondLst>
+                        <p:cond delay="indefinite"/>
+                      </p:stCondLst>
+                      <p:childTnLst>
+                        <p:par>
+                          <p:cTn id="11" fill="hold">
+                            <p:stCondLst>
+                              <p:cond delay="0"/>
+                            </p:stCondLst>
+                            <p:childTnLst>
+                              <p:par>
+                                <p:cTn id="12" presetID="42" presetClass="entr" presetSubtype="0" fill="hold" nodeType="clickEffect">
+                                  <p:stCondLst>
+                                    <p:cond delay="0"/>
+                                  </p:stCondLst>
+                                  <p:childTnLst>
+                                    <p:set>
+                                      <p:cBhvr>
+                                        <p:cTn id="13" dur="1" fill="hold">
+                                          <p:stCondLst>
+                                            <p:cond delay="0"/>
+                                          </p:stCondLst>
+                                        </p:cTn>
+                                        <p:tgtEl>
+                                          <p:spTgt spid="7"/>
+                                        </p:tgtEl>
+                                        <p:attrNameLst>
+                                          <p:attrName>style.visibility</p:attrName>
+                                        </p:attrNameLst>
+                                      </p:cBhvr>
+                                      <p:to>
+                                        <p:strVal val="visible"/>
+                                      </p:to>
+                                    </p:set>
+                                    <p:animEffect transition="in" filter="fade">
+                                      <p:cBhvr>
+                                        <p:cTn id="14" dur="1000"/>
+                                        <p:tgtEl>
+                                          <p:spTgt spid="7"/>
+                                        </p:tgtEl>
+                                      </p:cBhvr>
+                                    </p:animEffect>
+                                    <p:anim calcmode="lin" valueType="num">
+                                      <p:cBhvr>
+                                        <p:cTn id="15" dur="1000" fill="hold"/>
+                                        <p:tgtEl>
+                                          <p:spTgt spid="7"/>
+                                        </p:tgtEl>
+                                        <p:attrNameLst>
+                                          <p:attrName>ppt_x</p:attrName>
+                                        </p:attrNameLst>
+                                      </p:cBhvr>
+                                      <p:tavLst>
+                                        <p:tav tm="0">
+                                          <p:val>
+                                            <p:strVal val="#ppt_x"/>
+                                          </p:val>
+                                        </p:tav>
+                                        <p:tav tm="100000">
+                                          <p:val>
+                                            <p:strVal val="#ppt_x"/>
+                                          </p:val>
+                                        </p:tav>
+                                      </p:tavLst>
+                                    </p:anim>
+                                    <p:anim calcmode="lin" valueType="num">
+                                      <p:cBhvr>
+                                        <p:cTn id="16" dur="1000" fill="hold"/>
+                                        <p:tgtEl>
+                                          <p:spTgt spid="7"/>
+                                        </p:tgtEl>
+                                        <p:attrNameLst>
+                                          <p:attrName>ppt_y</p:attrName>
+                                        </p:attrNameLst>
+                                      </p:cBhvr>
+                                      <p:tavLst>
+                                        <p:tav tm="0">
+                                          <p:val>
+                                            <p:strVal val="#ppt_y+.1"/>
+                                          </p:val>
+                                        </p:tav>
+                                        <p:tav tm="100000">
+                                          <p:val>
+                                            <p:strVal val="#ppt_y"/>
+                                          </p:val>
+                                        </p:tav>
+                                      </p:tavLst>
+                                    </p:anim>
+                                  </p:childTnLst>
+                                </p:cTn>
+                              </p:par>
+                            </p:childTnLst>
+                          </p:cTn>
+                        </p:par>
+                      </p:childTnLst>
+                    </p:cTn>
+                  </p:par>
+                </p:childTnLst>
+              </p:cTn>
+              <p:prevCondLst>
+                <p:cond evt="onPrev" delay="0">
+                  <p:tgtEl>
+                    <p:sldTgt/>
+                  </p:tgtEl>
+                </p:cond>
+              </p:prevCondLst>
+              <p:nextCondLst>
+                <p:cond evt="onNext" delay="0">
+                  <p:tgtEl>
+                    <p:sldTgt/>
+                  </p:tgtEl>
+                </p:cond>
+              </p:nextCondLst>
+            </p:seq>
+          </p:childTnLst>
+        </p:cTn>
+      </p:par>
+    </p:tnLst>
+  </p:timing>
+</p:sld>
+</file>
+
+<file path=ppt/slides/slide19.xml><?xml version="1.0" encoding="utf-8"?>
 <p:sld xmlns:a="http://schemas.openxmlformats.org/drawingml/2006/main" xmlns:r="http://schemas.openxmlformats.org/officeDocument/2006/relationships" xmlns:p="http://schemas.openxmlformats.org/presentationml/2006/main">
   <p:cSld>
     <p:spTree>
@@ -11568,7 +12027,267 @@
 </p:sld>
 </file>
 
-<file path=ppt/slides/slide19.xml><?xml version="1.0" encoding="utf-8"?>
+<file path=ppt/slides/slide2.xml><?xml version="1.0" encoding="utf-8"?>
+<p:sld xmlns:a="http://schemas.openxmlformats.org/drawingml/2006/main" xmlns:r="http://schemas.openxmlformats.org/officeDocument/2006/relationships" xmlns:p="http://schemas.openxmlformats.org/presentationml/2006/main">
+  <p:cSld>
+    <p:spTree>
+      <p:nvGrpSpPr>
+        <p:cNvPr id="1" name=""/>
+        <p:cNvGrpSpPr/>
+        <p:nvPr/>
+      </p:nvGrpSpPr>
+      <p:grpSpPr>
+        <a:xfrm>
+          <a:off x="0" y="0"/>
+          <a:ext cx="0" cy="0"/>
+          <a:chOff x="0" y="0"/>
+          <a:chExt cx="0" cy="0"/>
+        </a:xfrm>
+      </p:grpSpPr>
+      <p:sp>
+        <p:nvSpPr>
+          <p:cNvPr id="2" name="CaixaDeTexto 1">
+            <a:extLst>
+              <a:ext uri="{FF2B5EF4-FFF2-40B4-BE49-F238E27FC236}">
+                <a16:creationId xmlns:a16="http://schemas.microsoft.com/office/drawing/2014/main" id="{38F6E105-C676-46D6-894B-6E2E74994919}"/>
+              </a:ext>
+            </a:extLst>
+          </p:cNvPr>
+          <p:cNvSpPr txBox="1"/>
+          <p:nvPr/>
+        </p:nvSpPr>
+        <p:spPr>
+          <a:xfrm>
+            <a:off x="1331343" y="1259456"/>
+            <a:ext cx="6495690" cy="3293209"/>
+          </a:xfrm>
+          <a:prstGeom prst="rect">
+            <a:avLst/>
+          </a:prstGeom>
+          <a:noFill/>
+        </p:spPr>
+        <p:txBody>
+          <a:bodyPr rot="0" spcFirstLastPara="0" vertOverflow="overflow" horzOverflow="overflow" vert="horz" wrap="square" lIns="91440" tIns="45720" rIns="91440" bIns="45720" numCol="1" spcCol="0" rtlCol="0" fromWordArt="0" anchor="t" anchorCtr="0" forceAA="0" compatLnSpc="1">
+            <a:prstTxWarp prst="textNoShape">
+              <a:avLst/>
+            </a:prstTxWarp>
+            <a:spAutoFit/>
+          </a:bodyPr>
+          <a:lstStyle/>
+          <a:p>
+            <a:pPr algn="ctr"/>
+            <a:r>
+              <a:rPr lang="pt-BR" sz="2600" b="1" dirty="0">
+                <a:latin typeface="Montserrat"/>
+              </a:rPr>
+              <a:t>Participantes:</a:t>
+            </a:r>
+            <a:endParaRPr lang="pt-BR" sz="2600" b="1" dirty="0">
+              <a:latin typeface="Montserrat"/>
+              <a:cs typeface="Calibri" panose="020F0502020204030204"/>
+            </a:endParaRPr>
+          </a:p>
+          <a:p>
+            <a:endParaRPr lang="pt-BR" sz="2600" dirty="0">
+              <a:latin typeface="Montserrat"/>
+            </a:endParaRPr>
+          </a:p>
+          <a:p>
+            <a:r>
+              <a:rPr lang="pt-BR" sz="2600" dirty="0">
+                <a:latin typeface="Montserrat"/>
+              </a:rPr>
+              <a:t>- Gustavo Borges</a:t>
+            </a:r>
+          </a:p>
+          <a:p>
+            <a:r>
+              <a:rPr lang="pt-BR" sz="2600" dirty="0">
+                <a:latin typeface="Montserrat"/>
+              </a:rPr>
+              <a:t>- Levi Bueno</a:t>
+            </a:r>
+          </a:p>
+          <a:p>
+            <a:r>
+              <a:rPr lang="pt-BR" sz="2600" dirty="0">
+                <a:latin typeface="Montserrat"/>
+              </a:rPr>
+              <a:t>- Lucas Medina</a:t>
+            </a:r>
+          </a:p>
+          <a:p>
+            <a:r>
+              <a:rPr lang="pt-BR" sz="2600" dirty="0">
+                <a:latin typeface="Montserrat"/>
+              </a:rPr>
+              <a:t>- Lívia Negrini</a:t>
+            </a:r>
+          </a:p>
+          <a:p>
+            <a:r>
+              <a:rPr lang="pt-BR" sz="2600" dirty="0">
+                <a:latin typeface="Montserrat"/>
+              </a:rPr>
+              <a:t>- Marcos Vinícius</a:t>
+            </a:r>
+          </a:p>
+          <a:p>
+            <a:r>
+              <a:rPr lang="pt-BR" sz="2600" dirty="0">
+                <a:latin typeface="Montserrat"/>
+              </a:rPr>
+              <a:t>- Matheus Araújo</a:t>
+            </a:r>
+          </a:p>
+        </p:txBody>
+      </p:sp>
+    </p:spTree>
+    <p:extLst>
+      <p:ext uri="{BB962C8B-B14F-4D97-AF65-F5344CB8AC3E}">
+        <p14:creationId xmlns:p14="http://schemas.microsoft.com/office/powerpoint/2010/main" val="3250834248"/>
+      </p:ext>
+    </p:extLst>
+  </p:cSld>
+  <p:clrMapOvr>
+    <a:masterClrMapping/>
+  </p:clrMapOvr>
+  <p:timing>
+    <p:tnLst>
+      <p:par>
+        <p:cTn id="1" dur="indefinite" restart="never" nodeType="tmRoot">
+          <p:childTnLst>
+            <p:seq concurrent="1" nextAc="seek">
+              <p:cTn id="2" dur="indefinite" nodeType="mainSeq">
+                <p:childTnLst>
+                  <p:par>
+                    <p:cTn id="3" fill="hold">
+                      <p:stCondLst>
+                        <p:cond delay="indefinite"/>
+                      </p:stCondLst>
+                      <p:childTnLst>
+                        <p:par>
+                          <p:cTn id="4" fill="hold">
+                            <p:stCondLst>
+                              <p:cond delay="0"/>
+                            </p:stCondLst>
+                            <p:childTnLst>
+                              <p:par>
+                                <p:cTn id="5" presetID="42" presetClass="entr" presetSubtype="0" fill="hold" grpId="0" nodeType="clickEffect">
+                                  <p:stCondLst>
+                                    <p:cond delay="0"/>
+                                  </p:stCondLst>
+                                  <p:childTnLst>
+                                    <p:set>
+                                      <p:cBhvr>
+                                        <p:cTn id="6" dur="1" fill="hold">
+                                          <p:stCondLst>
+                                            <p:cond delay="0"/>
+                                          </p:stCondLst>
+                                        </p:cTn>
+                                        <p:tgtEl>
+                                          <p:spTgt spid="2"/>
+                                        </p:tgtEl>
+                                        <p:attrNameLst>
+                                          <p:attrName>style.visibility</p:attrName>
+                                        </p:attrNameLst>
+                                      </p:cBhvr>
+                                      <p:to>
+                                        <p:strVal val="visible"/>
+                                      </p:to>
+                                    </p:set>
+                                    <p:animEffect transition="in" filter="fade">
+                                      <p:cBhvr>
+                                        <p:cTn id="7" dur="1000"/>
+                                        <p:tgtEl>
+                                          <p:spTgt spid="2"/>
+                                        </p:tgtEl>
+                                      </p:cBhvr>
+                                    </p:animEffect>
+                                    <p:anim calcmode="lin" valueType="num">
+                                      <p:cBhvr>
+                                        <p:cTn id="8" dur="1000" fill="hold"/>
+                                        <p:tgtEl>
+                                          <p:spTgt spid="2"/>
+                                        </p:tgtEl>
+                                        <p:attrNameLst>
+                                          <p:attrName>ppt_x</p:attrName>
+                                        </p:attrNameLst>
+                                      </p:cBhvr>
+                                      <p:tavLst>
+                                        <p:tav tm="0">
+                                          <p:val>
+                                            <p:strVal val="#ppt_x"/>
+                                          </p:val>
+                                        </p:tav>
+                                        <p:tav tm="100000">
+                                          <p:val>
+                                            <p:strVal val="#ppt_x"/>
+                                          </p:val>
+                                        </p:tav>
+                                      </p:tavLst>
+                                    </p:anim>
+                                    <p:anim calcmode="lin" valueType="num">
+                                      <p:cBhvr>
+                                        <p:cTn id="9" dur="1000" fill="hold"/>
+                                        <p:tgtEl>
+                                          <p:spTgt spid="2"/>
+                                        </p:tgtEl>
+                                        <p:attrNameLst>
+                                          <p:attrName>ppt_y</p:attrName>
+                                        </p:attrNameLst>
+                                      </p:cBhvr>
+                                      <p:tavLst>
+                                        <p:tav tm="0">
+                                          <p:val>
+                                            <p:strVal val="#ppt_y+.1"/>
+                                          </p:val>
+                                        </p:tav>
+                                        <p:tav tm="100000">
+                                          <p:val>
+                                            <p:strVal val="#ppt_y"/>
+                                          </p:val>
+                                        </p:tav>
+                                      </p:tavLst>
+                                    </p:anim>
+                                  </p:childTnLst>
+                                </p:cTn>
+                              </p:par>
+                            </p:childTnLst>
+                          </p:cTn>
+                        </p:par>
+                      </p:childTnLst>
+                    </p:cTn>
+                  </p:par>
+                </p:childTnLst>
+              </p:cTn>
+              <p:prevCondLst>
+                <p:cond evt="onPrev" delay="0">
+                  <p:tgtEl>
+                    <p:sldTgt/>
+                  </p:tgtEl>
+                </p:cond>
+              </p:prevCondLst>
+              <p:nextCondLst>
+                <p:cond evt="onNext" delay="0">
+                  <p:tgtEl>
+                    <p:sldTgt/>
+                  </p:tgtEl>
+                </p:cond>
+              </p:nextCondLst>
+            </p:seq>
+          </p:childTnLst>
+        </p:cTn>
+      </p:par>
+    </p:tnLst>
+    <p:bldLst>
+      <p:bldP spid="2" grpId="0"/>
+    </p:bldLst>
+  </p:timing>
+</p:sld>
+</file>
+
+<file path=ppt/slides/slide20.xml><?xml version="1.0" encoding="utf-8"?>
 <p:sld xmlns:a="http://schemas.openxmlformats.org/drawingml/2006/main" xmlns:r="http://schemas.openxmlformats.org/officeDocument/2006/relationships" xmlns:p="http://schemas.openxmlformats.org/presentationml/2006/main">
   <p:cSld>
     <p:spTree>
@@ -11913,267 +12632,7 @@
 </p:sld>
 </file>
 
-<file path=ppt/slides/slide2.xml><?xml version="1.0" encoding="utf-8"?>
-<p:sld xmlns:a="http://schemas.openxmlformats.org/drawingml/2006/main" xmlns:r="http://schemas.openxmlformats.org/officeDocument/2006/relationships" xmlns:p="http://schemas.openxmlformats.org/presentationml/2006/main">
-  <p:cSld>
-    <p:spTree>
-      <p:nvGrpSpPr>
-        <p:cNvPr id="1" name=""/>
-        <p:cNvGrpSpPr/>
-        <p:nvPr/>
-      </p:nvGrpSpPr>
-      <p:grpSpPr>
-        <a:xfrm>
-          <a:off x="0" y="0"/>
-          <a:ext cx="0" cy="0"/>
-          <a:chOff x="0" y="0"/>
-          <a:chExt cx="0" cy="0"/>
-        </a:xfrm>
-      </p:grpSpPr>
-      <p:sp>
-        <p:nvSpPr>
-          <p:cNvPr id="2" name="CaixaDeTexto 1">
-            <a:extLst>
-              <a:ext uri="{FF2B5EF4-FFF2-40B4-BE49-F238E27FC236}">
-                <a16:creationId xmlns:a16="http://schemas.microsoft.com/office/drawing/2014/main" id="{38F6E105-C676-46D6-894B-6E2E74994919}"/>
-              </a:ext>
-            </a:extLst>
-          </p:cNvPr>
-          <p:cNvSpPr txBox="1"/>
-          <p:nvPr/>
-        </p:nvSpPr>
-        <p:spPr>
-          <a:xfrm>
-            <a:off x="1331343" y="1259456"/>
-            <a:ext cx="6495690" cy="3293209"/>
-          </a:xfrm>
-          <a:prstGeom prst="rect">
-            <a:avLst/>
-          </a:prstGeom>
-          <a:noFill/>
-        </p:spPr>
-        <p:txBody>
-          <a:bodyPr rot="0" spcFirstLastPara="0" vertOverflow="overflow" horzOverflow="overflow" vert="horz" wrap="square" lIns="91440" tIns="45720" rIns="91440" bIns="45720" numCol="1" spcCol="0" rtlCol="0" fromWordArt="0" anchor="t" anchorCtr="0" forceAA="0" compatLnSpc="1">
-            <a:prstTxWarp prst="textNoShape">
-              <a:avLst/>
-            </a:prstTxWarp>
-            <a:spAutoFit/>
-          </a:bodyPr>
-          <a:lstStyle/>
-          <a:p>
-            <a:pPr algn="ctr"/>
-            <a:r>
-              <a:rPr lang="pt-BR" sz="2600" b="1" dirty="0">
-                <a:latin typeface="Montserrat"/>
-              </a:rPr>
-              <a:t>Participantes:</a:t>
-            </a:r>
-            <a:endParaRPr lang="pt-BR" sz="2600" b="1" dirty="0">
-              <a:latin typeface="Montserrat"/>
-              <a:cs typeface="Calibri" panose="020F0502020204030204"/>
-            </a:endParaRPr>
-          </a:p>
-          <a:p>
-            <a:endParaRPr lang="pt-BR" sz="2600" dirty="0">
-              <a:latin typeface="Montserrat"/>
-            </a:endParaRPr>
-          </a:p>
-          <a:p>
-            <a:r>
-              <a:rPr lang="pt-BR" sz="2600" dirty="0">
-                <a:latin typeface="Montserrat"/>
-              </a:rPr>
-              <a:t>- Gustavo Borges</a:t>
-            </a:r>
-          </a:p>
-          <a:p>
-            <a:r>
-              <a:rPr lang="pt-BR" sz="2600" dirty="0">
-                <a:latin typeface="Montserrat"/>
-              </a:rPr>
-              <a:t>- Levi Bueno</a:t>
-            </a:r>
-          </a:p>
-          <a:p>
-            <a:r>
-              <a:rPr lang="pt-BR" sz="2600" dirty="0">
-                <a:latin typeface="Montserrat"/>
-              </a:rPr>
-              <a:t>- Lucas Medina</a:t>
-            </a:r>
-          </a:p>
-          <a:p>
-            <a:r>
-              <a:rPr lang="pt-BR" sz="2600" dirty="0">
-                <a:latin typeface="Montserrat"/>
-              </a:rPr>
-              <a:t>- Lívia Negrini</a:t>
-            </a:r>
-          </a:p>
-          <a:p>
-            <a:r>
-              <a:rPr lang="pt-BR" sz="2600" dirty="0">
-                <a:latin typeface="Montserrat"/>
-              </a:rPr>
-              <a:t>- Marcos Vinícius</a:t>
-            </a:r>
-          </a:p>
-          <a:p>
-            <a:r>
-              <a:rPr lang="pt-BR" sz="2600" dirty="0">
-                <a:latin typeface="Montserrat"/>
-              </a:rPr>
-              <a:t>- Matheus Araújo</a:t>
-            </a:r>
-          </a:p>
-        </p:txBody>
-      </p:sp>
-    </p:spTree>
-    <p:extLst>
-      <p:ext uri="{BB962C8B-B14F-4D97-AF65-F5344CB8AC3E}">
-        <p14:creationId xmlns:p14="http://schemas.microsoft.com/office/powerpoint/2010/main" val="3250834248"/>
-      </p:ext>
-    </p:extLst>
-  </p:cSld>
-  <p:clrMapOvr>
-    <a:masterClrMapping/>
-  </p:clrMapOvr>
-  <p:timing>
-    <p:tnLst>
-      <p:par>
-        <p:cTn id="1" dur="indefinite" restart="never" nodeType="tmRoot">
-          <p:childTnLst>
-            <p:seq concurrent="1" nextAc="seek">
-              <p:cTn id="2" dur="indefinite" nodeType="mainSeq">
-                <p:childTnLst>
-                  <p:par>
-                    <p:cTn id="3" fill="hold">
-                      <p:stCondLst>
-                        <p:cond delay="indefinite"/>
-                      </p:stCondLst>
-                      <p:childTnLst>
-                        <p:par>
-                          <p:cTn id="4" fill="hold">
-                            <p:stCondLst>
-                              <p:cond delay="0"/>
-                            </p:stCondLst>
-                            <p:childTnLst>
-                              <p:par>
-                                <p:cTn id="5" presetID="42" presetClass="entr" presetSubtype="0" fill="hold" grpId="0" nodeType="clickEffect">
-                                  <p:stCondLst>
-                                    <p:cond delay="0"/>
-                                  </p:stCondLst>
-                                  <p:childTnLst>
-                                    <p:set>
-                                      <p:cBhvr>
-                                        <p:cTn id="6" dur="1" fill="hold">
-                                          <p:stCondLst>
-                                            <p:cond delay="0"/>
-                                          </p:stCondLst>
-                                        </p:cTn>
-                                        <p:tgtEl>
-                                          <p:spTgt spid="2"/>
-                                        </p:tgtEl>
-                                        <p:attrNameLst>
-                                          <p:attrName>style.visibility</p:attrName>
-                                        </p:attrNameLst>
-                                      </p:cBhvr>
-                                      <p:to>
-                                        <p:strVal val="visible"/>
-                                      </p:to>
-                                    </p:set>
-                                    <p:animEffect transition="in" filter="fade">
-                                      <p:cBhvr>
-                                        <p:cTn id="7" dur="1000"/>
-                                        <p:tgtEl>
-                                          <p:spTgt spid="2"/>
-                                        </p:tgtEl>
-                                      </p:cBhvr>
-                                    </p:animEffect>
-                                    <p:anim calcmode="lin" valueType="num">
-                                      <p:cBhvr>
-                                        <p:cTn id="8" dur="1000" fill="hold"/>
-                                        <p:tgtEl>
-                                          <p:spTgt spid="2"/>
-                                        </p:tgtEl>
-                                        <p:attrNameLst>
-                                          <p:attrName>ppt_x</p:attrName>
-                                        </p:attrNameLst>
-                                      </p:cBhvr>
-                                      <p:tavLst>
-                                        <p:tav tm="0">
-                                          <p:val>
-                                            <p:strVal val="#ppt_x"/>
-                                          </p:val>
-                                        </p:tav>
-                                        <p:tav tm="100000">
-                                          <p:val>
-                                            <p:strVal val="#ppt_x"/>
-                                          </p:val>
-                                        </p:tav>
-                                      </p:tavLst>
-                                    </p:anim>
-                                    <p:anim calcmode="lin" valueType="num">
-                                      <p:cBhvr>
-                                        <p:cTn id="9" dur="1000" fill="hold"/>
-                                        <p:tgtEl>
-                                          <p:spTgt spid="2"/>
-                                        </p:tgtEl>
-                                        <p:attrNameLst>
-                                          <p:attrName>ppt_y</p:attrName>
-                                        </p:attrNameLst>
-                                      </p:cBhvr>
-                                      <p:tavLst>
-                                        <p:tav tm="0">
-                                          <p:val>
-                                            <p:strVal val="#ppt_y+.1"/>
-                                          </p:val>
-                                        </p:tav>
-                                        <p:tav tm="100000">
-                                          <p:val>
-                                            <p:strVal val="#ppt_y"/>
-                                          </p:val>
-                                        </p:tav>
-                                      </p:tavLst>
-                                    </p:anim>
-                                  </p:childTnLst>
-                                </p:cTn>
-                              </p:par>
-                            </p:childTnLst>
-                          </p:cTn>
-                        </p:par>
-                      </p:childTnLst>
-                    </p:cTn>
-                  </p:par>
-                </p:childTnLst>
-              </p:cTn>
-              <p:prevCondLst>
-                <p:cond evt="onPrev" delay="0">
-                  <p:tgtEl>
-                    <p:sldTgt/>
-                  </p:tgtEl>
-                </p:cond>
-              </p:prevCondLst>
-              <p:nextCondLst>
-                <p:cond evt="onNext" delay="0">
-                  <p:tgtEl>
-                    <p:sldTgt/>
-                  </p:tgtEl>
-                </p:cond>
-              </p:nextCondLst>
-            </p:seq>
-          </p:childTnLst>
-        </p:cTn>
-      </p:par>
-    </p:tnLst>
-    <p:bldLst>
-      <p:bldP spid="2" grpId="0"/>
-    </p:bldLst>
-  </p:timing>
-</p:sld>
-</file>
-
-<file path=ppt/slides/slide20.xml><?xml version="1.0" encoding="utf-8"?>
+<file path=ppt/slides/slide21.xml><?xml version="1.0" encoding="utf-8"?>
 <p:sld xmlns:a="http://schemas.openxmlformats.org/drawingml/2006/main" xmlns:r="http://schemas.openxmlformats.org/officeDocument/2006/relationships" xmlns:p="http://schemas.openxmlformats.org/presentationml/2006/main">
   <p:cSld>
     <p:spTree>
@@ -12660,7 +13119,7 @@
 </p:sld>
 </file>
 
-<file path=ppt/slides/slide21.xml><?xml version="1.0" encoding="utf-8"?>
+<file path=ppt/slides/slide22.xml><?xml version="1.0" encoding="utf-8"?>
 <p:sld xmlns:a="http://schemas.openxmlformats.org/drawingml/2006/main" xmlns:r="http://schemas.openxmlformats.org/officeDocument/2006/relationships" xmlns:p="http://schemas.openxmlformats.org/presentationml/2006/main">
   <p:cSld>
     <p:spTree>
@@ -12706,10 +13165,10 @@
       </p:sp>
       <p:pic>
         <p:nvPicPr>
-          <p:cNvPr id="5" name="Imagem 4" descr="Tabela&#10;&#10;Descrição gerada automaticamente">
+          <p:cNvPr id="2" name="Imagem 1">
             <a:extLst>
               <a:ext uri="{FF2B5EF4-FFF2-40B4-BE49-F238E27FC236}">
-                <a16:creationId xmlns:a16="http://schemas.microsoft.com/office/drawing/2014/main" id="{E91B6A3B-9F0D-472C-8715-215CA3C1B491}"/>
+                <a16:creationId xmlns:a16="http://schemas.microsoft.com/office/drawing/2014/main" id="{76DDE6F6-32ED-448C-BDC2-1878CEF66A61}"/>
               </a:ext>
             </a:extLst>
           </p:cNvPr>
@@ -12726,8 +13185,8 @@
         </p:blipFill>
         <p:spPr>
           <a:xfrm>
-            <a:off x="1335175" y="1782072"/>
-            <a:ext cx="5882807" cy="1246837"/>
+            <a:off x="1380930" y="1438751"/>
+            <a:ext cx="5634997" cy="1990250"/>
           </a:xfrm>
           <a:prstGeom prst="rect">
             <a:avLst/>
@@ -12736,10 +13195,10 @@
       </p:pic>
       <p:pic>
         <p:nvPicPr>
-          <p:cNvPr id="7" name="Imagem 6" descr="Tabela&#10;&#10;Descrição gerada automaticamente">
+          <p:cNvPr id="4" name="Imagem 3">
             <a:extLst>
               <a:ext uri="{FF2B5EF4-FFF2-40B4-BE49-F238E27FC236}">
-                <a16:creationId xmlns:a16="http://schemas.microsoft.com/office/drawing/2014/main" id="{6BCADAEF-127F-422E-961D-703FDF7EA0EE}"/>
+                <a16:creationId xmlns:a16="http://schemas.microsoft.com/office/drawing/2014/main" id="{8E2CBB10-069B-4A7B-8E4A-B909F1CB1678}"/>
               </a:ext>
             </a:extLst>
           </p:cNvPr>
@@ -12756,8 +13215,8 @@
         </p:blipFill>
         <p:spPr>
           <a:xfrm>
-            <a:off x="1335174" y="3429000"/>
-            <a:ext cx="5882807" cy="1529755"/>
+            <a:off x="1380930" y="3572186"/>
+            <a:ext cx="5634997" cy="2007873"/>
           </a:xfrm>
           <a:prstGeom prst="rect">
             <a:avLst/>
@@ -12808,7 +13267,7 @@
                                           </p:stCondLst>
                                         </p:cTn>
                                         <p:tgtEl>
-                                          <p:spTgt spid="5"/>
+                                          <p:spTgt spid="2"/>
                                         </p:tgtEl>
                                         <p:attrNameLst>
                                           <p:attrName>style.visibility</p:attrName>
@@ -12822,7 +13281,7 @@
                                       <p:cBhvr>
                                         <p:cTn id="7" dur="1000"/>
                                         <p:tgtEl>
-                                          <p:spTgt spid="5"/>
+                                          <p:spTgt spid="2"/>
                                         </p:tgtEl>
                                       </p:cBhvr>
                                     </p:animEffect>
@@ -12830,7 +13289,7 @@
                                       <p:cBhvr>
                                         <p:cTn id="8" dur="1000" fill="hold"/>
                                         <p:tgtEl>
-                                          <p:spTgt spid="5"/>
+                                          <p:spTgt spid="2"/>
                                         </p:tgtEl>
                                         <p:attrNameLst>
                                           <p:attrName>ppt_x</p:attrName>
@@ -12853,7 +13312,7 @@
                                       <p:cBhvr>
                                         <p:cTn id="9" dur="1000" fill="hold"/>
                                         <p:tgtEl>
-                                          <p:spTgt spid="5"/>
+                                          <p:spTgt spid="2"/>
                                         </p:tgtEl>
                                         <p:attrNameLst>
                                           <p:attrName>ppt_y</p:attrName>
@@ -12907,7 +13366,7 @@
                                           </p:stCondLst>
                                         </p:cTn>
                                         <p:tgtEl>
-                                          <p:spTgt spid="7"/>
+                                          <p:spTgt spid="4"/>
                                         </p:tgtEl>
                                         <p:attrNameLst>
                                           <p:attrName>style.visibility</p:attrName>
@@ -12921,7 +13380,7 @@
                                       <p:cBhvr>
                                         <p:cTn id="14" dur="1000"/>
                                         <p:tgtEl>
-                                          <p:spTgt spid="7"/>
+                                          <p:spTgt spid="4"/>
                                         </p:tgtEl>
                                       </p:cBhvr>
                                     </p:animEffect>
@@ -12929,7 +13388,7 @@
                                       <p:cBhvr>
                                         <p:cTn id="15" dur="1000" fill="hold"/>
                                         <p:tgtEl>
-                                          <p:spTgt spid="7"/>
+                                          <p:spTgt spid="4"/>
                                         </p:tgtEl>
                                         <p:attrNameLst>
                                           <p:attrName>ppt_x</p:attrName>
@@ -12952,481 +13411,7 @@
                                       <p:cBhvr>
                                         <p:cTn id="16" dur="1000" fill="hold"/>
                                         <p:tgtEl>
-                                          <p:spTgt spid="7"/>
-                                        </p:tgtEl>
-                                        <p:attrNameLst>
-                                          <p:attrName>ppt_y</p:attrName>
-                                        </p:attrNameLst>
-                                      </p:cBhvr>
-                                      <p:tavLst>
-                                        <p:tav tm="0">
-                                          <p:val>
-                                            <p:strVal val="#ppt_y+.1"/>
-                                          </p:val>
-                                        </p:tav>
-                                        <p:tav tm="100000">
-                                          <p:val>
-                                            <p:strVal val="#ppt_y"/>
-                                          </p:val>
-                                        </p:tav>
-                                      </p:tavLst>
-                                    </p:anim>
-                                  </p:childTnLst>
-                                </p:cTn>
-                              </p:par>
-                            </p:childTnLst>
-                          </p:cTn>
-                        </p:par>
-                      </p:childTnLst>
-                    </p:cTn>
-                  </p:par>
-                </p:childTnLst>
-              </p:cTn>
-              <p:prevCondLst>
-                <p:cond evt="onPrev" delay="0">
-                  <p:tgtEl>
-                    <p:sldTgt/>
-                  </p:tgtEl>
-                </p:cond>
-              </p:prevCondLst>
-              <p:nextCondLst>
-                <p:cond evt="onNext" delay="0">
-                  <p:tgtEl>
-                    <p:sldTgt/>
-                  </p:tgtEl>
-                </p:cond>
-              </p:nextCondLst>
-            </p:seq>
-          </p:childTnLst>
-        </p:cTn>
-      </p:par>
-    </p:tnLst>
-  </p:timing>
-</p:sld>
-</file>
-
-<file path=ppt/slides/slide22.xml><?xml version="1.0" encoding="utf-8"?>
-<p:sld xmlns:a="http://schemas.openxmlformats.org/drawingml/2006/main" xmlns:r="http://schemas.openxmlformats.org/officeDocument/2006/relationships" xmlns:p="http://schemas.openxmlformats.org/presentationml/2006/main">
-  <p:cSld>
-    <p:spTree>
-      <p:nvGrpSpPr>
-        <p:cNvPr id="1" name=""/>
-        <p:cNvGrpSpPr/>
-        <p:nvPr/>
-      </p:nvGrpSpPr>
-      <p:grpSpPr>
-        <a:xfrm>
-          <a:off x="0" y="0"/>
-          <a:ext cx="0" cy="0"/>
-          <a:chOff x="0" y="0"/>
-          <a:chExt cx="0" cy="0"/>
-        </a:xfrm>
-      </p:grpSpPr>
-      <p:sp>
-        <p:nvSpPr>
-          <p:cNvPr id="3" name="Espaço Reservado para Texto 2"/>
-          <p:cNvSpPr>
-            <a:spLocks noGrp="1"/>
-          </p:cNvSpPr>
-          <p:nvPr>
-            <p:ph type="body" sz="quarter" idx="13"/>
-          </p:nvPr>
-        </p:nvSpPr>
-        <p:spPr/>
-        <p:txBody>
-          <a:bodyPr vert="horz" lIns="91440" tIns="45720" rIns="91440" bIns="45720" rtlCol="0" anchor="t">
-            <a:normAutofit lnSpcReduction="10000"/>
-          </a:bodyPr>
-          <a:lstStyle/>
-          <a:p>
-            <a:r>
-              <a:rPr lang="pt-BR">
-                <a:latin typeface="Montserrat"/>
-              </a:rPr>
-              <a:t>Quinta forma normal (5FN)</a:t>
-            </a:r>
-            <a:endParaRPr lang="pt-BR"/>
-          </a:p>
-        </p:txBody>
-      </p:sp>
-      <p:pic>
-        <p:nvPicPr>
-          <p:cNvPr id="4" name="Imagem 3" descr="Tabela&#10;&#10;Descrição gerada automaticamente">
-            <a:extLst>
-              <a:ext uri="{FF2B5EF4-FFF2-40B4-BE49-F238E27FC236}">
-                <a16:creationId xmlns:a16="http://schemas.microsoft.com/office/drawing/2014/main" id="{F40C5D2C-D139-4BDD-BDEB-003DEBFDFD6D}"/>
-              </a:ext>
-            </a:extLst>
-          </p:cNvPr>
-          <p:cNvPicPr>
-            <a:picLocks noChangeAspect="1"/>
-          </p:cNvPicPr>
-          <p:nvPr/>
-        </p:nvPicPr>
-        <p:blipFill>
-          <a:blip r:embed="rId2"/>
-          <a:stretch>
-            <a:fillRect/>
-          </a:stretch>
-        </p:blipFill>
-        <p:spPr>
-          <a:xfrm>
-            <a:off x="1448871" y="1549774"/>
-            <a:ext cx="5386885" cy="901268"/>
-          </a:xfrm>
-          <a:prstGeom prst="rect">
-            <a:avLst/>
-          </a:prstGeom>
-        </p:spPr>
-      </p:pic>
-      <p:pic>
-        <p:nvPicPr>
-          <p:cNvPr id="8" name="Imagem 7" descr="Tabela&#10;&#10;Descrição gerada automaticamente">
-            <a:extLst>
-              <a:ext uri="{FF2B5EF4-FFF2-40B4-BE49-F238E27FC236}">
-                <a16:creationId xmlns:a16="http://schemas.microsoft.com/office/drawing/2014/main" id="{25AAFE6D-62AC-44E3-95E7-B03513E8BB06}"/>
-              </a:ext>
-            </a:extLst>
-          </p:cNvPr>
-          <p:cNvPicPr>
-            <a:picLocks noChangeAspect="1"/>
-          </p:cNvPicPr>
-          <p:nvPr/>
-        </p:nvPicPr>
-        <p:blipFill>
-          <a:blip r:embed="rId3"/>
-          <a:stretch>
-            <a:fillRect/>
-          </a:stretch>
-        </p:blipFill>
-        <p:spPr>
-          <a:xfrm>
-            <a:off x="1448870" y="2632224"/>
-            <a:ext cx="5386886" cy="873550"/>
-          </a:xfrm>
-          <a:prstGeom prst="rect">
-            <a:avLst/>
-          </a:prstGeom>
-        </p:spPr>
-      </p:pic>
-      <p:pic>
-        <p:nvPicPr>
-          <p:cNvPr id="10" name="Imagem 9" descr="Tabela&#10;&#10;Descrição gerada automaticamente">
-            <a:extLst>
-              <a:ext uri="{FF2B5EF4-FFF2-40B4-BE49-F238E27FC236}">
-                <a16:creationId xmlns:a16="http://schemas.microsoft.com/office/drawing/2014/main" id="{1F311C5E-9E17-468D-B280-3BD455E9ACB4}"/>
-              </a:ext>
-            </a:extLst>
-          </p:cNvPr>
-          <p:cNvPicPr>
-            <a:picLocks noChangeAspect="1"/>
-          </p:cNvPicPr>
-          <p:nvPr/>
-        </p:nvPicPr>
-        <p:blipFill>
-          <a:blip r:embed="rId4"/>
-          <a:stretch>
-            <a:fillRect/>
-          </a:stretch>
-        </p:blipFill>
-        <p:spPr>
-          <a:xfrm>
-            <a:off x="1448870" y="3686956"/>
-            <a:ext cx="5386886" cy="1668595"/>
-          </a:xfrm>
-          <a:prstGeom prst="rect">
-            <a:avLst/>
-          </a:prstGeom>
-        </p:spPr>
-      </p:pic>
-    </p:spTree>
-    <p:extLst>
-      <p:ext uri="{BB962C8B-B14F-4D97-AF65-F5344CB8AC3E}">
-        <p14:creationId xmlns:p14="http://schemas.microsoft.com/office/powerpoint/2010/main" val="3171799350"/>
-      </p:ext>
-    </p:extLst>
-  </p:cSld>
-  <p:clrMapOvr>
-    <a:masterClrMapping/>
-  </p:clrMapOvr>
-  <p:timing>
-    <p:tnLst>
-      <p:par>
-        <p:cTn id="1" dur="indefinite" restart="never" nodeType="tmRoot">
-          <p:childTnLst>
-            <p:seq concurrent="1" nextAc="seek">
-              <p:cTn id="2" dur="indefinite" nodeType="mainSeq">
-                <p:childTnLst>
-                  <p:par>
-                    <p:cTn id="3" fill="hold">
-                      <p:stCondLst>
-                        <p:cond delay="indefinite"/>
-                      </p:stCondLst>
-                      <p:childTnLst>
-                        <p:par>
-                          <p:cTn id="4" fill="hold">
-                            <p:stCondLst>
-                              <p:cond delay="0"/>
-                            </p:stCondLst>
-                            <p:childTnLst>
-                              <p:par>
-                                <p:cTn id="5" presetID="42" presetClass="entr" presetSubtype="0" fill="hold" nodeType="clickEffect">
-                                  <p:stCondLst>
-                                    <p:cond delay="0"/>
-                                  </p:stCondLst>
-                                  <p:childTnLst>
-                                    <p:set>
-                                      <p:cBhvr>
-                                        <p:cTn id="6" dur="1" fill="hold">
-                                          <p:stCondLst>
-                                            <p:cond delay="0"/>
-                                          </p:stCondLst>
-                                        </p:cTn>
-                                        <p:tgtEl>
                                           <p:spTgt spid="4"/>
-                                        </p:tgtEl>
-                                        <p:attrNameLst>
-                                          <p:attrName>style.visibility</p:attrName>
-                                        </p:attrNameLst>
-                                      </p:cBhvr>
-                                      <p:to>
-                                        <p:strVal val="visible"/>
-                                      </p:to>
-                                    </p:set>
-                                    <p:animEffect transition="in" filter="fade">
-                                      <p:cBhvr>
-                                        <p:cTn id="7" dur="1000"/>
-                                        <p:tgtEl>
-                                          <p:spTgt spid="4"/>
-                                        </p:tgtEl>
-                                      </p:cBhvr>
-                                    </p:animEffect>
-                                    <p:anim calcmode="lin" valueType="num">
-                                      <p:cBhvr>
-                                        <p:cTn id="8" dur="1000" fill="hold"/>
-                                        <p:tgtEl>
-                                          <p:spTgt spid="4"/>
-                                        </p:tgtEl>
-                                        <p:attrNameLst>
-                                          <p:attrName>ppt_x</p:attrName>
-                                        </p:attrNameLst>
-                                      </p:cBhvr>
-                                      <p:tavLst>
-                                        <p:tav tm="0">
-                                          <p:val>
-                                            <p:strVal val="#ppt_x"/>
-                                          </p:val>
-                                        </p:tav>
-                                        <p:tav tm="100000">
-                                          <p:val>
-                                            <p:strVal val="#ppt_x"/>
-                                          </p:val>
-                                        </p:tav>
-                                      </p:tavLst>
-                                    </p:anim>
-                                    <p:anim calcmode="lin" valueType="num">
-                                      <p:cBhvr>
-                                        <p:cTn id="9" dur="1000" fill="hold"/>
-                                        <p:tgtEl>
-                                          <p:spTgt spid="4"/>
-                                        </p:tgtEl>
-                                        <p:attrNameLst>
-                                          <p:attrName>ppt_y</p:attrName>
-                                        </p:attrNameLst>
-                                      </p:cBhvr>
-                                      <p:tavLst>
-                                        <p:tav tm="0">
-                                          <p:val>
-                                            <p:strVal val="#ppt_y+.1"/>
-                                          </p:val>
-                                        </p:tav>
-                                        <p:tav tm="100000">
-                                          <p:val>
-                                            <p:strVal val="#ppt_y"/>
-                                          </p:val>
-                                        </p:tav>
-                                      </p:tavLst>
-                                    </p:anim>
-                                  </p:childTnLst>
-                                </p:cTn>
-                              </p:par>
-                            </p:childTnLst>
-                          </p:cTn>
-                        </p:par>
-                      </p:childTnLst>
-                    </p:cTn>
-                  </p:par>
-                  <p:par>
-                    <p:cTn id="10" fill="hold">
-                      <p:stCondLst>
-                        <p:cond delay="indefinite"/>
-                      </p:stCondLst>
-                      <p:childTnLst>
-                        <p:par>
-                          <p:cTn id="11" fill="hold">
-                            <p:stCondLst>
-                              <p:cond delay="0"/>
-                            </p:stCondLst>
-                            <p:childTnLst>
-                              <p:par>
-                                <p:cTn id="12" presetID="42" presetClass="entr" presetSubtype="0" fill="hold" nodeType="clickEffect">
-                                  <p:stCondLst>
-                                    <p:cond delay="0"/>
-                                  </p:stCondLst>
-                                  <p:childTnLst>
-                                    <p:set>
-                                      <p:cBhvr>
-                                        <p:cTn id="13" dur="1" fill="hold">
-                                          <p:stCondLst>
-                                            <p:cond delay="0"/>
-                                          </p:stCondLst>
-                                        </p:cTn>
-                                        <p:tgtEl>
-                                          <p:spTgt spid="8"/>
-                                        </p:tgtEl>
-                                        <p:attrNameLst>
-                                          <p:attrName>style.visibility</p:attrName>
-                                        </p:attrNameLst>
-                                      </p:cBhvr>
-                                      <p:to>
-                                        <p:strVal val="visible"/>
-                                      </p:to>
-                                    </p:set>
-                                    <p:animEffect transition="in" filter="fade">
-                                      <p:cBhvr>
-                                        <p:cTn id="14" dur="1000"/>
-                                        <p:tgtEl>
-                                          <p:spTgt spid="8"/>
-                                        </p:tgtEl>
-                                      </p:cBhvr>
-                                    </p:animEffect>
-                                    <p:anim calcmode="lin" valueType="num">
-                                      <p:cBhvr>
-                                        <p:cTn id="15" dur="1000" fill="hold"/>
-                                        <p:tgtEl>
-                                          <p:spTgt spid="8"/>
-                                        </p:tgtEl>
-                                        <p:attrNameLst>
-                                          <p:attrName>ppt_x</p:attrName>
-                                        </p:attrNameLst>
-                                      </p:cBhvr>
-                                      <p:tavLst>
-                                        <p:tav tm="0">
-                                          <p:val>
-                                            <p:strVal val="#ppt_x"/>
-                                          </p:val>
-                                        </p:tav>
-                                        <p:tav tm="100000">
-                                          <p:val>
-                                            <p:strVal val="#ppt_x"/>
-                                          </p:val>
-                                        </p:tav>
-                                      </p:tavLst>
-                                    </p:anim>
-                                    <p:anim calcmode="lin" valueType="num">
-                                      <p:cBhvr>
-                                        <p:cTn id="16" dur="1000" fill="hold"/>
-                                        <p:tgtEl>
-                                          <p:spTgt spid="8"/>
-                                        </p:tgtEl>
-                                        <p:attrNameLst>
-                                          <p:attrName>ppt_y</p:attrName>
-                                        </p:attrNameLst>
-                                      </p:cBhvr>
-                                      <p:tavLst>
-                                        <p:tav tm="0">
-                                          <p:val>
-                                            <p:strVal val="#ppt_y+.1"/>
-                                          </p:val>
-                                        </p:tav>
-                                        <p:tav tm="100000">
-                                          <p:val>
-                                            <p:strVal val="#ppt_y"/>
-                                          </p:val>
-                                        </p:tav>
-                                      </p:tavLst>
-                                    </p:anim>
-                                  </p:childTnLst>
-                                </p:cTn>
-                              </p:par>
-                            </p:childTnLst>
-                          </p:cTn>
-                        </p:par>
-                      </p:childTnLst>
-                    </p:cTn>
-                  </p:par>
-                  <p:par>
-                    <p:cTn id="17" fill="hold">
-                      <p:stCondLst>
-                        <p:cond delay="indefinite"/>
-                      </p:stCondLst>
-                      <p:childTnLst>
-                        <p:par>
-                          <p:cTn id="18" fill="hold">
-                            <p:stCondLst>
-                              <p:cond delay="0"/>
-                            </p:stCondLst>
-                            <p:childTnLst>
-                              <p:par>
-                                <p:cTn id="19" presetID="42" presetClass="entr" presetSubtype="0" fill="hold" nodeType="clickEffect">
-                                  <p:stCondLst>
-                                    <p:cond delay="0"/>
-                                  </p:stCondLst>
-                                  <p:childTnLst>
-                                    <p:set>
-                                      <p:cBhvr>
-                                        <p:cTn id="20" dur="1" fill="hold">
-                                          <p:stCondLst>
-                                            <p:cond delay="0"/>
-                                          </p:stCondLst>
-                                        </p:cTn>
-                                        <p:tgtEl>
-                                          <p:spTgt spid="10"/>
-                                        </p:tgtEl>
-                                        <p:attrNameLst>
-                                          <p:attrName>style.visibility</p:attrName>
-                                        </p:attrNameLst>
-                                      </p:cBhvr>
-                                      <p:to>
-                                        <p:strVal val="visible"/>
-                                      </p:to>
-                                    </p:set>
-                                    <p:animEffect transition="in" filter="fade">
-                                      <p:cBhvr>
-                                        <p:cTn id="21" dur="1000"/>
-                                        <p:tgtEl>
-                                          <p:spTgt spid="10"/>
-                                        </p:tgtEl>
-                                      </p:cBhvr>
-                                    </p:animEffect>
-                                    <p:anim calcmode="lin" valueType="num">
-                                      <p:cBhvr>
-                                        <p:cTn id="22" dur="1000" fill="hold"/>
-                                        <p:tgtEl>
-                                          <p:spTgt spid="10"/>
-                                        </p:tgtEl>
-                                        <p:attrNameLst>
-                                          <p:attrName>ppt_x</p:attrName>
-                                        </p:attrNameLst>
-                                      </p:cBhvr>
-                                      <p:tavLst>
-                                        <p:tav tm="0">
-                                          <p:val>
-                                            <p:strVal val="#ppt_x"/>
-                                          </p:val>
-                                        </p:tav>
-                                        <p:tav tm="100000">
-                                          <p:val>
-                                            <p:strVal val="#ppt_x"/>
-                                          </p:val>
-                                        </p:tav>
-                                      </p:tavLst>
-                                    </p:anim>
-                                    <p:anim calcmode="lin" valueType="num">
-                                      <p:cBhvr>
-                                        <p:cTn id="23" dur="1000" fill="hold"/>
-                                        <p:tgtEl>
-                                          <p:spTgt spid="10"/>
                                         </p:tgtEl>
                                         <p:attrNameLst>
                                           <p:attrName>ppt_y</p:attrName>
@@ -18853,15 +18838,6 @@
 </file>
 
 <file path=customXml/item1.xml><?xml version="1.0" encoding="utf-8"?>
-<?mso-contentType ?>
-<FormTemplates xmlns="http://schemas.microsoft.com/sharepoint/v3/contenttype/forms">
-  <Display>DocumentLibraryForm</Display>
-  <Edit>DocumentLibraryForm</Edit>
-  <New>DocumentLibraryForm</New>
-</FormTemplates>
-</file>
-
-<file path=customXml/item2.xml><?xml version="1.0" encoding="utf-8"?>
 <ct:contentTypeSchema xmlns:ct="http://schemas.microsoft.com/office/2006/metadata/contentType" xmlns:ma="http://schemas.microsoft.com/office/2006/metadata/properties/metaAttributes" ct:_="" ma:_="" ma:contentTypeName="Documento" ma:contentTypeID="0x0101001C0BDCB75C490F449996D271113E7085" ma:contentTypeVersion="12" ma:contentTypeDescription="Crie um novo documento." ma:contentTypeScope="" ma:versionID="f78031fe7deaa61be8293be56c3571d3">
   <xsd:schema xmlns:xsd="http://www.w3.org/2001/XMLSchema" xmlns:xs="http://www.w3.org/2001/XMLSchema" xmlns:p="http://schemas.microsoft.com/office/2006/metadata/properties" xmlns:ns2="56135199-fddc-46f9-8522-4d2f2df906d6" xmlns:ns3="616ddcb6-37a4-4b68-9e62-eadd2126515b" targetNamespace="http://schemas.microsoft.com/office/2006/metadata/properties" ma:root="true" ma:fieldsID="84b82f449ed318020166b0b852c53661" ns2:_="" ns3:_="">
     <xsd:import namespace="56135199-fddc-46f9-8522-4d2f2df906d6"/>
@@ -19078,6 +19054,15 @@
 </ct:contentTypeSchema>
 </file>
 
+<file path=customXml/item2.xml><?xml version="1.0" encoding="utf-8"?>
+<?mso-contentType ?>
+<FormTemplates xmlns="http://schemas.microsoft.com/sharepoint/v3/contenttype/forms">
+  <Display>DocumentLibraryForm</Display>
+  <Edit>DocumentLibraryForm</Edit>
+  <New>DocumentLibraryForm</New>
+</FormTemplates>
+</file>
+
 <file path=customXml/item3.xml><?xml version="1.0" encoding="utf-8"?>
 <p:properties xmlns:p="http://schemas.microsoft.com/office/2006/metadata/properties" xmlns:xsi="http://www.w3.org/2001/XMLSchema-instance" xmlns:pc="http://schemas.microsoft.com/office/infopath/2007/PartnerControls">
   <documentManagement/>
@@ -19085,14 +19070,6 @@
 </file>
 
 <file path=customXml/itemProps1.xml><?xml version="1.0" encoding="utf-8"?>
-<ds:datastoreItem xmlns:ds="http://schemas.openxmlformats.org/officeDocument/2006/customXml" ds:itemID="{8AEFDE86-9ABD-4B53-9EB0-611E0710241D}">
-  <ds:schemaRefs>
-    <ds:schemaRef ds:uri="http://schemas.microsoft.com/sharepoint/v3/contenttype/forms"/>
-  </ds:schemaRefs>
-</ds:datastoreItem>
-</file>
-
-<file path=customXml/itemProps2.xml><?xml version="1.0" encoding="utf-8"?>
 <ds:datastoreItem xmlns:ds="http://schemas.openxmlformats.org/officeDocument/2006/customXml" ds:itemID="{DD46F767-487D-45A7-9383-4F9F29521278}">
   <ds:schemaRefs>
     <ds:schemaRef ds:uri="56135199-fddc-46f9-8522-4d2f2df906d6"/>
@@ -19111,11 +19088,27 @@
 </ds:datastoreItem>
 </file>
 
+<file path=customXml/itemProps2.xml><?xml version="1.0" encoding="utf-8"?>
+<ds:datastoreItem xmlns:ds="http://schemas.openxmlformats.org/officeDocument/2006/customXml" ds:itemID="{8AEFDE86-9ABD-4B53-9EB0-611E0710241D}">
+  <ds:schemaRefs>
+    <ds:schemaRef ds:uri="http://schemas.microsoft.com/sharepoint/v3/contenttype/forms"/>
+  </ds:schemaRefs>
+</ds:datastoreItem>
+</file>
+
 <file path=customXml/itemProps3.xml><?xml version="1.0" encoding="utf-8"?>
 <ds:datastoreItem xmlns:ds="http://schemas.openxmlformats.org/officeDocument/2006/customXml" ds:itemID="{7598036D-8F24-4150-8883-4040B39D685E}">
   <ds:schemaRefs>
+    <ds:schemaRef ds:uri="http://schemas.microsoft.com/office/infopath/2007/PartnerControls"/>
+    <ds:schemaRef ds:uri="http://purl.org/dc/dcmitype/"/>
+    <ds:schemaRef ds:uri="http://schemas.microsoft.com/office/2006/documentManagement/types"/>
+    <ds:schemaRef ds:uri="616ddcb6-37a4-4b68-9e62-eadd2126515b"/>
     <ds:schemaRef ds:uri="http://schemas.microsoft.com/office/2006/metadata/properties"/>
-    <ds:schemaRef ds:uri="http://schemas.microsoft.com/office/infopath/2007/PartnerControls"/>
+    <ds:schemaRef ds:uri="http://purl.org/dc/terms/"/>
+    <ds:schemaRef ds:uri="http://purl.org/dc/elements/1.1/"/>
+    <ds:schemaRef ds:uri="http://www.w3.org/XML/1998/namespace"/>
+    <ds:schemaRef ds:uri="http://schemas.openxmlformats.org/package/2006/metadata/core-properties"/>
+    <ds:schemaRef ds:uri="56135199-fddc-46f9-8522-4d2f2df906d6"/>
   </ds:schemaRefs>
 </ds:datastoreItem>
 </file>
--- a/Projeto_Normalização/Apresentação_Final/AulaInvertida_Normalizacao.pptx
+++ b/Projeto_Normalização/Apresentação_Final/AulaInvertida_Normalizacao.pptx
@@ -11243,32 +11243,49 @@
       </p:pic>
       <p:pic>
         <p:nvPicPr>
-          <p:cNvPr id="7" name="Imagem 6">
+          <p:cNvPr id="1028" name="Picture 4" descr="https://media.discordapp.net/attachments/870152154856435774/876785331683344394/unknown.png">
             <a:extLst>
               <a:ext uri="{FF2B5EF4-FFF2-40B4-BE49-F238E27FC236}">
-                <a16:creationId xmlns:a16="http://schemas.microsoft.com/office/drawing/2014/main" id="{AEA65D22-BC8D-4F35-8294-1EDB89796CEC}"/>
+                <a16:creationId xmlns:a16="http://schemas.microsoft.com/office/drawing/2014/main" id="{8E5B3C53-6ACB-4277-B211-6BA387459213}"/>
               </a:ext>
             </a:extLst>
           </p:cNvPr>
           <p:cNvPicPr>
-            <a:picLocks noChangeAspect="1"/>
+            <a:picLocks noChangeAspect="1" noChangeArrowheads="1"/>
           </p:cNvPicPr>
           <p:nvPr/>
         </p:nvPicPr>
         <p:blipFill>
-          <a:blip r:embed="rId3"/>
+          <a:blip r:embed="rId3">
+            <a:extLst>
+              <a:ext uri="{28A0092B-C50C-407E-A947-70E740481C1C}">
+                <a14:useLocalDpi xmlns:a14="http://schemas.microsoft.com/office/drawing/2010/main" val="0"/>
+              </a:ext>
+            </a:extLst>
+          </a:blip>
+          <a:srcRect/>
           <a:stretch>
             <a:fillRect/>
           </a:stretch>
         </p:blipFill>
-        <p:spPr>
+        <p:spPr bwMode="auto">
           <a:xfrm>
             <a:off x="1997231" y="3511402"/>
-            <a:ext cx="4422230" cy="2461100"/>
+            <a:ext cx="4422230" cy="2653338"/>
           </a:xfrm>
           <a:prstGeom prst="rect">
             <a:avLst/>
           </a:prstGeom>
+          <a:noFill/>
+          <a:extLst>
+            <a:ext uri="{909E8E84-426E-40DD-AFC4-6F175D3DCCD1}">
+              <a14:hiddenFill xmlns:a14="http://schemas.microsoft.com/office/drawing/2010/main">
+                <a:solidFill>
+                  <a:srgbClr val="FFFFFF"/>
+                </a:solidFill>
+              </a14:hiddenFill>
+            </a:ext>
+          </a:extLst>
         </p:spPr>
       </p:pic>
     </p:spTree>
@@ -11414,7 +11431,7 @@
                                           </p:stCondLst>
                                         </p:cTn>
                                         <p:tgtEl>
-                                          <p:spTgt spid="7"/>
+                                          <p:spTgt spid="1028"/>
                                         </p:tgtEl>
                                         <p:attrNameLst>
                                           <p:attrName>style.visibility</p:attrName>
@@ -11428,7 +11445,7 @@
                                       <p:cBhvr>
                                         <p:cTn id="14" dur="1000"/>
                                         <p:tgtEl>
-                                          <p:spTgt spid="7"/>
+                                          <p:spTgt spid="1028"/>
                                         </p:tgtEl>
                                       </p:cBhvr>
                                     </p:animEffect>
@@ -11436,7 +11453,7 @@
                                       <p:cBhvr>
                                         <p:cTn id="15" dur="1000" fill="hold"/>
                                         <p:tgtEl>
-                                          <p:spTgt spid="7"/>
+                                          <p:spTgt spid="1028"/>
                                         </p:tgtEl>
                                         <p:attrNameLst>
                                           <p:attrName>ppt_x</p:attrName>
@@ -11459,7 +11476,7 @@
                                       <p:cBhvr>
                                         <p:cTn id="16" dur="1000" fill="hold"/>
                                         <p:tgtEl>
-                                          <p:spTgt spid="7"/>
+                                          <p:spTgt spid="1028"/>
                                         </p:tgtEl>
                                         <p:attrNameLst>
                                           <p:attrName>ppt_y</p:attrName>
@@ -18838,6 +18855,15 @@
 </file>
 
 <file path=customXml/item1.xml><?xml version="1.0" encoding="utf-8"?>
+<?mso-contentType ?>
+<FormTemplates xmlns="http://schemas.microsoft.com/sharepoint/v3/contenttype/forms">
+  <Display>DocumentLibraryForm</Display>
+  <Edit>DocumentLibraryForm</Edit>
+  <New>DocumentLibraryForm</New>
+</FormTemplates>
+</file>
+
+<file path=customXml/item2.xml><?xml version="1.0" encoding="utf-8"?>
 <ct:contentTypeSchema xmlns:ct="http://schemas.microsoft.com/office/2006/metadata/contentType" xmlns:ma="http://schemas.microsoft.com/office/2006/metadata/properties/metaAttributes" ct:_="" ma:_="" ma:contentTypeName="Documento" ma:contentTypeID="0x0101001C0BDCB75C490F449996D271113E7085" ma:contentTypeVersion="12" ma:contentTypeDescription="Crie um novo documento." ma:contentTypeScope="" ma:versionID="f78031fe7deaa61be8293be56c3571d3">
   <xsd:schema xmlns:xsd="http://www.w3.org/2001/XMLSchema" xmlns:xs="http://www.w3.org/2001/XMLSchema" xmlns:p="http://schemas.microsoft.com/office/2006/metadata/properties" xmlns:ns2="56135199-fddc-46f9-8522-4d2f2df906d6" xmlns:ns3="616ddcb6-37a4-4b68-9e62-eadd2126515b" targetNamespace="http://schemas.microsoft.com/office/2006/metadata/properties" ma:root="true" ma:fieldsID="84b82f449ed318020166b0b852c53661" ns2:_="" ns3:_="">
     <xsd:import namespace="56135199-fddc-46f9-8522-4d2f2df906d6"/>
@@ -19054,15 +19080,6 @@
 </ct:contentTypeSchema>
 </file>
 
-<file path=customXml/item2.xml><?xml version="1.0" encoding="utf-8"?>
-<?mso-contentType ?>
-<FormTemplates xmlns="http://schemas.microsoft.com/sharepoint/v3/contenttype/forms">
-  <Display>DocumentLibraryForm</Display>
-  <Edit>DocumentLibraryForm</Edit>
-  <New>DocumentLibraryForm</New>
-</FormTemplates>
-</file>
-
 <file path=customXml/item3.xml><?xml version="1.0" encoding="utf-8"?>
 <p:properties xmlns:p="http://schemas.microsoft.com/office/2006/metadata/properties" xmlns:xsi="http://www.w3.org/2001/XMLSchema-instance" xmlns:pc="http://schemas.microsoft.com/office/infopath/2007/PartnerControls">
   <documentManagement/>
@@ -19070,6 +19087,14 @@
 </file>
 
 <file path=customXml/itemProps1.xml><?xml version="1.0" encoding="utf-8"?>
+<ds:datastoreItem xmlns:ds="http://schemas.openxmlformats.org/officeDocument/2006/customXml" ds:itemID="{8AEFDE86-9ABD-4B53-9EB0-611E0710241D}">
+  <ds:schemaRefs>
+    <ds:schemaRef ds:uri="http://schemas.microsoft.com/sharepoint/v3/contenttype/forms"/>
+  </ds:schemaRefs>
+</ds:datastoreItem>
+</file>
+
+<file path=customXml/itemProps2.xml><?xml version="1.0" encoding="utf-8"?>
 <ds:datastoreItem xmlns:ds="http://schemas.openxmlformats.org/officeDocument/2006/customXml" ds:itemID="{DD46F767-487D-45A7-9383-4F9F29521278}">
   <ds:schemaRefs>
     <ds:schemaRef ds:uri="56135199-fddc-46f9-8522-4d2f2df906d6"/>
@@ -19084,14 +19109,6 @@
     <ds:schemaRef ds:uri="http://schemas.microsoft.com/office/infopath/2007/PartnerControls"/>
     <ds:schemaRef ds:uri="http://schemas.openxmlformats.org/package/2006/metadata/core-properties"/>
     <ds:schemaRef ds:uri="http://www.w3.org/2001/XMLSchema"/>
-  </ds:schemaRefs>
-</ds:datastoreItem>
-</file>
-
-<file path=customXml/itemProps2.xml><?xml version="1.0" encoding="utf-8"?>
-<ds:datastoreItem xmlns:ds="http://schemas.openxmlformats.org/officeDocument/2006/customXml" ds:itemID="{8AEFDE86-9ABD-4B53-9EB0-611E0710241D}">
-  <ds:schemaRefs>
-    <ds:schemaRef ds:uri="http://schemas.microsoft.com/sharepoint/v3/contenttype/forms"/>
   </ds:schemaRefs>
 </ds:datastoreItem>
 </file>
